--- a/Sprint 1/Word/SCRUM, JSON, and CSV.pptx
+++ b/Sprint 1/Word/SCRUM, JSON, and CSV.pptx
@@ -5,19 +5,22 @@
     <p:sldMasterId id="2147483648" r:id="rId1"/>
   </p:sldMasterIdLst>
   <p:notesMasterIdLst>
-    <p:notesMasterId r:id="rId12"/>
+    <p:notesMasterId r:id="rId15"/>
   </p:notesMasterIdLst>
   <p:sldIdLst>
     <p:sldId id="256" r:id="rId2"/>
     <p:sldId id="261" r:id="rId3"/>
-    <p:sldId id="257" r:id="rId4"/>
-    <p:sldId id="258" r:id="rId5"/>
-    <p:sldId id="259" r:id="rId6"/>
-    <p:sldId id="262" r:id="rId7"/>
-    <p:sldId id="263" r:id="rId8"/>
-    <p:sldId id="264" r:id="rId9"/>
-    <p:sldId id="265" r:id="rId10"/>
-    <p:sldId id="260" r:id="rId11"/>
+    <p:sldId id="266" r:id="rId4"/>
+    <p:sldId id="257" r:id="rId5"/>
+    <p:sldId id="267" r:id="rId6"/>
+    <p:sldId id="268" r:id="rId7"/>
+    <p:sldId id="258" r:id="rId8"/>
+    <p:sldId id="259" r:id="rId9"/>
+    <p:sldId id="262" r:id="rId10"/>
+    <p:sldId id="263" r:id="rId11"/>
+    <p:sldId id="264" r:id="rId12"/>
+    <p:sldId id="265" r:id="rId13"/>
+    <p:sldId id="260" r:id="rId14"/>
   </p:sldIdLst>
   <p:sldSz cx="12192000" cy="6858000"/>
   <p:notesSz cx="6858000" cy="9144000"/>
@@ -127,7 +130,7 @@
 <file path=ppt/revisionInfo.xml><?xml version="1.0" encoding="utf-8"?>
 <p1510:revInfo xmlns:a="http://schemas.openxmlformats.org/drawingml/2006/main" xmlns:r="http://schemas.openxmlformats.org/officeDocument/2006/relationships" xmlns:p1510="http://schemas.microsoft.com/office/powerpoint/2015/10/main">
   <p1510:revLst>
-    <p1510:client id="{83312F6B-F1D9-445F-BFF4-DFA7A8A8131D}" v="83" dt="2025-09-18T06:29:31.229"/>
+    <p1510:client id="{64556FBF-6D48-4093-B79B-6D909A7DAEE0}" v="3" dt="2025-11-19T14:26:27.446"/>
   </p1510:revLst>
 </p1510:revInfo>
 </file>
@@ -135,930 +138,133 @@
 <file path=ppt/changesInfos/changesInfo1.xml><?xml version="1.0" encoding="utf-8"?>
 <pc:chgInfo xmlns:a="http://schemas.openxmlformats.org/drawingml/2006/main" xmlns:r="http://schemas.openxmlformats.org/officeDocument/2006/relationships" xmlns:ac="http://schemas.microsoft.com/office/drawing/2013/main/command" xmlns:pc="http://schemas.microsoft.com/office/powerpoint/2013/main/command">
   <pc:docChgLst>
-    <pc:chgData name="Kaleb Torres" userId="708cad581216fcb4" providerId="LiveId" clId="{72D7EF49-C36C-4A33-B6E3-4E40D7096B86}"/>
-    <pc:docChg chg="undo custSel addSld modSld sldOrd">
-      <pc:chgData name="Kaleb Torres" userId="708cad581216fcb4" providerId="LiveId" clId="{72D7EF49-C36C-4A33-B6E3-4E40D7096B86}" dt="2025-09-18T06:29:33.334" v="444" actId="26606"/>
+    <pc:chgData name="Kaleb Torres" userId="708cad581216fcb4" providerId="LiveId" clId="{BC32BA14-EAE1-4D70-A0AC-BCF976ED902B}"/>
+    <pc:docChg chg="undo custSel addSld modSld">
+      <pc:chgData name="Kaleb Torres" userId="708cad581216fcb4" providerId="LiveId" clId="{BC32BA14-EAE1-4D70-A0AC-BCF976ED902B}" dt="2025-11-19T14:27:52.833" v="150" actId="20577"/>
       <pc:docMkLst>
         <pc:docMk/>
       </pc:docMkLst>
-      <pc:sldChg chg="addSp delSp modSp mod setBg">
-        <pc:chgData name="Kaleb Torres" userId="708cad581216fcb4" providerId="LiveId" clId="{72D7EF49-C36C-4A33-B6E3-4E40D7096B86}" dt="2025-09-18T06:07:09.548" v="85" actId="20577"/>
+      <pc:sldChg chg="modSp mod">
+        <pc:chgData name="Kaleb Torres" userId="708cad581216fcb4" providerId="LiveId" clId="{BC32BA14-EAE1-4D70-A0AC-BCF976ED902B}" dt="2025-11-19T14:25:08.830" v="51" actId="20577"/>
+        <pc:sldMkLst>
+          <pc:docMk/>
+          <pc:sldMk cId="1183289412" sldId="256"/>
+        </pc:sldMkLst>
+        <pc:spChg chg="mod">
+          <ac:chgData name="Kaleb Torres" userId="708cad581216fcb4" providerId="LiveId" clId="{BC32BA14-EAE1-4D70-A0AC-BCF976ED902B}" dt="2025-11-19T14:24:16.686" v="1" actId="27636"/>
+          <ac:spMkLst>
+            <pc:docMk/>
+            <pc:sldMk cId="1183289412" sldId="256"/>
+            <ac:spMk id="2" creationId="{02D8BE38-88DA-D011-E27C-EBE4545ADD5D}"/>
+          </ac:spMkLst>
+        </pc:spChg>
+        <pc:spChg chg="mod">
+          <ac:chgData name="Kaleb Torres" userId="708cad581216fcb4" providerId="LiveId" clId="{BC32BA14-EAE1-4D70-A0AC-BCF976ED902B}" dt="2025-11-19T14:24:24.770" v="4" actId="20577"/>
+          <ac:spMkLst>
+            <pc:docMk/>
+            <pc:sldMk cId="1183289412" sldId="256"/>
+            <ac:spMk id="3" creationId="{18631FE9-BD76-4FD0-DBE7-AA5EBEECA829}"/>
+          </ac:spMkLst>
+        </pc:spChg>
+        <pc:spChg chg="mod">
+          <ac:chgData name="Kaleb Torres" userId="708cad581216fcb4" providerId="LiveId" clId="{BC32BA14-EAE1-4D70-A0AC-BCF976ED902B}" dt="2025-11-19T14:25:08.830" v="51" actId="20577"/>
+          <ac:spMkLst>
+            <pc:docMk/>
+            <pc:sldMk cId="1183289412" sldId="256"/>
+            <ac:spMk id="5" creationId="{32370177-42E3-FF49-0A4C-DC68EFE64402}"/>
+          </ac:spMkLst>
+        </pc:spChg>
+      </pc:sldChg>
+      <pc:sldChg chg="modSp mod">
+        <pc:chgData name="Kaleb Torres" userId="708cad581216fcb4" providerId="LiveId" clId="{BC32BA14-EAE1-4D70-A0AC-BCF976ED902B}" dt="2025-11-19T14:27:25.826" v="129" actId="20577"/>
         <pc:sldMkLst>
           <pc:docMk/>
           <pc:sldMk cId="1627428205" sldId="257"/>
         </pc:sldMkLst>
         <pc:spChg chg="mod">
-          <ac:chgData name="Kaleb Torres" userId="708cad581216fcb4" providerId="LiveId" clId="{72D7EF49-C36C-4A33-B6E3-4E40D7096B86}" dt="2025-09-18T06:07:09.548" v="85" actId="20577"/>
+          <ac:chgData name="Kaleb Torres" userId="708cad581216fcb4" providerId="LiveId" clId="{BC32BA14-EAE1-4D70-A0AC-BCF976ED902B}" dt="2025-11-19T14:27:25.826" v="129" actId="20577"/>
           <ac:spMkLst>
             <pc:docMk/>
             <pc:sldMk cId="1627428205" sldId="257"/>
             <ac:spMk id="2" creationId="{F5836CDB-C61E-7773-48DD-7407F599DC72}"/>
           </ac:spMkLst>
         </pc:spChg>
-        <pc:spChg chg="add del mod">
-          <ac:chgData name="Kaleb Torres" userId="708cad581216fcb4" providerId="LiveId" clId="{72D7EF49-C36C-4A33-B6E3-4E40D7096B86}" dt="2025-09-18T06:06:23.735" v="79" actId="26606"/>
-          <ac:spMkLst>
-            <pc:docMk/>
-            <pc:sldMk cId="1627428205" sldId="257"/>
-            <ac:spMk id="3" creationId="{D6809E89-C041-D710-E946-26679F85C988}"/>
-          </ac:spMkLst>
-        </pc:spChg>
-        <pc:spChg chg="add">
-          <ac:chgData name="Kaleb Torres" userId="708cad581216fcb4" providerId="LiveId" clId="{72D7EF49-C36C-4A33-B6E3-4E40D7096B86}" dt="2025-09-18T06:03:13.414" v="47"/>
-          <ac:spMkLst>
-            <pc:docMk/>
-            <pc:sldMk cId="1627428205" sldId="257"/>
-            <ac:spMk id="4" creationId="{EE3EE772-061D-6AF7-C3D6-7A007DC0527C}"/>
-          </ac:spMkLst>
-        </pc:spChg>
-        <pc:spChg chg="add mod">
-          <ac:chgData name="Kaleb Torres" userId="708cad581216fcb4" providerId="LiveId" clId="{72D7EF49-C36C-4A33-B6E3-4E40D7096B86}" dt="2025-09-18T06:03:23.630" v="51"/>
-          <ac:spMkLst>
-            <pc:docMk/>
-            <pc:sldMk cId="1627428205" sldId="257"/>
-            <ac:spMk id="5" creationId="{50D0599F-3A2B-A1A9-B033-B7EE2BF63010}"/>
-          </ac:spMkLst>
-        </pc:spChg>
-        <pc:spChg chg="add del">
-          <ac:chgData name="Kaleb Torres" userId="708cad581216fcb4" providerId="LiveId" clId="{72D7EF49-C36C-4A33-B6E3-4E40D7096B86}" dt="2025-09-18T06:04:58.536" v="67" actId="22"/>
-          <ac:spMkLst>
-            <pc:docMk/>
-            <pc:sldMk cId="1627428205" sldId="257"/>
-            <ac:spMk id="7" creationId="{28728805-9941-1020-1FA8-C47182109987}"/>
-          </ac:spMkLst>
-        </pc:spChg>
-        <pc:spChg chg="add del mod">
-          <ac:chgData name="Kaleb Torres" userId="708cad581216fcb4" providerId="LiveId" clId="{72D7EF49-C36C-4A33-B6E3-4E40D7096B86}" dt="2025-09-18T06:05:59.970" v="72" actId="478"/>
-          <ac:spMkLst>
-            <pc:docMk/>
-            <pc:sldMk cId="1627428205" sldId="257"/>
-            <ac:spMk id="9" creationId="{62CBE03C-9811-E975-F444-491524385B0F}"/>
-          </ac:spMkLst>
-        </pc:spChg>
-        <pc:spChg chg="add">
-          <ac:chgData name="Kaleb Torres" userId="708cad581216fcb4" providerId="LiveId" clId="{72D7EF49-C36C-4A33-B6E3-4E40D7096B86}" dt="2025-09-18T06:06:23.735" v="79" actId="26606"/>
-          <ac:spMkLst>
-            <pc:docMk/>
-            <pc:sldMk cId="1627428205" sldId="257"/>
-            <ac:spMk id="1033" creationId="{D009D6D5-DAC2-4A8B-A17A-E206B9012D09}"/>
-          </ac:spMkLst>
-        </pc:spChg>
-        <pc:spChg chg="add del">
-          <ac:chgData name="Kaleb Torres" userId="708cad581216fcb4" providerId="LiveId" clId="{72D7EF49-C36C-4A33-B6E3-4E40D7096B86}" dt="2025-09-18T06:06:10.903" v="75" actId="26606"/>
-          <ac:spMkLst>
-            <pc:docMk/>
-            <pc:sldMk cId="1627428205" sldId="257"/>
-            <ac:spMk id="1035" creationId="{F13C74B1-5B17-4795-BED0-7140497B445A}"/>
-          </ac:spMkLst>
-        </pc:spChg>
-        <pc:spChg chg="add del">
-          <ac:chgData name="Kaleb Torres" userId="708cad581216fcb4" providerId="LiveId" clId="{72D7EF49-C36C-4A33-B6E3-4E40D7096B86}" dt="2025-09-18T06:06:10.903" v="75" actId="26606"/>
-          <ac:spMkLst>
-            <pc:docMk/>
-            <pc:sldMk cId="1627428205" sldId="257"/>
-            <ac:spMk id="1037" creationId="{D4974D33-8DC5-464E-8C6D-BE58F0669C17}"/>
-          </ac:spMkLst>
-        </pc:spChg>
-        <pc:spChg chg="add del">
-          <ac:chgData name="Kaleb Torres" userId="708cad581216fcb4" providerId="LiveId" clId="{72D7EF49-C36C-4A33-B6E3-4E40D7096B86}" dt="2025-09-18T06:06:20.102" v="78" actId="26606"/>
-          <ac:spMkLst>
-            <pc:docMk/>
-            <pc:sldMk cId="1627428205" sldId="257"/>
-            <ac:spMk id="1039" creationId="{04812C46-200A-4DEB-A05E-3ED6C68C2387}"/>
-          </ac:spMkLst>
-        </pc:spChg>
-        <pc:spChg chg="add del">
-          <ac:chgData name="Kaleb Torres" userId="708cad581216fcb4" providerId="LiveId" clId="{72D7EF49-C36C-4A33-B6E3-4E40D7096B86}" dt="2025-09-18T06:06:20.102" v="78" actId="26606"/>
-          <ac:spMkLst>
-            <pc:docMk/>
-            <pc:sldMk cId="1627428205" sldId="257"/>
-            <ac:spMk id="1040" creationId="{D1EA859B-E555-4109-94F3-6700E046E008}"/>
-          </ac:spMkLst>
-        </pc:spChg>
-        <pc:picChg chg="add del">
-          <ac:chgData name="Kaleb Torres" userId="708cad581216fcb4" providerId="LiveId" clId="{72D7EF49-C36C-4A33-B6E3-4E40D7096B86}" dt="2025-09-18T06:05:59.970" v="72" actId="478"/>
-          <ac:picMkLst>
-            <pc:docMk/>
-            <pc:sldMk cId="1627428205" sldId="257"/>
-            <ac:picMk id="1028" creationId="{B0D517FE-AB5D-0246-AC84-05AB31E3184C}"/>
-          </ac:picMkLst>
-        </pc:picChg>
-        <pc:picChg chg="add mod ord">
-          <ac:chgData name="Kaleb Torres" userId="708cad581216fcb4" providerId="LiveId" clId="{72D7EF49-C36C-4A33-B6E3-4E40D7096B86}" dt="2025-09-18T06:06:23.735" v="79" actId="26606"/>
-          <ac:picMkLst>
-            <pc:docMk/>
-            <pc:sldMk cId="1627428205" sldId="257"/>
-            <ac:picMk id="1030" creationId="{5C492EDE-1A7A-AF0E-DBB4-34B95D6E4E82}"/>
-          </ac:picMkLst>
-        </pc:picChg>
-        <pc:picChg chg="add">
-          <ac:chgData name="Kaleb Torres" userId="708cad581216fcb4" providerId="LiveId" clId="{72D7EF49-C36C-4A33-B6E3-4E40D7096B86}" dt="2025-09-18T06:06:17.807" v="77"/>
-          <ac:picMkLst>
-            <pc:docMk/>
-            <pc:sldMk cId="1627428205" sldId="257"/>
-            <ac:picMk id="1032" creationId="{C55A4782-C0D1-8C49-78EE-473A81B5506E}"/>
-          </ac:picMkLst>
-        </pc:picChg>
       </pc:sldChg>
-      <pc:sldChg chg="addSp delSp modSp new mod setBg">
-        <pc:chgData name="Kaleb Torres" userId="708cad581216fcb4" providerId="LiveId" clId="{72D7EF49-C36C-4A33-B6E3-4E40D7096B86}" dt="2025-09-18T06:12:53.831" v="247" actId="26606"/>
-        <pc:sldMkLst>
-          <pc:docMk/>
-          <pc:sldMk cId="1051947695" sldId="258"/>
-        </pc:sldMkLst>
-        <pc:spChg chg="mod">
-          <ac:chgData name="Kaleb Torres" userId="708cad581216fcb4" providerId="LiveId" clId="{72D7EF49-C36C-4A33-B6E3-4E40D7096B86}" dt="2025-09-18T06:12:53.816" v="246" actId="26606"/>
-          <ac:spMkLst>
-            <pc:docMk/>
-            <pc:sldMk cId="1051947695" sldId="258"/>
-            <ac:spMk id="2" creationId="{EFEDB4E5-5712-55A9-7221-8E64092762E9}"/>
-          </ac:spMkLst>
-        </pc:spChg>
-        <pc:spChg chg="add del mod">
-          <ac:chgData name="Kaleb Torres" userId="708cad581216fcb4" providerId="LiveId" clId="{72D7EF49-C36C-4A33-B6E3-4E40D7096B86}" dt="2025-09-18T06:12:53.831" v="247" actId="26606"/>
-          <ac:spMkLst>
-            <pc:docMk/>
-            <pc:sldMk cId="1051947695" sldId="258"/>
-            <ac:spMk id="3" creationId="{A38A5455-4A1D-97A1-DFE6-1D0E72880A90}"/>
-          </ac:spMkLst>
-        </pc:spChg>
-        <pc:spChg chg="add">
-          <ac:chgData name="Kaleb Torres" userId="708cad581216fcb4" providerId="LiveId" clId="{72D7EF49-C36C-4A33-B6E3-4E40D7096B86}" dt="2025-09-18T06:07:24.177" v="87"/>
-          <ac:spMkLst>
-            <pc:docMk/>
-            <pc:sldMk cId="1051947695" sldId="258"/>
-            <ac:spMk id="4" creationId="{F6433FB1-9CE1-0EC1-3AF4-27ED9008CB5D}"/>
-          </ac:spMkLst>
-        </pc:spChg>
-        <pc:spChg chg="add mod">
-          <ac:chgData name="Kaleb Torres" userId="708cad581216fcb4" providerId="LiveId" clId="{72D7EF49-C36C-4A33-B6E3-4E40D7096B86}" dt="2025-09-18T06:07:35.690" v="91"/>
-          <ac:spMkLst>
-            <pc:docMk/>
-            <pc:sldMk cId="1051947695" sldId="258"/>
-            <ac:spMk id="5" creationId="{A412ADC7-146E-747C-6603-46B72E58B367}"/>
-          </ac:spMkLst>
-        </pc:spChg>
-        <pc:spChg chg="add del">
-          <ac:chgData name="Kaleb Torres" userId="708cad581216fcb4" providerId="LiveId" clId="{72D7EF49-C36C-4A33-B6E3-4E40D7096B86}" dt="2025-09-18T06:12:32.266" v="235" actId="26606"/>
-          <ac:spMkLst>
-            <pc:docMk/>
-            <pc:sldMk cId="1051947695" sldId="258"/>
-            <ac:spMk id="2054" creationId="{889D5D69-307E-4862-950C-1A7CC8A22B4A}"/>
-          </ac:spMkLst>
-        </pc:spChg>
-        <pc:spChg chg="add del">
-          <ac:chgData name="Kaleb Torres" userId="708cad581216fcb4" providerId="LiveId" clId="{72D7EF49-C36C-4A33-B6E3-4E40D7096B86}" dt="2025-09-18T06:12:32.266" v="235" actId="26606"/>
-          <ac:spMkLst>
-            <pc:docMk/>
-            <pc:sldMk cId="1051947695" sldId="258"/>
-            <ac:spMk id="2055" creationId="{2100E061-779B-4006-BC39-114A057A7178}"/>
-          </ac:spMkLst>
-        </pc:spChg>
-        <pc:spChg chg="add del">
-          <ac:chgData name="Kaleb Torres" userId="708cad581216fcb4" providerId="LiveId" clId="{72D7EF49-C36C-4A33-B6E3-4E40D7096B86}" dt="2025-09-18T06:11:56.062" v="214" actId="26606"/>
-          <ac:spMkLst>
-            <pc:docMk/>
-            <pc:sldMk cId="1051947695" sldId="258"/>
-            <ac:spMk id="2057" creationId="{362810D9-2C5A-477D-949C-C191895477F3}"/>
-          </ac:spMkLst>
-        </pc:spChg>
-        <pc:spChg chg="add del">
-          <ac:chgData name="Kaleb Torres" userId="708cad581216fcb4" providerId="LiveId" clId="{72D7EF49-C36C-4A33-B6E3-4E40D7096B86}" dt="2025-09-18T06:12:32.266" v="235" actId="26606"/>
-          <ac:spMkLst>
-            <pc:docMk/>
-            <pc:sldMk cId="1051947695" sldId="258"/>
-            <ac:spMk id="2058" creationId="{6CB927A4-E432-4310-9CD5-E89FF5063179}"/>
-          </ac:spMkLst>
-        </pc:spChg>
-        <pc:spChg chg="add del">
-          <ac:chgData name="Kaleb Torres" userId="708cad581216fcb4" providerId="LiveId" clId="{72D7EF49-C36C-4A33-B6E3-4E40D7096B86}" dt="2025-09-18T06:11:56.062" v="214" actId="26606"/>
-          <ac:spMkLst>
-            <pc:docMk/>
-            <pc:sldMk cId="1051947695" sldId="258"/>
-            <ac:spMk id="2059" creationId="{081E4A58-353D-44AE-B2FC-2A74E2E400F7}"/>
-          </ac:spMkLst>
-        </pc:spChg>
-        <pc:spChg chg="add del">
-          <ac:chgData name="Kaleb Torres" userId="708cad581216fcb4" providerId="LiveId" clId="{72D7EF49-C36C-4A33-B6E3-4E40D7096B86}" dt="2025-09-18T06:12:32.266" v="235" actId="26606"/>
-          <ac:spMkLst>
-            <pc:docMk/>
-            <pc:sldMk cId="1051947695" sldId="258"/>
-            <ac:spMk id="2060" creationId="{E3020543-B24B-4EC4-8FFC-8DD88EEA91A8}"/>
-          </ac:spMkLst>
-        </pc:spChg>
-        <pc:spChg chg="add del">
-          <ac:chgData name="Kaleb Torres" userId="708cad581216fcb4" providerId="LiveId" clId="{72D7EF49-C36C-4A33-B6E3-4E40D7096B86}" dt="2025-09-18T06:12:00.212" v="216" actId="26606"/>
-          <ac:spMkLst>
-            <pc:docMk/>
-            <pc:sldMk cId="1051947695" sldId="258"/>
-            <ac:spMk id="2061" creationId="{6CC7D015-0DD8-420F-A568-AC4FEDC41251}"/>
-          </ac:spMkLst>
-        </pc:spChg>
-        <pc:spChg chg="add del">
-          <ac:chgData name="Kaleb Torres" userId="708cad581216fcb4" providerId="LiveId" clId="{72D7EF49-C36C-4A33-B6E3-4E40D7096B86}" dt="2025-09-18T06:12:00.212" v="216" actId="26606"/>
-          <ac:spMkLst>
-            <pc:docMk/>
-            <pc:sldMk cId="1051947695" sldId="258"/>
-            <ac:spMk id="2062" creationId="{DC595556-C814-4F1F-B0E5-71812F38A8CD}"/>
-          </ac:spMkLst>
-        </pc:spChg>
-        <pc:spChg chg="add del">
-          <ac:chgData name="Kaleb Torres" userId="708cad581216fcb4" providerId="LiveId" clId="{72D7EF49-C36C-4A33-B6E3-4E40D7096B86}" dt="2025-09-18T06:12:19.725" v="233" actId="26606"/>
-          <ac:spMkLst>
-            <pc:docMk/>
-            <pc:sldMk cId="1051947695" sldId="258"/>
-            <ac:spMk id="2063" creationId="{6CB927A4-E432-4310-9CD5-E89FF5063179}"/>
-          </ac:spMkLst>
-        </pc:spChg>
-        <pc:spChg chg="add del">
-          <ac:chgData name="Kaleb Torres" userId="708cad581216fcb4" providerId="LiveId" clId="{72D7EF49-C36C-4A33-B6E3-4E40D7096B86}" dt="2025-09-18T06:12:19.725" v="233" actId="26606"/>
-          <ac:spMkLst>
-            <pc:docMk/>
-            <pc:sldMk cId="1051947695" sldId="258"/>
-            <ac:spMk id="2064" creationId="{889D5D69-307E-4862-950C-1A7CC8A22B4A}"/>
-          </ac:spMkLst>
-        </pc:spChg>
-        <pc:spChg chg="add del">
-          <ac:chgData name="Kaleb Torres" userId="708cad581216fcb4" providerId="LiveId" clId="{72D7EF49-C36C-4A33-B6E3-4E40D7096B86}" dt="2025-09-18T06:12:19.725" v="233" actId="26606"/>
-          <ac:spMkLst>
-            <pc:docMk/>
-            <pc:sldMk cId="1051947695" sldId="258"/>
-            <ac:spMk id="2065" creationId="{E3020543-B24B-4EC4-8FFC-8DD88EEA91A8}"/>
-          </ac:spMkLst>
-        </pc:spChg>
-        <pc:spChg chg="add del">
-          <ac:chgData name="Kaleb Torres" userId="708cad581216fcb4" providerId="LiveId" clId="{72D7EF49-C36C-4A33-B6E3-4E40D7096B86}" dt="2025-09-18T06:12:19.725" v="233" actId="26606"/>
-          <ac:spMkLst>
-            <pc:docMk/>
-            <pc:sldMk cId="1051947695" sldId="258"/>
-            <ac:spMk id="2066" creationId="{2100E061-779B-4006-BC39-114A057A7178}"/>
-          </ac:spMkLst>
-        </pc:spChg>
-        <pc:spChg chg="add del">
-          <ac:chgData name="Kaleb Torres" userId="708cad581216fcb4" providerId="LiveId" clId="{72D7EF49-C36C-4A33-B6E3-4E40D7096B86}" dt="2025-09-18T06:12:19.725" v="233" actId="26606"/>
-          <ac:spMkLst>
-            <pc:docMk/>
-            <pc:sldMk cId="1051947695" sldId="258"/>
-            <ac:spMk id="2067" creationId="{1453BF6C-B012-48B7-B4E8-6D7AC7C27D02}"/>
-          </ac:spMkLst>
-        </pc:spChg>
-        <pc:spChg chg="add del">
-          <ac:chgData name="Kaleb Torres" userId="708cad581216fcb4" providerId="LiveId" clId="{72D7EF49-C36C-4A33-B6E3-4E40D7096B86}" dt="2025-09-18T06:12:32.266" v="235" actId="26606"/>
-          <ac:spMkLst>
-            <pc:docMk/>
-            <pc:sldMk cId="1051947695" sldId="258"/>
-            <ac:spMk id="2069" creationId="{1453BF6C-B012-48B7-B4E8-6D7AC7C27D02}"/>
-          </ac:spMkLst>
-        </pc:spChg>
-        <pc:spChg chg="add del">
-          <ac:chgData name="Kaleb Torres" userId="708cad581216fcb4" providerId="LiveId" clId="{72D7EF49-C36C-4A33-B6E3-4E40D7096B86}" dt="2025-09-18T06:12:35.005" v="237" actId="26606"/>
-          <ac:spMkLst>
-            <pc:docMk/>
-            <pc:sldMk cId="1051947695" sldId="258"/>
-            <ac:spMk id="2071" creationId="{56688E73-49B9-4052-A836-D248C825D70D}"/>
-          </ac:spMkLst>
-        </pc:spChg>
-        <pc:spChg chg="add del">
-          <ac:chgData name="Kaleb Torres" userId="708cad581216fcb4" providerId="LiveId" clId="{72D7EF49-C36C-4A33-B6E3-4E40D7096B86}" dt="2025-09-18T06:12:35.005" v="237" actId="26606"/>
-          <ac:spMkLst>
-            <pc:docMk/>
-            <pc:sldMk cId="1051947695" sldId="258"/>
-            <ac:spMk id="2072" creationId="{5B6AEE0C-07FE-4154-BC7C-2F20530BC556}"/>
-          </ac:spMkLst>
-        </pc:spChg>
-        <pc:spChg chg="add del">
-          <ac:chgData name="Kaleb Torres" userId="708cad581216fcb4" providerId="LiveId" clId="{72D7EF49-C36C-4A33-B6E3-4E40D7096B86}" dt="2025-09-18T06:12:39.101" v="239" actId="26606"/>
-          <ac:spMkLst>
-            <pc:docMk/>
-            <pc:sldMk cId="1051947695" sldId="258"/>
-            <ac:spMk id="2074" creationId="{362810D9-2C5A-477D-949C-C191895477F3}"/>
-          </ac:spMkLst>
-        </pc:spChg>
-        <pc:spChg chg="add del">
-          <ac:chgData name="Kaleb Torres" userId="708cad581216fcb4" providerId="LiveId" clId="{72D7EF49-C36C-4A33-B6E3-4E40D7096B86}" dt="2025-09-18T06:12:39.101" v="239" actId="26606"/>
-          <ac:spMkLst>
-            <pc:docMk/>
-            <pc:sldMk cId="1051947695" sldId="258"/>
-            <ac:spMk id="2075" creationId="{081E4A58-353D-44AE-B2FC-2A74E2E400F7}"/>
-          </ac:spMkLst>
-        </pc:spChg>
-        <pc:spChg chg="add del">
-          <ac:chgData name="Kaleb Torres" userId="708cad581216fcb4" providerId="LiveId" clId="{72D7EF49-C36C-4A33-B6E3-4E40D7096B86}" dt="2025-09-18T06:12:53.831" v="247" actId="26606"/>
-          <ac:spMkLst>
-            <pc:docMk/>
-            <pc:sldMk cId="1051947695" sldId="258"/>
-            <ac:spMk id="2077" creationId="{889D5D69-307E-4862-950C-1A7CC8A22B4A}"/>
-          </ac:spMkLst>
-        </pc:spChg>
-        <pc:spChg chg="add del">
-          <ac:chgData name="Kaleb Torres" userId="708cad581216fcb4" providerId="LiveId" clId="{72D7EF49-C36C-4A33-B6E3-4E40D7096B86}" dt="2025-09-18T06:12:53.831" v="247" actId="26606"/>
-          <ac:spMkLst>
-            <pc:docMk/>
-            <pc:sldMk cId="1051947695" sldId="258"/>
-            <ac:spMk id="2078" creationId="{2100E061-779B-4006-BC39-114A057A7178}"/>
-          </ac:spMkLst>
-        </pc:spChg>
-        <pc:spChg chg="add del">
-          <ac:chgData name="Kaleb Torres" userId="708cad581216fcb4" providerId="LiveId" clId="{72D7EF49-C36C-4A33-B6E3-4E40D7096B86}" dt="2025-09-18T06:12:53.831" v="247" actId="26606"/>
-          <ac:spMkLst>
-            <pc:docMk/>
-            <pc:sldMk cId="1051947695" sldId="258"/>
-            <ac:spMk id="2080" creationId="{6CB927A4-E432-4310-9CD5-E89FF5063179}"/>
-          </ac:spMkLst>
-        </pc:spChg>
-        <pc:spChg chg="add del">
-          <ac:chgData name="Kaleb Torres" userId="708cad581216fcb4" providerId="LiveId" clId="{72D7EF49-C36C-4A33-B6E3-4E40D7096B86}" dt="2025-09-18T06:12:53.816" v="246" actId="26606"/>
-          <ac:spMkLst>
-            <pc:docMk/>
-            <pc:sldMk cId="1051947695" sldId="258"/>
-            <ac:spMk id="2081" creationId="{E3020543-B24B-4EC4-8FFC-8DD88EEA91A8}"/>
-          </ac:spMkLst>
-        </pc:spChg>
-        <pc:spChg chg="add del">
-          <ac:chgData name="Kaleb Torres" userId="708cad581216fcb4" providerId="LiveId" clId="{72D7EF49-C36C-4A33-B6E3-4E40D7096B86}" dt="2025-09-18T06:12:53.831" v="247" actId="26606"/>
-          <ac:spMkLst>
-            <pc:docMk/>
-            <pc:sldMk cId="1051947695" sldId="258"/>
-            <ac:spMk id="2082" creationId="{1453BF6C-B012-48B7-B4E8-6D7AC7C27D02}"/>
-          </ac:spMkLst>
-        </pc:spChg>
-        <pc:spChg chg="add del">
-          <ac:chgData name="Kaleb Torres" userId="708cad581216fcb4" providerId="LiveId" clId="{72D7EF49-C36C-4A33-B6E3-4E40D7096B86}" dt="2025-09-18T06:12:50.650" v="244" actId="26606"/>
-          <ac:spMkLst>
-            <pc:docMk/>
-            <pc:sldMk cId="1051947695" sldId="258"/>
-            <ac:spMk id="2087" creationId="{C4285719-470E-454C-AF62-8323075F1F5B}"/>
-          </ac:spMkLst>
-        </pc:spChg>
-        <pc:spChg chg="add del">
-          <ac:chgData name="Kaleb Torres" userId="708cad581216fcb4" providerId="LiveId" clId="{72D7EF49-C36C-4A33-B6E3-4E40D7096B86}" dt="2025-09-18T06:12:50.650" v="244" actId="26606"/>
-          <ac:spMkLst>
-            <pc:docMk/>
-            <pc:sldMk cId="1051947695" sldId="258"/>
-            <ac:spMk id="2093" creationId="{D2B78728-A580-49A7-84F9-6EF6F583ADE0}"/>
-          </ac:spMkLst>
-        </pc:spChg>
-        <pc:spChg chg="add del">
-          <ac:chgData name="Kaleb Torres" userId="708cad581216fcb4" providerId="LiveId" clId="{72D7EF49-C36C-4A33-B6E3-4E40D7096B86}" dt="2025-09-18T06:12:50.650" v="244" actId="26606"/>
-          <ac:spMkLst>
-            <pc:docMk/>
-            <pc:sldMk cId="1051947695" sldId="258"/>
-            <ac:spMk id="2095" creationId="{38FAA1A1-D861-433F-88FA-1E9D6FD31D11}"/>
-          </ac:spMkLst>
-        </pc:spChg>
-        <pc:spChg chg="add del">
-          <ac:chgData name="Kaleb Torres" userId="708cad581216fcb4" providerId="LiveId" clId="{72D7EF49-C36C-4A33-B6E3-4E40D7096B86}" dt="2025-09-18T06:12:50.650" v="244" actId="26606"/>
-          <ac:spMkLst>
-            <pc:docMk/>
-            <pc:sldMk cId="1051947695" sldId="258"/>
-            <ac:spMk id="2097" creationId="{8D71EDA1-87BF-4D5D-AB79-F346FD19278A}"/>
-          </ac:spMkLst>
-        </pc:spChg>
-        <pc:spChg chg="add del">
-          <ac:chgData name="Kaleb Torres" userId="708cad581216fcb4" providerId="LiveId" clId="{72D7EF49-C36C-4A33-B6E3-4E40D7096B86}" dt="2025-09-18T06:12:53.816" v="246" actId="26606"/>
-          <ac:spMkLst>
-            <pc:docMk/>
-            <pc:sldMk cId="1051947695" sldId="258"/>
-            <ac:spMk id="2099" creationId="{E81BF4F6-F2CF-4984-9D14-D6966D92F99F}"/>
-          </ac:spMkLst>
-        </pc:spChg>
-        <pc:spChg chg="add">
-          <ac:chgData name="Kaleb Torres" userId="708cad581216fcb4" providerId="LiveId" clId="{72D7EF49-C36C-4A33-B6E3-4E40D7096B86}" dt="2025-09-18T06:12:53.831" v="247" actId="26606"/>
-          <ac:spMkLst>
-            <pc:docMk/>
-            <pc:sldMk cId="1051947695" sldId="258"/>
-            <ac:spMk id="2102" creationId="{CD9FE4EF-C4D8-49A0-B2FF-81D8DB7D8A24}"/>
-          </ac:spMkLst>
-        </pc:spChg>
-        <pc:spChg chg="add">
-          <ac:chgData name="Kaleb Torres" userId="708cad581216fcb4" providerId="LiveId" clId="{72D7EF49-C36C-4A33-B6E3-4E40D7096B86}" dt="2025-09-18T06:12:53.831" v="247" actId="26606"/>
-          <ac:spMkLst>
-            <pc:docMk/>
-            <pc:sldMk cId="1051947695" sldId="258"/>
-            <ac:spMk id="2103" creationId="{4300840D-0A0B-4512-BACA-B439D5B9C57C}"/>
-          </ac:spMkLst>
-        </pc:spChg>
-        <pc:spChg chg="add">
-          <ac:chgData name="Kaleb Torres" userId="708cad581216fcb4" providerId="LiveId" clId="{72D7EF49-C36C-4A33-B6E3-4E40D7096B86}" dt="2025-09-18T06:12:53.831" v="247" actId="26606"/>
-          <ac:spMkLst>
-            <pc:docMk/>
-            <pc:sldMk cId="1051947695" sldId="258"/>
-            <ac:spMk id="2104" creationId="{D2B78728-A580-49A7-84F9-6EF6F583ADE0}"/>
-          </ac:spMkLst>
-        </pc:spChg>
-        <pc:spChg chg="add">
-          <ac:chgData name="Kaleb Torres" userId="708cad581216fcb4" providerId="LiveId" clId="{72D7EF49-C36C-4A33-B6E3-4E40D7096B86}" dt="2025-09-18T06:12:53.831" v="247" actId="26606"/>
-          <ac:spMkLst>
-            <pc:docMk/>
-            <pc:sldMk cId="1051947695" sldId="258"/>
-            <ac:spMk id="2105" creationId="{38FAA1A1-D861-433F-88FA-1E9D6FD31D11}"/>
-          </ac:spMkLst>
-        </pc:spChg>
-        <pc:spChg chg="add">
-          <ac:chgData name="Kaleb Torres" userId="708cad581216fcb4" providerId="LiveId" clId="{72D7EF49-C36C-4A33-B6E3-4E40D7096B86}" dt="2025-09-18T06:12:53.831" v="247" actId="26606"/>
-          <ac:spMkLst>
-            <pc:docMk/>
-            <pc:sldMk cId="1051947695" sldId="258"/>
-            <ac:spMk id="2106" creationId="{8D71EDA1-87BF-4D5D-AB79-F346FD19278A}"/>
-          </ac:spMkLst>
-        </pc:spChg>
-        <pc:picChg chg="add mod ord">
-          <ac:chgData name="Kaleb Torres" userId="708cad581216fcb4" providerId="LiveId" clId="{72D7EF49-C36C-4A33-B6E3-4E40D7096B86}" dt="2025-09-18T06:12:53.816" v="246" actId="26606"/>
-          <ac:picMkLst>
-            <pc:docMk/>
-            <pc:sldMk cId="1051947695" sldId="258"/>
-            <ac:picMk id="2052" creationId="{698776A2-6CB2-5A24-30A0-4C9AB316EA32}"/>
-          </ac:picMkLst>
-        </pc:picChg>
-        <pc:cxnChg chg="add del">
-          <ac:chgData name="Kaleb Torres" userId="708cad581216fcb4" providerId="LiveId" clId="{72D7EF49-C36C-4A33-B6E3-4E40D7096B86}" dt="2025-09-18T06:12:32.266" v="235" actId="26606"/>
-          <ac:cxnSpMkLst>
-            <pc:docMk/>
-            <pc:sldMk cId="1051947695" sldId="258"/>
-            <ac:cxnSpMk id="2056" creationId="{C49DA8F6-BCC1-4447-B54C-57856834B94B}"/>
-          </ac:cxnSpMkLst>
-        </pc:cxnChg>
-        <pc:cxnChg chg="add del">
-          <ac:chgData name="Kaleb Torres" userId="708cad581216fcb4" providerId="LiveId" clId="{72D7EF49-C36C-4A33-B6E3-4E40D7096B86}" dt="2025-09-18T06:12:19.725" v="233" actId="26606"/>
-          <ac:cxnSpMkLst>
-            <pc:docMk/>
-            <pc:sldMk cId="1051947695" sldId="258"/>
-            <ac:cxnSpMk id="2068" creationId="{C49DA8F6-BCC1-4447-B54C-57856834B94B}"/>
-          </ac:cxnSpMkLst>
-        </pc:cxnChg>
-        <pc:cxnChg chg="add del">
-          <ac:chgData name="Kaleb Torres" userId="708cad581216fcb4" providerId="LiveId" clId="{72D7EF49-C36C-4A33-B6E3-4E40D7096B86}" dt="2025-09-18T06:12:53.816" v="246" actId="26606"/>
-          <ac:cxnSpMkLst>
-            <pc:docMk/>
-            <pc:sldMk cId="1051947695" sldId="258"/>
-            <ac:cxnSpMk id="2079" creationId="{C49DA8F6-BCC1-4447-B54C-57856834B94B}"/>
-          </ac:cxnSpMkLst>
-        </pc:cxnChg>
-      </pc:sldChg>
-      <pc:sldChg chg="addSp delSp modSp new mod setBg">
-        <pc:chgData name="Kaleb Torres" userId="708cad581216fcb4" providerId="LiveId" clId="{72D7EF49-C36C-4A33-B6E3-4E40D7096B86}" dt="2025-09-18T06:16:37.792" v="294" actId="26606"/>
-        <pc:sldMkLst>
-          <pc:docMk/>
-          <pc:sldMk cId="4135717685" sldId="259"/>
-        </pc:sldMkLst>
-        <pc:spChg chg="mod">
-          <ac:chgData name="Kaleb Torres" userId="708cad581216fcb4" providerId="LiveId" clId="{72D7EF49-C36C-4A33-B6E3-4E40D7096B86}" dt="2025-09-18T06:16:37.792" v="294" actId="26606"/>
-          <ac:spMkLst>
-            <pc:docMk/>
-            <pc:sldMk cId="4135717685" sldId="259"/>
-            <ac:spMk id="2" creationId="{962D0E2E-F309-F321-D753-8C6E75E41316}"/>
-          </ac:spMkLst>
-        </pc:spChg>
-        <pc:spChg chg="del mod">
-          <ac:chgData name="Kaleb Torres" userId="708cad581216fcb4" providerId="LiveId" clId="{72D7EF49-C36C-4A33-B6E3-4E40D7096B86}" dt="2025-09-18T06:13:38.707" v="252" actId="478"/>
-          <ac:spMkLst>
-            <pc:docMk/>
-            <pc:sldMk cId="4135717685" sldId="259"/>
-            <ac:spMk id="3" creationId="{25CB6010-ED09-D2CA-DFC4-24EEB8B50811}"/>
-          </ac:spMkLst>
-        </pc:spChg>
-        <pc:spChg chg="add del mod ord">
-          <ac:chgData name="Kaleb Torres" userId="708cad581216fcb4" providerId="LiveId" clId="{72D7EF49-C36C-4A33-B6E3-4E40D7096B86}" dt="2025-09-18T06:16:37.792" v="294" actId="26606"/>
-          <ac:spMkLst>
-            <pc:docMk/>
-            <pc:sldMk cId="4135717685" sldId="259"/>
-            <ac:spMk id="5" creationId="{23F9AAE7-FB1C-312E-A9E4-F32FF302685B}"/>
-          </ac:spMkLst>
-        </pc:spChg>
-        <pc:spChg chg="add">
-          <ac:chgData name="Kaleb Torres" userId="708cad581216fcb4" providerId="LiveId" clId="{72D7EF49-C36C-4A33-B6E3-4E40D7096B86}" dt="2025-09-18T06:13:44.399" v="255"/>
-          <ac:spMkLst>
-            <pc:docMk/>
-            <pc:sldMk cId="4135717685" sldId="259"/>
-            <ac:spMk id="6" creationId="{E7CFBAAC-16BD-F361-681C-1396ECC1BAD9}"/>
-          </ac:spMkLst>
-        </pc:spChg>
-        <pc:spChg chg="add mod">
-          <ac:chgData name="Kaleb Torres" userId="708cad581216fcb4" providerId="LiveId" clId="{72D7EF49-C36C-4A33-B6E3-4E40D7096B86}" dt="2025-09-18T06:14:07.226" v="258"/>
-          <ac:spMkLst>
-            <pc:docMk/>
-            <pc:sldMk cId="4135717685" sldId="259"/>
-            <ac:spMk id="7" creationId="{0333A16C-FDA2-A3BC-AB3C-5D1AD18E03E8}"/>
-          </ac:spMkLst>
-        </pc:spChg>
-        <pc:spChg chg="add mod">
-          <ac:chgData name="Kaleb Torres" userId="708cad581216fcb4" providerId="LiveId" clId="{72D7EF49-C36C-4A33-B6E3-4E40D7096B86}" dt="2025-09-18T06:14:09.941" v="260"/>
-          <ac:spMkLst>
-            <pc:docMk/>
-            <pc:sldMk cId="4135717685" sldId="259"/>
-            <ac:spMk id="8" creationId="{8257CE69-86EB-3267-4B12-4964DCB7CA24}"/>
-          </ac:spMkLst>
-        </pc:spChg>
-        <pc:picChg chg="add mod">
-          <ac:chgData name="Kaleb Torres" userId="708cad581216fcb4" providerId="LiveId" clId="{72D7EF49-C36C-4A33-B6E3-4E40D7096B86}" dt="2025-09-18T06:16:37.792" v="294" actId="26606"/>
-          <ac:picMkLst>
-            <pc:docMk/>
-            <pc:sldMk cId="4135717685" sldId="259"/>
-            <ac:picMk id="3077" creationId="{81F64093-30D9-BADF-5FD4-790DF954D1D8}"/>
-          </ac:picMkLst>
-        </pc:picChg>
-      </pc:sldChg>
-      <pc:sldChg chg="addSp delSp modSp new mod setBg">
-        <pc:chgData name="Kaleb Torres" userId="708cad581216fcb4" providerId="LiveId" clId="{72D7EF49-C36C-4A33-B6E3-4E40D7096B86}" dt="2025-09-18T06:28:19.889" v="434" actId="26606"/>
-        <pc:sldMkLst>
-          <pc:docMk/>
-          <pc:sldMk cId="3178440465" sldId="260"/>
-        </pc:sldMkLst>
-        <pc:spChg chg="mod">
-          <ac:chgData name="Kaleb Torres" userId="708cad581216fcb4" providerId="LiveId" clId="{72D7EF49-C36C-4A33-B6E3-4E40D7096B86}" dt="2025-09-18T06:28:19.889" v="434" actId="26606"/>
-          <ac:spMkLst>
-            <pc:docMk/>
-            <pc:sldMk cId="3178440465" sldId="260"/>
-            <ac:spMk id="2" creationId="{E51ABE15-5BA1-F78C-8592-D2FF43238F04}"/>
-          </ac:spMkLst>
-        </pc:spChg>
-        <pc:spChg chg="del mod">
-          <ac:chgData name="Kaleb Torres" userId="708cad581216fcb4" providerId="LiveId" clId="{72D7EF49-C36C-4A33-B6E3-4E40D7096B86}" dt="2025-09-18T06:28:19.889" v="434" actId="26606"/>
-          <ac:spMkLst>
-            <pc:docMk/>
-            <pc:sldMk cId="3178440465" sldId="260"/>
-            <ac:spMk id="3" creationId="{20CA3EB9-53C1-005D-51C7-0874B39C8136}"/>
-          </ac:spMkLst>
-        </pc:spChg>
-        <pc:spChg chg="add">
-          <ac:chgData name="Kaleb Torres" userId="708cad581216fcb4" providerId="LiveId" clId="{72D7EF49-C36C-4A33-B6E3-4E40D7096B86}" dt="2025-09-18T06:28:19.889" v="434" actId="26606"/>
-          <ac:spMkLst>
-            <pc:docMk/>
-            <pc:sldMk cId="3178440465" sldId="260"/>
-            <ac:spMk id="9" creationId="{BACC6370-2D7E-4714-9D71-7542949D7D5D}"/>
-          </ac:spMkLst>
-        </pc:spChg>
-        <pc:spChg chg="add">
-          <ac:chgData name="Kaleb Torres" userId="708cad581216fcb4" providerId="LiveId" clId="{72D7EF49-C36C-4A33-B6E3-4E40D7096B86}" dt="2025-09-18T06:28:19.889" v="434" actId="26606"/>
-          <ac:spMkLst>
-            <pc:docMk/>
-            <pc:sldMk cId="3178440465" sldId="260"/>
-            <ac:spMk id="11" creationId="{F68B3F68-107C-434F-AA38-110D5EA91B85}"/>
-          </ac:spMkLst>
-        </pc:spChg>
-        <pc:spChg chg="add">
-          <ac:chgData name="Kaleb Torres" userId="708cad581216fcb4" providerId="LiveId" clId="{72D7EF49-C36C-4A33-B6E3-4E40D7096B86}" dt="2025-09-18T06:28:19.889" v="434" actId="26606"/>
-          <ac:spMkLst>
-            <pc:docMk/>
-            <pc:sldMk cId="3178440465" sldId="260"/>
-            <ac:spMk id="13" creationId="{AAD0DBB9-1A4B-4391-81D4-CB19F9AB918A}"/>
-          </ac:spMkLst>
-        </pc:spChg>
-        <pc:spChg chg="add">
-          <ac:chgData name="Kaleb Torres" userId="708cad581216fcb4" providerId="LiveId" clId="{72D7EF49-C36C-4A33-B6E3-4E40D7096B86}" dt="2025-09-18T06:28:19.889" v="434" actId="26606"/>
-          <ac:spMkLst>
-            <pc:docMk/>
-            <pc:sldMk cId="3178440465" sldId="260"/>
-            <ac:spMk id="15" creationId="{063BBA22-50EA-4C4D-BE05-F1CE4E63AA56}"/>
-          </ac:spMkLst>
-        </pc:spChg>
-        <pc:graphicFrameChg chg="add">
-          <ac:chgData name="Kaleb Torres" userId="708cad581216fcb4" providerId="LiveId" clId="{72D7EF49-C36C-4A33-B6E3-4E40D7096B86}" dt="2025-09-18T06:28:19.889" v="434" actId="26606"/>
-          <ac:graphicFrameMkLst>
-            <pc:docMk/>
-            <pc:sldMk cId="3178440465" sldId="260"/>
-            <ac:graphicFrameMk id="5" creationId="{B264ACEF-AE2A-B61D-1216-B46D358814F5}"/>
-          </ac:graphicFrameMkLst>
-        </pc:graphicFrameChg>
-      </pc:sldChg>
-      <pc:sldChg chg="addSp delSp modSp new mod ord setBg">
-        <pc:chgData name="Kaleb Torres" userId="708cad581216fcb4" providerId="LiveId" clId="{72D7EF49-C36C-4A33-B6E3-4E40D7096B86}" dt="2025-09-18T06:02:10.749" v="26"/>
+      <pc:sldChg chg="modSp mod">
+        <pc:chgData name="Kaleb Torres" userId="708cad581216fcb4" providerId="LiveId" clId="{BC32BA14-EAE1-4D70-A0AC-BCF976ED902B}" dt="2025-11-19T14:25:51.281" v="70" actId="20577"/>
         <pc:sldMkLst>
           <pc:docMk/>
           <pc:sldMk cId="3609986844" sldId="261"/>
         </pc:sldMkLst>
         <pc:spChg chg="mod">
-          <ac:chgData name="Kaleb Torres" userId="708cad581216fcb4" providerId="LiveId" clId="{72D7EF49-C36C-4A33-B6E3-4E40D7096B86}" dt="2025-09-18T06:01:24.688" v="21" actId="1076"/>
+          <ac:chgData name="Kaleb Torres" userId="708cad581216fcb4" providerId="LiveId" clId="{BC32BA14-EAE1-4D70-A0AC-BCF976ED902B}" dt="2025-11-19T14:25:51.281" v="70" actId="20577"/>
           <ac:spMkLst>
             <pc:docMk/>
             <pc:sldMk cId="3609986844" sldId="261"/>
             <ac:spMk id="2" creationId="{258AF78D-924E-B525-F086-1F3BB5ADDF6B}"/>
           </ac:spMkLst>
         </pc:spChg>
-        <pc:spChg chg="del mod">
-          <ac:chgData name="Kaleb Torres" userId="708cad581216fcb4" providerId="LiveId" clId="{72D7EF49-C36C-4A33-B6E3-4E40D7096B86}" dt="2025-09-18T06:01:15.844" v="20" actId="26606"/>
+      </pc:sldChg>
+      <pc:sldChg chg="addSp delSp modSp new mod">
+        <pc:chgData name="Kaleb Torres" userId="708cad581216fcb4" providerId="LiveId" clId="{BC32BA14-EAE1-4D70-A0AC-BCF976ED902B}" dt="2025-11-19T14:27:01.226" v="95" actId="20577"/>
+        <pc:sldMkLst>
+          <pc:docMk/>
+          <pc:sldMk cId="3739696858" sldId="266"/>
+        </pc:sldMkLst>
+        <pc:spChg chg="mod">
+          <ac:chgData name="Kaleb Torres" userId="708cad581216fcb4" providerId="LiveId" clId="{BC32BA14-EAE1-4D70-A0AC-BCF976ED902B}" dt="2025-11-19T14:27:01.226" v="95" actId="20577"/>
           <ac:spMkLst>
             <pc:docMk/>
-            <pc:sldMk cId="3609986844" sldId="261"/>
-            <ac:spMk id="3" creationId="{F940E2A3-F2AE-B344-EFEA-E24014D757E4}"/>
+            <pc:sldMk cId="3739696858" sldId="266"/>
+            <ac:spMk id="2" creationId="{0F0DB1B4-BBD7-78D5-8408-41DB48F8B816}"/>
           </ac:spMkLst>
         </pc:spChg>
-        <pc:spChg chg="add">
-          <ac:chgData name="Kaleb Torres" userId="708cad581216fcb4" providerId="LiveId" clId="{72D7EF49-C36C-4A33-B6E3-4E40D7096B86}" dt="2025-09-18T06:01:15.844" v="20" actId="26606"/>
+        <pc:spChg chg="del mod">
+          <ac:chgData name="Kaleb Torres" userId="708cad581216fcb4" providerId="LiveId" clId="{BC32BA14-EAE1-4D70-A0AC-BCF976ED902B}" dt="2025-11-19T14:26:50.072" v="76" actId="22"/>
           <ac:spMkLst>
             <pc:docMk/>
-            <pc:sldMk cId="3609986844" sldId="261"/>
-            <ac:spMk id="9" creationId="{2659FDB4-FCBE-4A89-B46D-43D4FA54464D}"/>
+            <pc:sldMk cId="3739696858" sldId="266"/>
+            <ac:spMk id="3" creationId="{21F3679D-7C7E-3A08-9ECD-C58F72DAC2D2}"/>
           </ac:spMkLst>
         </pc:spChg>
-        <pc:graphicFrameChg chg="add mod">
-          <ac:chgData name="Kaleb Torres" userId="708cad581216fcb4" providerId="LiveId" clId="{72D7EF49-C36C-4A33-B6E3-4E40D7096B86}" dt="2025-09-18T06:01:46.717" v="24" actId="1076"/>
-          <ac:graphicFrameMkLst>
-            <pc:docMk/>
-            <pc:sldMk cId="3609986844" sldId="261"/>
-            <ac:graphicFrameMk id="5" creationId="{F35A209D-6E84-5CD3-454C-9F3246E8C40D}"/>
-          </ac:graphicFrameMkLst>
-        </pc:graphicFrameChg>
-        <pc:cxnChg chg="add">
-          <ac:chgData name="Kaleb Torres" userId="708cad581216fcb4" providerId="LiveId" clId="{72D7EF49-C36C-4A33-B6E3-4E40D7096B86}" dt="2025-09-18T06:01:15.844" v="20" actId="26606"/>
-          <ac:cxnSpMkLst>
-            <pc:docMk/>
-            <pc:sldMk cId="3609986844" sldId="261"/>
-            <ac:cxnSpMk id="11" creationId="{C8F51B3F-8331-4E4A-AE96-D47B1006EEAD}"/>
-          </ac:cxnSpMkLst>
-        </pc:cxnChg>
-      </pc:sldChg>
-      <pc:sldChg chg="addSp delSp modSp new mod setBg">
-        <pc:chgData name="Kaleb Torres" userId="708cad581216fcb4" providerId="LiveId" clId="{72D7EF49-C36C-4A33-B6E3-4E40D7096B86}" dt="2025-09-18T06:21:03.494" v="359" actId="26606"/>
-        <pc:sldMkLst>
-          <pc:docMk/>
-          <pc:sldMk cId="2872209325" sldId="262"/>
-        </pc:sldMkLst>
-        <pc:spChg chg="mod">
-          <ac:chgData name="Kaleb Torres" userId="708cad581216fcb4" providerId="LiveId" clId="{72D7EF49-C36C-4A33-B6E3-4E40D7096B86}" dt="2025-09-18T06:21:03.494" v="359" actId="26606"/>
-          <ac:spMkLst>
-            <pc:docMk/>
-            <pc:sldMk cId="2872209325" sldId="262"/>
-            <ac:spMk id="2" creationId="{0205B025-4549-1BD2-6BED-431092A1DEF8}"/>
-          </ac:spMkLst>
-        </pc:spChg>
-        <pc:spChg chg="add del mod ord">
-          <ac:chgData name="Kaleb Torres" userId="708cad581216fcb4" providerId="LiveId" clId="{72D7EF49-C36C-4A33-B6E3-4E40D7096B86}" dt="2025-09-18T06:21:03.494" v="359" actId="26606"/>
-          <ac:spMkLst>
-            <pc:docMk/>
-            <pc:sldMk cId="2872209325" sldId="262"/>
-            <ac:spMk id="3" creationId="{F9400046-4A83-0B2C-F5AA-DCEF3FC249F6}"/>
-          </ac:spMkLst>
-        </pc:spChg>
-        <pc:spChg chg="add mod">
-          <ac:chgData name="Kaleb Torres" userId="708cad581216fcb4" providerId="LiveId" clId="{72D7EF49-C36C-4A33-B6E3-4E40D7096B86}" dt="2025-09-18T06:17:56.661" v="298"/>
-          <ac:spMkLst>
-            <pc:docMk/>
-            <pc:sldMk cId="2872209325" sldId="262"/>
-            <ac:spMk id="4" creationId="{C55A9BC0-499D-2FD9-B203-05A33CAC934E}"/>
-          </ac:spMkLst>
-        </pc:spChg>
-        <pc:spChg chg="add del">
-          <ac:chgData name="Kaleb Torres" userId="708cad581216fcb4" providerId="LiveId" clId="{72D7EF49-C36C-4A33-B6E3-4E40D7096B86}" dt="2025-09-18T06:21:03.489" v="358" actId="26606"/>
-          <ac:spMkLst>
-            <pc:docMk/>
-            <pc:sldMk cId="2872209325" sldId="262"/>
-            <ac:spMk id="15" creationId="{08BC803E-13F3-4DAB-B17C-BEB0076164B7}"/>
-          </ac:spMkLst>
-        </pc:spChg>
-        <pc:spChg chg="add del">
-          <ac:chgData name="Kaleb Torres" userId="708cad581216fcb4" providerId="LiveId" clId="{72D7EF49-C36C-4A33-B6E3-4E40D7096B86}" dt="2025-09-18T06:21:03.489" v="358" actId="26606"/>
-          <ac:spMkLst>
-            <pc:docMk/>
-            <pc:sldMk cId="2872209325" sldId="262"/>
-            <ac:spMk id="17" creationId="{39D85F1B-3302-4DB9-81B1-038ADCE4DEAC}"/>
-          </ac:spMkLst>
-        </pc:spChg>
-        <pc:spChg chg="add">
-          <ac:chgData name="Kaleb Torres" userId="708cad581216fcb4" providerId="LiveId" clId="{72D7EF49-C36C-4A33-B6E3-4E40D7096B86}" dt="2025-09-18T06:21:03.494" v="359" actId="26606"/>
-          <ac:spMkLst>
-            <pc:docMk/>
-            <pc:sldMk cId="2872209325" sldId="262"/>
-            <ac:spMk id="19" creationId="{352BEC0E-22F8-46D0-9632-375DB541B06C}"/>
-          </ac:spMkLst>
-        </pc:spChg>
-        <pc:spChg chg="add">
-          <ac:chgData name="Kaleb Torres" userId="708cad581216fcb4" providerId="LiveId" clId="{72D7EF49-C36C-4A33-B6E3-4E40D7096B86}" dt="2025-09-18T06:21:03.494" v="359" actId="26606"/>
-          <ac:spMkLst>
-            <pc:docMk/>
-            <pc:sldMk cId="2872209325" sldId="262"/>
-            <ac:spMk id="20" creationId="{3FCFB1DE-0B7E-48CC-BA90-B2AB0889F9D6}"/>
-          </ac:spMkLst>
-        </pc:spChg>
-        <pc:picChg chg="add del">
-          <ac:chgData name="Kaleb Torres" userId="708cad581216fcb4" providerId="LiveId" clId="{72D7EF49-C36C-4A33-B6E3-4E40D7096B86}" dt="2025-09-18T06:19:44.934" v="347" actId="22"/>
+        <pc:picChg chg="add mod ord">
+          <ac:chgData name="Kaleb Torres" userId="708cad581216fcb4" providerId="LiveId" clId="{BC32BA14-EAE1-4D70-A0AC-BCF976ED902B}" dt="2025-11-19T14:26:50.072" v="76" actId="22"/>
           <ac:picMkLst>
             <pc:docMk/>
-            <pc:sldMk cId="2872209325" sldId="262"/>
-            <ac:picMk id="6" creationId="{86298C76-F283-0ED1-3252-40AF4FC56996}"/>
-          </ac:picMkLst>
-        </pc:picChg>
-        <pc:picChg chg="add mod">
-          <ac:chgData name="Kaleb Torres" userId="708cad581216fcb4" providerId="LiveId" clId="{72D7EF49-C36C-4A33-B6E3-4E40D7096B86}" dt="2025-09-18T06:21:03.494" v="359" actId="26606"/>
-          <ac:picMkLst>
-            <pc:docMk/>
-            <pc:sldMk cId="2872209325" sldId="262"/>
-            <ac:picMk id="8" creationId="{3861A374-8F55-C2BE-8098-97C37345642C}"/>
-          </ac:picMkLst>
-        </pc:picChg>
-        <pc:picChg chg="add mod">
-          <ac:chgData name="Kaleb Torres" userId="708cad581216fcb4" providerId="LiveId" clId="{72D7EF49-C36C-4A33-B6E3-4E40D7096B86}" dt="2025-09-18T06:21:03.494" v="359" actId="26606"/>
-          <ac:picMkLst>
-            <pc:docMk/>
-            <pc:sldMk cId="2872209325" sldId="262"/>
-            <ac:picMk id="10" creationId="{2C2F475A-D96E-9ED3-EC1C-1E8B1F7359C4}"/>
+            <pc:sldMk cId="3739696858" sldId="266"/>
+            <ac:picMk id="5" creationId="{49EBE781-D3F7-5990-FD92-20316264DF72}"/>
           </ac:picMkLst>
         </pc:picChg>
       </pc:sldChg>
-      <pc:sldChg chg="addSp delSp modSp new mod setBg">
-        <pc:chgData name="Kaleb Torres" userId="708cad581216fcb4" providerId="LiveId" clId="{72D7EF49-C36C-4A33-B6E3-4E40D7096B86}" dt="2025-09-18T06:23:22.555" v="394" actId="26606"/>
+      <pc:sldChg chg="modSp new mod">
+        <pc:chgData name="Kaleb Torres" userId="708cad581216fcb4" providerId="LiveId" clId="{BC32BA14-EAE1-4D70-A0AC-BCF976ED902B}" dt="2025-11-19T14:27:46.594" v="135" actId="20577"/>
         <pc:sldMkLst>
           <pc:docMk/>
-          <pc:sldMk cId="4204493339" sldId="263"/>
+          <pc:sldMk cId="1990215139" sldId="267"/>
         </pc:sldMkLst>
         <pc:spChg chg="mod">
-          <ac:chgData name="Kaleb Torres" userId="708cad581216fcb4" providerId="LiveId" clId="{72D7EF49-C36C-4A33-B6E3-4E40D7096B86}" dt="2025-09-18T06:23:22.555" v="394" actId="26606"/>
+          <ac:chgData name="Kaleb Torres" userId="708cad581216fcb4" providerId="LiveId" clId="{BC32BA14-EAE1-4D70-A0AC-BCF976ED902B}" dt="2025-11-19T14:27:46.594" v="135" actId="20577"/>
           <ac:spMkLst>
             <pc:docMk/>
-            <pc:sldMk cId="4204493339" sldId="263"/>
-            <ac:spMk id="2" creationId="{0DCF3B06-CF43-3665-4060-920C051A859A}"/>
+            <pc:sldMk cId="1990215139" sldId="267"/>
+            <ac:spMk id="2" creationId="{F6FA7736-82F8-59EE-4632-99E66F74C292}"/>
           </ac:spMkLst>
         </pc:spChg>
-        <pc:spChg chg="del">
-          <ac:chgData name="Kaleb Torres" userId="708cad581216fcb4" providerId="LiveId" clId="{72D7EF49-C36C-4A33-B6E3-4E40D7096B86}" dt="2025-09-18T06:21:45.934" v="362"/>
+      </pc:sldChg>
+      <pc:sldChg chg="modSp new mod">
+        <pc:chgData name="Kaleb Torres" userId="708cad581216fcb4" providerId="LiveId" clId="{BC32BA14-EAE1-4D70-A0AC-BCF976ED902B}" dt="2025-11-19T14:27:52.833" v="150" actId="20577"/>
+        <pc:sldMkLst>
+          <pc:docMk/>
+          <pc:sldMk cId="4292986642" sldId="268"/>
+        </pc:sldMkLst>
+        <pc:spChg chg="mod">
+          <ac:chgData name="Kaleb Torres" userId="708cad581216fcb4" providerId="LiveId" clId="{BC32BA14-EAE1-4D70-A0AC-BCF976ED902B}" dt="2025-11-19T14:27:52.833" v="150" actId="20577"/>
           <ac:spMkLst>
             <pc:docMk/>
-            <pc:sldMk cId="4204493339" sldId="263"/>
-            <ac:spMk id="3" creationId="{60C9814B-BF28-38AB-5090-B67C99BAC6BC}"/>
+            <pc:sldMk cId="4292986642" sldId="268"/>
+            <ac:spMk id="2" creationId="{0C0BE65E-E323-E6B0-7C90-99946676C061}"/>
           </ac:spMkLst>
         </pc:spChg>
-        <pc:spChg chg="add mod">
-          <ac:chgData name="Kaleb Torres" userId="708cad581216fcb4" providerId="LiveId" clId="{72D7EF49-C36C-4A33-B6E3-4E40D7096B86}" dt="2025-09-18T06:23:22.555" v="394" actId="26606"/>
-          <ac:spMkLst>
-            <pc:docMk/>
-            <pc:sldMk cId="4204493339" sldId="263"/>
-            <ac:spMk id="4" creationId="{D89E2916-0890-4AB4-C6F6-E4FE9D30FE21}"/>
-          </ac:spMkLst>
-        </pc:spChg>
-        <pc:spChg chg="add del">
-          <ac:chgData name="Kaleb Torres" userId="708cad581216fcb4" providerId="LiveId" clId="{72D7EF49-C36C-4A33-B6E3-4E40D7096B86}" dt="2025-09-18T06:23:00.632" v="390" actId="22"/>
-          <ac:spMkLst>
-            <pc:docMk/>
-            <pc:sldMk cId="4204493339" sldId="263"/>
-            <ac:spMk id="6" creationId="{671AA7E6-609B-FD96-841B-38B195DBB8CA}"/>
-          </ac:spMkLst>
-        </pc:spChg>
-        <pc:spChg chg="add del">
-          <ac:chgData name="Kaleb Torres" userId="708cad581216fcb4" providerId="LiveId" clId="{72D7EF49-C36C-4A33-B6E3-4E40D7096B86}" dt="2025-09-18T06:23:22.545" v="393" actId="26606"/>
-          <ac:spMkLst>
-            <pc:docMk/>
-            <pc:sldMk cId="4204493339" sldId="263"/>
-            <ac:spMk id="5128" creationId="{45D37F4E-DDB4-456B-97E0-9937730A039F}"/>
-          </ac:spMkLst>
-        </pc:spChg>
-        <pc:spChg chg="add del">
-          <ac:chgData name="Kaleb Torres" userId="708cad581216fcb4" providerId="LiveId" clId="{72D7EF49-C36C-4A33-B6E3-4E40D7096B86}" dt="2025-09-18T06:23:22.545" v="393" actId="26606"/>
-          <ac:spMkLst>
-            <pc:docMk/>
-            <pc:sldMk cId="4204493339" sldId="263"/>
-            <ac:spMk id="5130" creationId="{B2DD41CD-8F47-4F56-AD12-4E2FF7696987}"/>
-          </ac:spMkLst>
-        </pc:spChg>
-        <pc:spChg chg="add">
-          <ac:chgData name="Kaleb Torres" userId="708cad581216fcb4" providerId="LiveId" clId="{72D7EF49-C36C-4A33-B6E3-4E40D7096B86}" dt="2025-09-18T06:23:22.555" v="394" actId="26606"/>
-          <ac:spMkLst>
-            <pc:docMk/>
-            <pc:sldMk cId="4204493339" sldId="263"/>
-            <ac:spMk id="5132" creationId="{B8B8D07F-F13E-443E-BA68-2D26672D76B9}"/>
-          </ac:spMkLst>
-        </pc:spChg>
-        <pc:spChg chg="add">
-          <ac:chgData name="Kaleb Torres" userId="708cad581216fcb4" providerId="LiveId" clId="{72D7EF49-C36C-4A33-B6E3-4E40D7096B86}" dt="2025-09-18T06:23:22.555" v="394" actId="26606"/>
-          <ac:spMkLst>
-            <pc:docMk/>
-            <pc:sldMk cId="4204493339" sldId="263"/>
-            <ac:spMk id="5133" creationId="{12609869-9E80-471B-A487-A53288E0E791}"/>
-          </ac:spMkLst>
-        </pc:spChg>
-        <pc:spChg chg="add">
-          <ac:chgData name="Kaleb Torres" userId="708cad581216fcb4" providerId="LiveId" clId="{72D7EF49-C36C-4A33-B6E3-4E40D7096B86}" dt="2025-09-18T06:23:22.555" v="394" actId="26606"/>
-          <ac:spMkLst>
-            <pc:docMk/>
-            <pc:sldMk cId="4204493339" sldId="263"/>
-            <ac:spMk id="5134" creationId="{2813A4FA-24A5-41ED-A534-3807D1B2F344}"/>
-          </ac:spMkLst>
-        </pc:spChg>
-        <pc:spChg chg="add">
-          <ac:chgData name="Kaleb Torres" userId="708cad581216fcb4" providerId="LiveId" clId="{72D7EF49-C36C-4A33-B6E3-4E40D7096B86}" dt="2025-09-18T06:23:22.555" v="394" actId="26606"/>
-          <ac:spMkLst>
-            <pc:docMk/>
-            <pc:sldMk cId="4204493339" sldId="263"/>
-            <ac:spMk id="5135" creationId="{7004738A-9D34-43E8-97D2-CA0EED4F8BE0}"/>
-          </ac:spMkLst>
-        </pc:spChg>
-        <pc:spChg chg="add">
-          <ac:chgData name="Kaleb Torres" userId="708cad581216fcb4" providerId="LiveId" clId="{72D7EF49-C36C-4A33-B6E3-4E40D7096B86}" dt="2025-09-18T06:23:22.555" v="394" actId="26606"/>
-          <ac:spMkLst>
-            <pc:docMk/>
-            <pc:sldMk cId="4204493339" sldId="263"/>
-            <ac:spMk id="5136" creationId="{C3944F27-CA70-4E84-A51A-E6BF89558979}"/>
-          </ac:spMkLst>
-        </pc:spChg>
-        <pc:picChg chg="add mod">
-          <ac:chgData name="Kaleb Torres" userId="708cad581216fcb4" providerId="LiveId" clId="{72D7EF49-C36C-4A33-B6E3-4E40D7096B86}" dt="2025-09-18T06:23:22.555" v="394" actId="26606"/>
-          <ac:picMkLst>
-            <pc:docMk/>
-            <pc:sldMk cId="4204493339" sldId="263"/>
-            <ac:picMk id="5123" creationId="{46884AB9-EB1A-CCD7-A70B-992AFE315095}"/>
-          </ac:picMkLst>
-        </pc:picChg>
-      </pc:sldChg>
-      <pc:sldChg chg="addSp delSp modSp new mod setBg">
-        <pc:chgData name="Kaleb Torres" userId="708cad581216fcb4" providerId="LiveId" clId="{72D7EF49-C36C-4A33-B6E3-4E40D7096B86}" dt="2025-09-18T06:26:34.933" v="421" actId="26606"/>
-        <pc:sldMkLst>
-          <pc:docMk/>
-          <pc:sldMk cId="472343038" sldId="264"/>
-        </pc:sldMkLst>
-        <pc:spChg chg="mod">
-          <ac:chgData name="Kaleb Torres" userId="708cad581216fcb4" providerId="LiveId" clId="{72D7EF49-C36C-4A33-B6E3-4E40D7096B86}" dt="2025-09-18T06:26:34.933" v="421" actId="26606"/>
-          <ac:spMkLst>
-            <pc:docMk/>
-            <pc:sldMk cId="472343038" sldId="264"/>
-            <ac:spMk id="2" creationId="{D7C01E05-D5C6-80B3-7A2F-EAD3D63C356A}"/>
-          </ac:spMkLst>
-        </pc:spChg>
-        <pc:spChg chg="add del mod">
-          <ac:chgData name="Kaleb Torres" userId="708cad581216fcb4" providerId="LiveId" clId="{72D7EF49-C36C-4A33-B6E3-4E40D7096B86}" dt="2025-09-18T06:26:34.933" v="421" actId="26606"/>
-          <ac:spMkLst>
-            <pc:docMk/>
-            <pc:sldMk cId="472343038" sldId="264"/>
-            <ac:spMk id="3" creationId="{BFBB73F1-017F-4C12-F0F2-2BC3B6F86334}"/>
-          </ac:spMkLst>
-        </pc:spChg>
-        <pc:spChg chg="add mod">
-          <ac:chgData name="Kaleb Torres" userId="708cad581216fcb4" providerId="LiveId" clId="{72D7EF49-C36C-4A33-B6E3-4E40D7096B86}" dt="2025-09-18T06:24:10.061" v="400"/>
-          <ac:spMkLst>
-            <pc:docMk/>
-            <pc:sldMk cId="472343038" sldId="264"/>
-            <ac:spMk id="4" creationId="{71C98813-5F46-2C13-FA5C-14691D8D2AF3}"/>
-          </ac:spMkLst>
-        </pc:spChg>
-        <pc:spChg chg="add">
-          <ac:chgData name="Kaleb Torres" userId="708cad581216fcb4" providerId="LiveId" clId="{72D7EF49-C36C-4A33-B6E3-4E40D7096B86}" dt="2025-09-18T06:26:34.933" v="421" actId="26606"/>
-          <ac:spMkLst>
-            <pc:docMk/>
-            <pc:sldMk cId="472343038" sldId="264"/>
-            <ac:spMk id="6152" creationId="{0E3596DD-156A-473E-9BB3-C6A29F7574E9}"/>
-          </ac:spMkLst>
-        </pc:spChg>
-        <pc:spChg chg="add">
-          <ac:chgData name="Kaleb Torres" userId="708cad581216fcb4" providerId="LiveId" clId="{72D7EF49-C36C-4A33-B6E3-4E40D7096B86}" dt="2025-09-18T06:26:34.933" v="421" actId="26606"/>
-          <ac:spMkLst>
-            <pc:docMk/>
-            <pc:sldMk cId="472343038" sldId="264"/>
-            <ac:spMk id="6154" creationId="{2C46C4D6-C474-4E92-B52E-944C1118F7B6}"/>
-          </ac:spMkLst>
-        </pc:spChg>
-        <pc:picChg chg="add mod">
-          <ac:chgData name="Kaleb Torres" userId="708cad581216fcb4" providerId="LiveId" clId="{72D7EF49-C36C-4A33-B6E3-4E40D7096B86}" dt="2025-09-18T06:26:34.933" v="421" actId="26606"/>
-          <ac:picMkLst>
-            <pc:docMk/>
-            <pc:sldMk cId="472343038" sldId="264"/>
-            <ac:picMk id="6147" creationId="{E1F09F00-7392-FD30-7D3A-5CF4B5C56597}"/>
-          </ac:picMkLst>
-        </pc:picChg>
-      </pc:sldChg>
-      <pc:sldChg chg="addSp delSp modSp new mod setBg">
-        <pc:chgData name="Kaleb Torres" userId="708cad581216fcb4" providerId="LiveId" clId="{72D7EF49-C36C-4A33-B6E3-4E40D7096B86}" dt="2025-09-18T06:29:33.334" v="444" actId="26606"/>
-        <pc:sldMkLst>
-          <pc:docMk/>
-          <pc:sldMk cId="1055279677" sldId="265"/>
-        </pc:sldMkLst>
-        <pc:spChg chg="mod">
-          <ac:chgData name="Kaleb Torres" userId="708cad581216fcb4" providerId="LiveId" clId="{72D7EF49-C36C-4A33-B6E3-4E40D7096B86}" dt="2025-09-18T06:29:33.334" v="444" actId="26606"/>
-          <ac:spMkLst>
-            <pc:docMk/>
-            <pc:sldMk cId="1055279677" sldId="265"/>
-            <ac:spMk id="2" creationId="{B093DBF9-2A73-A616-A8B4-880C16E9951F}"/>
-          </ac:spMkLst>
-        </pc:spChg>
-        <pc:spChg chg="add del mod">
-          <ac:chgData name="Kaleb Torres" userId="708cad581216fcb4" providerId="LiveId" clId="{72D7EF49-C36C-4A33-B6E3-4E40D7096B86}" dt="2025-09-18T06:29:33.334" v="444" actId="26606"/>
-          <ac:spMkLst>
-            <pc:docMk/>
-            <pc:sldMk cId="1055279677" sldId="265"/>
-            <ac:spMk id="3" creationId="{F887B41A-954F-5AC9-C051-8613E5774E34}"/>
-          </ac:spMkLst>
-        </pc:spChg>
-        <pc:spChg chg="add mod">
-          <ac:chgData name="Kaleb Torres" userId="708cad581216fcb4" providerId="LiveId" clId="{72D7EF49-C36C-4A33-B6E3-4E40D7096B86}" dt="2025-09-18T06:27:10.746" v="425"/>
-          <ac:spMkLst>
-            <pc:docMk/>
-            <pc:sldMk cId="1055279677" sldId="265"/>
-            <ac:spMk id="4" creationId="{DAE59579-7D57-49B0-0163-861427DB7E4F}"/>
-          </ac:spMkLst>
-        </pc:spChg>
-        <pc:spChg chg="add">
-          <ac:chgData name="Kaleb Torres" userId="708cad581216fcb4" providerId="LiveId" clId="{72D7EF49-C36C-4A33-B6E3-4E40D7096B86}" dt="2025-09-18T06:29:33.334" v="444" actId="26606"/>
-          <ac:spMkLst>
-            <pc:docMk/>
-            <pc:sldMk cId="1055279677" sldId="265"/>
-            <ac:spMk id="7176" creationId="{D009D6D5-DAC2-4A8B-A17A-E206B9012D09}"/>
-          </ac:spMkLst>
-        </pc:spChg>
-        <pc:picChg chg="add mod">
-          <ac:chgData name="Kaleb Torres" userId="708cad581216fcb4" providerId="LiveId" clId="{72D7EF49-C36C-4A33-B6E3-4E40D7096B86}" dt="2025-09-18T06:29:33.334" v="444" actId="26606"/>
-          <ac:picMkLst>
-            <pc:docMk/>
-            <pc:sldMk cId="1055279677" sldId="265"/>
-            <ac:picMk id="7171" creationId="{2119F605-E70E-2B5C-75EB-0E0428357C07}"/>
-          </ac:picMkLst>
-        </pc:picChg>
       </pc:sldChg>
     </pc:docChg>
   </pc:docChgLst>
@@ -7749,7 +6955,7 @@
           <a:p>
             <a:fld id="{F928CAAD-2225-4F52-8291-176B1B7ED133}" type="datetimeFigureOut">
               <a:rPr lang="es-MX" smtClean="0"/>
-              <a:t>18/09/2025</a:t>
+              <a:t>19/11/2025</a:t>
             </a:fld>
             <a:endParaRPr lang="es-MX"/>
           </a:p>
@@ -8097,7 +7303,7 @@
           <a:p>
             <a:fld id="{C0919DEA-3195-4D0A-9B48-B562E799C869}" type="slidenum">
               <a:rPr lang="es-MX" smtClean="0"/>
-              <a:t>3</a:t>
+              <a:t>4</a:t>
             </a:fld>
             <a:endParaRPr lang="es-MX"/>
           </a:p>
@@ -8193,7 +7399,7 @@
           <a:p>
             <a:fld id="{C0919DEA-3195-4D0A-9B48-B562E799C869}" type="slidenum">
               <a:rPr lang="es-MX" smtClean="0"/>
-              <a:t>4</a:t>
+              <a:t>7</a:t>
             </a:fld>
             <a:endParaRPr lang="es-MX"/>
           </a:p>
@@ -8292,7 +7498,7 @@
           <a:p>
             <a:fld id="{C0919DEA-3195-4D0A-9B48-B562E799C869}" type="slidenum">
               <a:rPr lang="es-MX" smtClean="0"/>
-              <a:t>5</a:t>
+              <a:t>8</a:t>
             </a:fld>
             <a:endParaRPr lang="es-MX"/>
           </a:p>
@@ -8392,7 +7598,7 @@
           <a:p>
             <a:fld id="{C0919DEA-3195-4D0A-9B48-B562E799C869}" type="slidenum">
               <a:rPr lang="es-MX" smtClean="0"/>
-              <a:t>6</a:t>
+              <a:t>9</a:t>
             </a:fld>
             <a:endParaRPr lang="es-MX"/>
           </a:p>
@@ -8491,7 +7697,7 @@
           <a:p>
             <a:fld id="{C0919DEA-3195-4D0A-9B48-B562E799C869}" type="slidenum">
               <a:rPr lang="es-MX" smtClean="0"/>
-              <a:t>7</a:t>
+              <a:t>10</a:t>
             </a:fld>
             <a:endParaRPr lang="es-MX"/>
           </a:p>
@@ -8591,7 +7797,7 @@
           <a:p>
             <a:fld id="{C0919DEA-3195-4D0A-9B48-B562E799C869}" type="slidenum">
               <a:rPr lang="es-MX" smtClean="0"/>
-              <a:t>8</a:t>
+              <a:t>11</a:t>
             </a:fld>
             <a:endParaRPr lang="es-MX"/>
           </a:p>
@@ -8679,7 +7885,7 @@
           <a:p>
             <a:fld id="{C0919DEA-3195-4D0A-9B48-B562E799C869}" type="slidenum">
               <a:rPr lang="es-MX" smtClean="0"/>
-              <a:t>9</a:t>
+              <a:t>12</a:t>
             </a:fld>
             <a:endParaRPr lang="es-MX"/>
           </a:p>
@@ -8770,7 +7976,7 @@
           <a:p>
             <a:fld id="{C0919DEA-3195-4D0A-9B48-B562E799C869}" type="slidenum">
               <a:rPr lang="es-MX" smtClean="0"/>
-              <a:t>10</a:t>
+              <a:t>13</a:t>
             </a:fld>
             <a:endParaRPr lang="es-MX"/>
           </a:p>
@@ -8938,7 +8144,7 @@
           <a:p>
             <a:fld id="{6B07E4EA-4E4E-47F9-9C3B-7EB39E9CF2FF}" type="datetimeFigureOut">
               <a:rPr lang="es-MX" smtClean="0"/>
-              <a:t>18/09/2025</a:t>
+              <a:t>19/11/2025</a:t>
             </a:fld>
             <a:endParaRPr lang="es-MX"/>
           </a:p>
@@ -9138,7 +8344,7 @@
           <a:p>
             <a:fld id="{6B07E4EA-4E4E-47F9-9C3B-7EB39E9CF2FF}" type="datetimeFigureOut">
               <a:rPr lang="es-MX" smtClean="0"/>
-              <a:t>18/09/2025</a:t>
+              <a:t>19/11/2025</a:t>
             </a:fld>
             <a:endParaRPr lang="es-MX"/>
           </a:p>
@@ -9348,7 +8554,7 @@
           <a:p>
             <a:fld id="{6B07E4EA-4E4E-47F9-9C3B-7EB39E9CF2FF}" type="datetimeFigureOut">
               <a:rPr lang="es-MX" smtClean="0"/>
-              <a:t>18/09/2025</a:t>
+              <a:t>19/11/2025</a:t>
             </a:fld>
             <a:endParaRPr lang="es-MX"/>
           </a:p>
@@ -9548,7 +8754,7 @@
           <a:p>
             <a:fld id="{6B07E4EA-4E4E-47F9-9C3B-7EB39E9CF2FF}" type="datetimeFigureOut">
               <a:rPr lang="es-MX" smtClean="0"/>
-              <a:t>18/09/2025</a:t>
+              <a:t>19/11/2025</a:t>
             </a:fld>
             <a:endParaRPr lang="es-MX"/>
           </a:p>
@@ -9824,7 +9030,7 @@
           <a:p>
             <a:fld id="{6B07E4EA-4E4E-47F9-9C3B-7EB39E9CF2FF}" type="datetimeFigureOut">
               <a:rPr lang="es-MX" smtClean="0"/>
-              <a:t>18/09/2025</a:t>
+              <a:t>19/11/2025</a:t>
             </a:fld>
             <a:endParaRPr lang="es-MX"/>
           </a:p>
@@ -10092,7 +9298,7 @@
           <a:p>
             <a:fld id="{6B07E4EA-4E4E-47F9-9C3B-7EB39E9CF2FF}" type="datetimeFigureOut">
               <a:rPr lang="es-MX" smtClean="0"/>
-              <a:t>18/09/2025</a:t>
+              <a:t>19/11/2025</a:t>
             </a:fld>
             <a:endParaRPr lang="es-MX"/>
           </a:p>
@@ -10507,7 +9713,7 @@
           <a:p>
             <a:fld id="{6B07E4EA-4E4E-47F9-9C3B-7EB39E9CF2FF}" type="datetimeFigureOut">
               <a:rPr lang="es-MX" smtClean="0"/>
-              <a:t>18/09/2025</a:t>
+              <a:t>19/11/2025</a:t>
             </a:fld>
             <a:endParaRPr lang="es-MX"/>
           </a:p>
@@ -10649,7 +9855,7 @@
           <a:p>
             <a:fld id="{6B07E4EA-4E4E-47F9-9C3B-7EB39E9CF2FF}" type="datetimeFigureOut">
               <a:rPr lang="es-MX" smtClean="0"/>
-              <a:t>18/09/2025</a:t>
+              <a:t>19/11/2025</a:t>
             </a:fld>
             <a:endParaRPr lang="es-MX"/>
           </a:p>
@@ -10762,7 +9968,7 @@
           <a:p>
             <a:fld id="{6B07E4EA-4E4E-47F9-9C3B-7EB39E9CF2FF}" type="datetimeFigureOut">
               <a:rPr lang="es-MX" smtClean="0"/>
-              <a:t>18/09/2025</a:t>
+              <a:t>19/11/2025</a:t>
             </a:fld>
             <a:endParaRPr lang="es-MX"/>
           </a:p>
@@ -11075,7 +10281,7 @@
           <a:p>
             <a:fld id="{6B07E4EA-4E4E-47F9-9C3B-7EB39E9CF2FF}" type="datetimeFigureOut">
               <a:rPr lang="es-MX" smtClean="0"/>
-              <a:t>18/09/2025</a:t>
+              <a:t>19/11/2025</a:t>
             </a:fld>
             <a:endParaRPr lang="es-MX"/>
           </a:p>
@@ -11364,7 +10570,7 @@
           <a:p>
             <a:fld id="{6B07E4EA-4E4E-47F9-9C3B-7EB39E9CF2FF}" type="datetimeFigureOut">
               <a:rPr lang="es-MX" smtClean="0"/>
-              <a:t>18/09/2025</a:t>
+              <a:t>19/11/2025</a:t>
             </a:fld>
             <a:endParaRPr lang="es-MX"/>
           </a:p>
@@ -11607,7 +10813,7 @@
           <a:p>
             <a:fld id="{6B07E4EA-4E4E-47F9-9C3B-7EB39E9CF2FF}" type="datetimeFigureOut">
               <a:rPr lang="es-MX" smtClean="0"/>
-              <a:t>18/09/2025</a:t>
+              <a:t>19/11/2025</a:t>
             </a:fld>
             <a:endParaRPr lang="es-MX"/>
           </a:p>
@@ -12047,12 +11253,14 @@
           </a:xfrm>
         </p:spPr>
         <p:txBody>
-          <a:bodyPr/>
+          <a:bodyPr>
+            <a:normAutofit fontScale="90000"/>
+          </a:bodyPr>
           <a:lstStyle/>
           <a:p>
             <a:r>
-              <a:rPr lang="es-MX" b="1" dirty="0"/>
-              <a:t>SCRUM, JSON, and CSV</a:t>
+              <a:rPr lang="en-US" dirty="0"/>
+              <a:t>Testing Procedures for Operational Issues</a:t>
             </a:r>
             <a:endParaRPr lang="es-MX" dirty="0"/>
           </a:p>
@@ -12123,7 +11331,7 @@
           <a:p>
             <a:r>
               <a:rPr lang="es-MX" dirty="0"/>
-              <a:t>2nd </a:t>
+              <a:t>8th </a:t>
             </a:r>
             <a:r>
               <a:rPr lang="es-MX" dirty="0" err="1"/>
@@ -12149,8 +11357,8 @@
         </p:nvSpPr>
         <p:spPr>
           <a:xfrm>
-            <a:off x="1731821" y="5541758"/>
-            <a:ext cx="8728363" cy="595858"/>
+            <a:off x="1731821" y="5202693"/>
+            <a:ext cx="8728363" cy="934923"/>
           </a:xfrm>
           <a:prstGeom prst="rect">
             <a:avLst/>
@@ -12327,6 +11535,13 @@
           <a:p>
             <a:r>
               <a:rPr lang="es-MX" dirty="0"/>
+              <a:t>Johan Alejandro Gloria González, NAO ID: 3346</a:t>
+            </a:r>
+            <a:br>
+              <a:rPr lang="es-MX" dirty="0"/>
+            </a:br>
+            <a:r>
+              <a:rPr lang="es-MX" dirty="0"/>
               <a:t>Iván Kaleb Ramírez Torres, NAO ID: 3357</a:t>
             </a:r>
           </a:p>
@@ -12432,3054 +11647,6 @@
       </p:grpSpPr>
       <p:sp useBgFill="1">
         <p:nvSpPr>
-          <p:cNvPr id="9" name="Rectangle 8">
-            <a:extLst>
-              <a:ext uri="{FF2B5EF4-FFF2-40B4-BE49-F238E27FC236}">
-                <a16:creationId xmlns:a16="http://schemas.microsoft.com/office/drawing/2014/main" id="{BACC6370-2D7E-4714-9D71-7542949D7D5D}"/>
-              </a:ext>
-              <a:ext uri="{C183D7F6-B498-43B3-948B-1728B52AA6E4}">
-                <adec:decorative xmlns:adec="http://schemas.microsoft.com/office/drawing/2017/decorative" val="1"/>
-              </a:ext>
-            </a:extLst>
-          </p:cNvPr>
-          <p:cNvSpPr>
-            <a:spLocks noGrp="1" noRot="1" noChangeAspect="1" noMove="1" noResize="1" noEditPoints="1" noAdjustHandles="1" noChangeArrowheads="1" noChangeShapeType="1" noTextEdit="1"/>
-          </p:cNvSpPr>
-          <p:nvPr>
-            <p:extLst>
-              <p:ext uri="{386F3935-93C4-4BCD-93E2-E3B085C9AB24}">
-                <p16:designElem xmlns:p16="http://schemas.microsoft.com/office/powerpoint/2015/main" val="1"/>
-              </p:ext>
-            </p:extLst>
-          </p:nvPr>
-        </p:nvSpPr>
-        <p:spPr>
-          <a:xfrm>
-            <a:off x="0" y="0"/>
-            <a:ext cx="12192000" cy="6858000"/>
-          </a:xfrm>
-          <a:prstGeom prst="rect">
-            <a:avLst/>
-          </a:prstGeom>
-          <a:ln w="12700" cap="flat" cmpd="sng" algn="ctr">
-            <a:noFill/>
-            <a:prstDash val="solid"/>
-            <a:miter lim="800000"/>
-          </a:ln>
-          <a:effectLst/>
-          <a:extLst>
-            <a:ext uri="{91240B29-F687-4F45-9708-019B960494DF}">
-              <a14:hiddenLine xmlns:a14="http://schemas.microsoft.com/office/drawing/2010/main" w="12700" cap="flat" cmpd="sng" algn="ctr">
-                <a:solidFill>
-                  <a:schemeClr val="accent1">
-                    <a:shade val="50000"/>
-                  </a:schemeClr>
-                </a:solidFill>
-                <a:prstDash val="solid"/>
-                <a:miter lim="800000"/>
-              </a14:hiddenLine>
-            </a:ext>
-          </a:extLst>
-        </p:spPr>
-        <p:style>
-          <a:lnRef idx="2">
-            <a:schemeClr val="accent1">
-              <a:shade val="50000"/>
-            </a:schemeClr>
-          </a:lnRef>
-          <a:fillRef idx="1">
-            <a:schemeClr val="accent1"/>
-          </a:fillRef>
-          <a:effectRef idx="0">
-            <a:schemeClr val="accent1"/>
-          </a:effectRef>
-          <a:fontRef idx="minor">
-            <a:schemeClr val="lt1"/>
-          </a:fontRef>
-        </p:style>
-        <p:txBody>
-          <a:bodyPr rtlCol="0" anchor="ctr"/>
-          <a:lstStyle/>
-          <a:p>
-            <a:pPr algn="ctr"/>
-            <a:endParaRPr lang="en-US"/>
-          </a:p>
-        </p:txBody>
-      </p:sp>
-      <p:sp>
-        <p:nvSpPr>
-          <p:cNvPr id="11" name="Rectangle 10">
-            <a:extLst>
-              <a:ext uri="{FF2B5EF4-FFF2-40B4-BE49-F238E27FC236}">
-                <a16:creationId xmlns:a16="http://schemas.microsoft.com/office/drawing/2014/main" id="{F68B3F68-107C-434F-AA38-110D5EA91B85}"/>
-              </a:ext>
-              <a:ext uri="{C183D7F6-B498-43B3-948B-1728B52AA6E4}">
-                <adec:decorative xmlns:adec="http://schemas.microsoft.com/office/drawing/2017/decorative" val="1"/>
-              </a:ext>
-            </a:extLst>
-          </p:cNvPr>
-          <p:cNvSpPr>
-            <a:spLocks noGrp="1" noRot="1" noChangeAspect="1" noMove="1" noResize="1" noEditPoints="1" noAdjustHandles="1" noChangeArrowheads="1" noChangeShapeType="1" noTextEdit="1"/>
-          </p:cNvSpPr>
-          <p:nvPr>
-            <p:extLst>
-              <p:ext uri="{386F3935-93C4-4BCD-93E2-E3B085C9AB24}">
-                <p16:designElem xmlns:p16="http://schemas.microsoft.com/office/powerpoint/2015/main" val="1"/>
-              </p:ext>
-            </p:extLst>
-          </p:nvPr>
-        </p:nvSpPr>
-        <p:spPr>
-          <a:xfrm flipH="1">
-            <a:off x="2" y="0"/>
-            <a:ext cx="12191998" cy="1575955"/>
-          </a:xfrm>
-          <a:prstGeom prst="rect">
-            <a:avLst/>
-          </a:prstGeom>
-          <a:gradFill>
-            <a:gsLst>
-              <a:gs pos="0">
-                <a:srgbClr val="000000">
-                  <a:alpha val="96000"/>
-                </a:srgbClr>
-              </a:gs>
-              <a:gs pos="100000">
-                <a:schemeClr val="accent1">
-                  <a:lumMod val="75000"/>
-                </a:schemeClr>
-              </a:gs>
-            </a:gsLst>
-            <a:lin ang="8400000" scaled="0"/>
-          </a:gradFill>
-          <a:ln>
-            <a:noFill/>
-          </a:ln>
-        </p:spPr>
-        <p:style>
-          <a:lnRef idx="2">
-            <a:schemeClr val="accent1">
-              <a:shade val="50000"/>
-            </a:schemeClr>
-          </a:lnRef>
-          <a:fillRef idx="1">
-            <a:schemeClr val="accent1"/>
-          </a:fillRef>
-          <a:effectRef idx="0">
-            <a:schemeClr val="accent1"/>
-          </a:effectRef>
-          <a:fontRef idx="minor">
-            <a:schemeClr val="lt1"/>
-          </a:fontRef>
-        </p:style>
-        <p:txBody>
-          <a:bodyPr rtlCol="0" anchor="ctr"/>
-          <a:lstStyle/>
-          <a:p>
-            <a:pPr algn="ctr"/>
-            <a:endParaRPr lang="en-US"/>
-          </a:p>
-        </p:txBody>
-      </p:sp>
-      <p:sp>
-        <p:nvSpPr>
-          <p:cNvPr id="13" name="Rectangle 12">
-            <a:extLst>
-              <a:ext uri="{FF2B5EF4-FFF2-40B4-BE49-F238E27FC236}">
-                <a16:creationId xmlns:a16="http://schemas.microsoft.com/office/drawing/2014/main" id="{AAD0DBB9-1A4B-4391-81D4-CB19F9AB918A}"/>
-              </a:ext>
-              <a:ext uri="{C183D7F6-B498-43B3-948B-1728B52AA6E4}">
-                <adec:decorative xmlns:adec="http://schemas.microsoft.com/office/drawing/2017/decorative" val="1"/>
-              </a:ext>
-            </a:extLst>
-          </p:cNvPr>
-          <p:cNvSpPr>
-            <a:spLocks noGrp="1" noRot="1" noChangeAspect="1" noMove="1" noResize="1" noEditPoints="1" noAdjustHandles="1" noChangeArrowheads="1" noChangeShapeType="1" noTextEdit="1"/>
-          </p:cNvSpPr>
-          <p:nvPr>
-            <p:extLst>
-              <p:ext uri="{386F3935-93C4-4BCD-93E2-E3B085C9AB24}">
-                <p16:designElem xmlns:p16="http://schemas.microsoft.com/office/powerpoint/2015/main" val="1"/>
-              </p:ext>
-            </p:extLst>
-          </p:nvPr>
-        </p:nvSpPr>
-        <p:spPr>
-          <a:xfrm rot="10800000" flipH="1">
-            <a:off x="8128857" y="0"/>
-            <a:ext cx="4063143" cy="1576412"/>
-          </a:xfrm>
-          <a:prstGeom prst="rect">
-            <a:avLst/>
-          </a:prstGeom>
-          <a:gradFill>
-            <a:gsLst>
-              <a:gs pos="19000">
-                <a:schemeClr val="accent1">
-                  <a:lumMod val="50000"/>
-                  <a:alpha val="68000"/>
-                </a:schemeClr>
-              </a:gs>
-              <a:gs pos="100000">
-                <a:schemeClr val="accent1">
-                  <a:alpha val="79000"/>
-                </a:schemeClr>
-              </a:gs>
-            </a:gsLst>
-            <a:lin ang="19200000" scaled="0"/>
-          </a:gradFill>
-          <a:ln>
-            <a:noFill/>
-          </a:ln>
-        </p:spPr>
-        <p:style>
-          <a:lnRef idx="2">
-            <a:schemeClr val="accent1">
-              <a:shade val="50000"/>
-            </a:schemeClr>
-          </a:lnRef>
-          <a:fillRef idx="1">
-            <a:schemeClr val="accent1"/>
-          </a:fillRef>
-          <a:effectRef idx="0">
-            <a:schemeClr val="accent1"/>
-          </a:effectRef>
-          <a:fontRef idx="minor">
-            <a:schemeClr val="lt1"/>
-          </a:fontRef>
-        </p:style>
-        <p:txBody>
-          <a:bodyPr rtlCol="0" anchor="ctr"/>
-          <a:lstStyle/>
-          <a:p>
-            <a:pPr algn="ctr"/>
-            <a:endParaRPr lang="en-US"/>
-          </a:p>
-        </p:txBody>
-      </p:sp>
-      <p:sp>
-        <p:nvSpPr>
-          <p:cNvPr id="15" name="Rectangle 14">
-            <a:extLst>
-              <a:ext uri="{FF2B5EF4-FFF2-40B4-BE49-F238E27FC236}">
-                <a16:creationId xmlns:a16="http://schemas.microsoft.com/office/drawing/2014/main" id="{063BBA22-50EA-4C4D-BE05-F1CE4E63AA56}"/>
-              </a:ext>
-              <a:ext uri="{C183D7F6-B498-43B3-948B-1728B52AA6E4}">
-                <adec:decorative xmlns:adec="http://schemas.microsoft.com/office/drawing/2017/decorative" val="1"/>
-              </a:ext>
-            </a:extLst>
-          </p:cNvPr>
-          <p:cNvSpPr>
-            <a:spLocks noGrp="1" noRot="1" noChangeAspect="1" noMove="1" noResize="1" noEditPoints="1" noAdjustHandles="1" noChangeArrowheads="1" noChangeShapeType="1" noTextEdit="1"/>
-          </p:cNvSpPr>
-          <p:nvPr>
-            <p:extLst>
-              <p:ext uri="{386F3935-93C4-4BCD-93E2-E3B085C9AB24}">
-                <p16:designElem xmlns:p16="http://schemas.microsoft.com/office/powerpoint/2015/main" val="1"/>
-              </p:ext>
-            </p:extLst>
-          </p:nvPr>
-        </p:nvSpPr>
-        <p:spPr>
-          <a:xfrm rot="5400000">
-            <a:off x="5307777" y="-5307778"/>
-            <a:ext cx="1576446" cy="12192002"/>
-          </a:xfrm>
-          <a:prstGeom prst="rect">
-            <a:avLst/>
-          </a:prstGeom>
-          <a:gradFill>
-            <a:gsLst>
-              <a:gs pos="23000">
-                <a:schemeClr val="accent1">
-                  <a:alpha val="0"/>
-                </a:schemeClr>
-              </a:gs>
-              <a:gs pos="99000">
-                <a:srgbClr val="000000">
-                  <a:alpha val="74000"/>
-                </a:srgbClr>
-              </a:gs>
-            </a:gsLst>
-            <a:lin ang="20400000" scaled="0"/>
-          </a:gradFill>
-          <a:ln>
-            <a:noFill/>
-          </a:ln>
-        </p:spPr>
-        <p:style>
-          <a:lnRef idx="2">
-            <a:schemeClr val="accent1">
-              <a:shade val="50000"/>
-            </a:schemeClr>
-          </a:lnRef>
-          <a:fillRef idx="1">
-            <a:schemeClr val="accent1"/>
-          </a:fillRef>
-          <a:effectRef idx="0">
-            <a:schemeClr val="accent1"/>
-          </a:effectRef>
-          <a:fontRef idx="minor">
-            <a:schemeClr val="lt1"/>
-          </a:fontRef>
-        </p:style>
-        <p:txBody>
-          <a:bodyPr rtlCol="0" anchor="ctr"/>
-          <a:lstStyle/>
-          <a:p>
-            <a:pPr algn="ctr"/>
-            <a:endParaRPr lang="en-US" dirty="0"/>
-          </a:p>
-        </p:txBody>
-      </p:sp>
-      <p:sp>
-        <p:nvSpPr>
-          <p:cNvPr id="2" name="Título 1">
-            <a:extLst>
-              <a:ext uri="{FF2B5EF4-FFF2-40B4-BE49-F238E27FC236}">
-                <a16:creationId xmlns:a16="http://schemas.microsoft.com/office/drawing/2014/main" id="{E51ABE15-5BA1-F78C-8592-D2FF43238F04}"/>
-              </a:ext>
-            </a:extLst>
-          </p:cNvPr>
-          <p:cNvSpPr>
-            <a:spLocks noGrp="1"/>
-          </p:cNvSpPr>
-          <p:nvPr>
-            <p:ph type="title"/>
-          </p:nvPr>
-        </p:nvSpPr>
-        <p:spPr>
-          <a:xfrm>
-            <a:off x="1371597" y="348865"/>
-            <a:ext cx="10044023" cy="877729"/>
-          </a:xfrm>
-        </p:spPr>
-        <p:txBody>
-          <a:bodyPr anchor="ctr">
-            <a:normAutofit/>
-          </a:bodyPr>
-          <a:lstStyle/>
-          <a:p>
-            <a:r>
-              <a:rPr lang="es-MX" sz="4000">
-                <a:solidFill>
-                  <a:srgbClr val="FFFFFF"/>
-                </a:solidFill>
-              </a:rPr>
-              <a:t>Summary and Key Takeaways</a:t>
-            </a:r>
-          </a:p>
-        </p:txBody>
-      </p:sp>
-      <p:graphicFrame>
-        <p:nvGraphicFramePr>
-          <p:cNvPr id="5" name="Marcador de contenido 2">
-            <a:extLst>
-              <a:ext uri="{FF2B5EF4-FFF2-40B4-BE49-F238E27FC236}">
-                <a16:creationId xmlns:a16="http://schemas.microsoft.com/office/drawing/2014/main" id="{B264ACEF-AE2A-B61D-1216-B46D358814F5}"/>
-              </a:ext>
-            </a:extLst>
-          </p:cNvPr>
-          <p:cNvGraphicFramePr>
-            <a:graphicFrameLocks noGrp="1"/>
-          </p:cNvGraphicFramePr>
-          <p:nvPr>
-            <p:ph idx="1"/>
-            <p:extLst>
-              <p:ext uri="{D42A27DB-BD31-4B8C-83A1-F6EECF244321}">
-                <p14:modId xmlns:p14="http://schemas.microsoft.com/office/powerpoint/2010/main" val="4164426898"/>
-              </p:ext>
-            </p:extLst>
-          </p:nvPr>
-        </p:nvGraphicFramePr>
-        <p:xfrm>
-          <a:off x="644056" y="2112579"/>
-          <a:ext cx="10927829" cy="4192805"/>
-        </p:xfrm>
-        <a:graphic>
-          <a:graphicData uri="http://schemas.openxmlformats.org/drawingml/2006/diagram">
-            <dgm:relIds xmlns:dgm="http://schemas.openxmlformats.org/drawingml/2006/diagram" xmlns:r="http://schemas.openxmlformats.org/officeDocument/2006/relationships" r:dm="rId3" r:lo="rId4" r:qs="rId5" r:cs="rId6"/>
-          </a:graphicData>
-        </a:graphic>
-      </p:graphicFrame>
-    </p:spTree>
-    <p:extLst>
-      <p:ext uri="{BB962C8B-B14F-4D97-AF65-F5344CB8AC3E}">
-        <p14:creationId xmlns:p14="http://schemas.microsoft.com/office/powerpoint/2010/main" val="3178440465"/>
-      </p:ext>
-    </p:extLst>
-  </p:cSld>
-  <p:clrMapOvr>
-    <a:masterClrMapping/>
-  </p:clrMapOvr>
-</p:sld>
-</file>
-
-<file path=ppt/slides/slide2.xml><?xml version="1.0" encoding="utf-8"?>
-<p:sld xmlns:a="http://schemas.openxmlformats.org/drawingml/2006/main" xmlns:r="http://schemas.openxmlformats.org/officeDocument/2006/relationships" xmlns:p="http://schemas.openxmlformats.org/presentationml/2006/main">
-  <p:cSld>
-    <p:bg>
-      <p:bgPr>
-        <a:solidFill>
-          <a:schemeClr val="bg1"/>
-        </a:solidFill>
-        <a:effectLst/>
-      </p:bgPr>
-    </p:bg>
-    <p:spTree>
-      <p:nvGrpSpPr>
-        <p:cNvPr id="1" name=""/>
-        <p:cNvGrpSpPr/>
-        <p:nvPr/>
-      </p:nvGrpSpPr>
-      <p:grpSpPr>
-        <a:xfrm>
-          <a:off x="0" y="0"/>
-          <a:ext cx="0" cy="0"/>
-          <a:chOff x="0" y="0"/>
-          <a:chExt cx="0" cy="0"/>
-        </a:xfrm>
-      </p:grpSpPr>
-      <p:sp useBgFill="1">
-        <p:nvSpPr>
-          <p:cNvPr id="9" name="Rectangle 8">
-            <a:extLst>
-              <a:ext uri="{FF2B5EF4-FFF2-40B4-BE49-F238E27FC236}">
-                <a16:creationId xmlns:a16="http://schemas.microsoft.com/office/drawing/2014/main" id="{2659FDB4-FCBE-4A89-B46D-43D4FA54464D}"/>
-              </a:ext>
-              <a:ext uri="{C183D7F6-B498-43B3-948B-1728B52AA6E4}">
-                <adec:decorative xmlns:adec="http://schemas.microsoft.com/office/drawing/2017/decorative" val="1"/>
-              </a:ext>
-            </a:extLst>
-          </p:cNvPr>
-          <p:cNvSpPr>
-            <a:spLocks noGrp="1" noRot="1" noChangeAspect="1" noMove="1" noResize="1" noEditPoints="1" noAdjustHandles="1" noChangeArrowheads="1" noChangeShapeType="1" noTextEdit="1"/>
-          </p:cNvSpPr>
-          <p:nvPr>
-            <p:extLst>
-              <p:ext uri="{386F3935-93C4-4BCD-93E2-E3B085C9AB24}">
-                <p16:designElem xmlns:p16="http://schemas.microsoft.com/office/powerpoint/2015/main" val="1"/>
-              </p:ext>
-            </p:extLst>
-          </p:nvPr>
-        </p:nvSpPr>
-        <p:spPr>
-          <a:xfrm>
-            <a:off x="0" y="8313"/>
-            <a:ext cx="12192000" cy="6858000"/>
-          </a:xfrm>
-          <a:prstGeom prst="rect">
-            <a:avLst/>
-          </a:prstGeom>
-          <a:ln>
-            <a:noFill/>
-          </a:ln>
-        </p:spPr>
-        <p:style>
-          <a:lnRef idx="2">
-            <a:schemeClr val="accent1">
-              <a:shade val="50000"/>
-            </a:schemeClr>
-          </a:lnRef>
-          <a:fillRef idx="1">
-            <a:schemeClr val="accent1"/>
-          </a:fillRef>
-          <a:effectRef idx="0">
-            <a:schemeClr val="accent1"/>
-          </a:effectRef>
-          <a:fontRef idx="minor">
-            <a:schemeClr val="lt1"/>
-          </a:fontRef>
-        </p:style>
-        <p:txBody>
-          <a:bodyPr rtlCol="0" anchor="ctr"/>
-          <a:lstStyle/>
-          <a:p>
-            <a:pPr algn="ctr"/>
-            <a:endParaRPr lang="en-US">
-              <a:solidFill>
-                <a:schemeClr val="bg1"/>
-              </a:solidFill>
-            </a:endParaRPr>
-          </a:p>
-        </p:txBody>
-      </p:sp>
-      <p:sp>
-        <p:nvSpPr>
-          <p:cNvPr id="2" name="Título 1">
-            <a:extLst>
-              <a:ext uri="{FF2B5EF4-FFF2-40B4-BE49-F238E27FC236}">
-                <a16:creationId xmlns:a16="http://schemas.microsoft.com/office/drawing/2014/main" id="{258AF78D-924E-B525-F086-1F3BB5ADDF6B}"/>
-              </a:ext>
-            </a:extLst>
-          </p:cNvPr>
-          <p:cNvSpPr>
-            <a:spLocks noGrp="1"/>
-          </p:cNvSpPr>
-          <p:nvPr>
-            <p:ph type="title"/>
-          </p:nvPr>
-        </p:nvSpPr>
-        <p:spPr>
-          <a:xfrm>
-            <a:off x="498645" y="560661"/>
-            <a:ext cx="3939688" cy="5583126"/>
-          </a:xfrm>
-        </p:spPr>
-        <p:txBody>
-          <a:bodyPr>
-            <a:normAutofit/>
-          </a:bodyPr>
-          <a:lstStyle/>
-          <a:p>
-            <a:pPr algn="r"/>
-            <a:r>
-              <a:rPr lang="en-US" sz="5600" dirty="0"/>
-              <a:t>Introduction: The Modern Developer's Toolkit</a:t>
-            </a:r>
-            <a:endParaRPr lang="es-MX" sz="5600" dirty="0"/>
-          </a:p>
-        </p:txBody>
-      </p:sp>
-      <p:cxnSp>
-        <p:nvCxnSpPr>
-          <p:cNvPr id="11" name="Straight Connector 10">
-            <a:extLst>
-              <a:ext uri="{FF2B5EF4-FFF2-40B4-BE49-F238E27FC236}">
-                <a16:creationId xmlns:a16="http://schemas.microsoft.com/office/drawing/2014/main" id="{C8F51B3F-8331-4E4A-AE96-D47B1006EEAD}"/>
-              </a:ext>
-              <a:ext uri="{C183D7F6-B498-43B3-948B-1728B52AA6E4}">
-                <adec:decorative xmlns:adec="http://schemas.microsoft.com/office/drawing/2017/decorative" val="1"/>
-              </a:ext>
-            </a:extLst>
-          </p:cNvPr>
-          <p:cNvCxnSpPr>
-            <a:cxnSpLocks noGrp="1" noRot="1" noChangeAspect="1" noMove="1" noResize="1" noEditPoints="1" noAdjustHandles="1" noChangeArrowheads="1" noChangeShapeType="1"/>
-          </p:cNvCxnSpPr>
-          <p:nvPr>
-            <p:extLst>
-              <p:ext uri="{386F3935-93C4-4BCD-93E2-E3B085C9AB24}">
-                <p16:designElem xmlns:p16="http://schemas.microsoft.com/office/powerpoint/2015/main" val="1"/>
-              </p:ext>
-            </p:extLst>
-          </p:nvPr>
-        </p:nvCxnSpPr>
-        <p:spPr>
-          <a:xfrm>
-            <a:off x="4728053" y="1132114"/>
-            <a:ext cx="0" cy="5717573"/>
-          </a:xfrm>
-          <a:prstGeom prst="line">
-            <a:avLst/>
-          </a:prstGeom>
-          <a:ln w="25400" cap="sq">
-            <a:gradFill flip="none" rotWithShape="1">
-              <a:gsLst>
-                <a:gs pos="0">
-                  <a:schemeClr val="accent1"/>
-                </a:gs>
-                <a:gs pos="100000">
-                  <a:schemeClr val="accent2"/>
-                </a:gs>
-              </a:gsLst>
-              <a:lin ang="16200000" scaled="1"/>
-              <a:tileRect/>
-            </a:gradFill>
-            <a:bevel/>
-          </a:ln>
-        </p:spPr>
-        <p:style>
-          <a:lnRef idx="1">
-            <a:schemeClr val="accent1"/>
-          </a:lnRef>
-          <a:fillRef idx="0">
-            <a:schemeClr val="accent1"/>
-          </a:fillRef>
-          <a:effectRef idx="0">
-            <a:schemeClr val="accent1"/>
-          </a:effectRef>
-          <a:fontRef idx="minor">
-            <a:schemeClr val="tx1"/>
-          </a:fontRef>
-        </p:style>
-      </p:cxnSp>
-      <p:graphicFrame>
-        <p:nvGraphicFramePr>
-          <p:cNvPr id="5" name="Marcador de contenido 2">
-            <a:extLst>
-              <a:ext uri="{FF2B5EF4-FFF2-40B4-BE49-F238E27FC236}">
-                <a16:creationId xmlns:a16="http://schemas.microsoft.com/office/drawing/2014/main" id="{F35A209D-6E84-5CD3-454C-9F3246E8C40D}"/>
-              </a:ext>
-            </a:extLst>
-          </p:cNvPr>
-          <p:cNvGraphicFramePr>
-            <a:graphicFrameLocks noGrp="1"/>
-          </p:cNvGraphicFramePr>
-          <p:nvPr>
-            <p:ph idx="1"/>
-            <p:extLst>
-              <p:ext uri="{D42A27DB-BD31-4B8C-83A1-F6EECF244321}">
-                <p14:modId xmlns:p14="http://schemas.microsoft.com/office/powerpoint/2010/main" val="92638249"/>
-              </p:ext>
-            </p:extLst>
-          </p:nvPr>
-        </p:nvGraphicFramePr>
-        <p:xfrm>
-          <a:off x="5047673" y="554440"/>
-          <a:ext cx="6245265" cy="5589347"/>
-        </p:xfrm>
-        <a:graphic>
-          <a:graphicData uri="http://schemas.openxmlformats.org/drawingml/2006/diagram">
-            <dgm:relIds xmlns:dgm="http://schemas.openxmlformats.org/drawingml/2006/diagram" xmlns:r="http://schemas.openxmlformats.org/officeDocument/2006/relationships" r:dm="rId2" r:lo="rId3" r:qs="rId4" r:cs="rId5"/>
-          </a:graphicData>
-        </a:graphic>
-      </p:graphicFrame>
-    </p:spTree>
-    <p:extLst>
-      <p:ext uri="{BB962C8B-B14F-4D97-AF65-F5344CB8AC3E}">
-        <p14:creationId xmlns:p14="http://schemas.microsoft.com/office/powerpoint/2010/main" val="3609986844"/>
-      </p:ext>
-    </p:extLst>
-  </p:cSld>
-  <p:clrMapOvr>
-    <a:masterClrMapping/>
-  </p:clrMapOvr>
-</p:sld>
-</file>
-
-<file path=ppt/slides/slide3.xml><?xml version="1.0" encoding="utf-8"?>
-<p:sld xmlns:a="http://schemas.openxmlformats.org/drawingml/2006/main" xmlns:r="http://schemas.openxmlformats.org/officeDocument/2006/relationships" xmlns:p="http://schemas.openxmlformats.org/presentationml/2006/main">
-  <p:cSld>
-    <p:bg>
-      <p:bgPr>
-        <a:solidFill>
-          <a:schemeClr val="bg1"/>
-        </a:solidFill>
-        <a:effectLst/>
-      </p:bgPr>
-    </p:bg>
-    <p:spTree>
-      <p:nvGrpSpPr>
-        <p:cNvPr id="1" name=""/>
-        <p:cNvGrpSpPr/>
-        <p:nvPr/>
-      </p:nvGrpSpPr>
-      <p:grpSpPr>
-        <a:xfrm>
-          <a:off x="0" y="0"/>
-          <a:ext cx="0" cy="0"/>
-          <a:chOff x="0" y="0"/>
-          <a:chExt cx="0" cy="0"/>
-        </a:xfrm>
-      </p:grpSpPr>
-      <p:sp useBgFill="1">
-        <p:nvSpPr>
-          <p:cNvPr id="1033" name="Rectangle 1034">
-            <a:extLst>
-              <a:ext uri="{FF2B5EF4-FFF2-40B4-BE49-F238E27FC236}">
-                <a16:creationId xmlns:a16="http://schemas.microsoft.com/office/drawing/2014/main" id="{D009D6D5-DAC2-4A8B-A17A-E206B9012D09}"/>
-              </a:ext>
-              <a:ext uri="{C183D7F6-B498-43B3-948B-1728B52AA6E4}">
-                <adec:decorative xmlns:adec="http://schemas.microsoft.com/office/drawing/2017/decorative" val="1"/>
-              </a:ext>
-            </a:extLst>
-          </p:cNvPr>
-          <p:cNvSpPr>
-            <a:spLocks noGrp="1" noRot="1" noChangeAspect="1" noMove="1" noResize="1" noEditPoints="1" noAdjustHandles="1" noChangeArrowheads="1" noChangeShapeType="1" noTextEdit="1"/>
-          </p:cNvSpPr>
-          <p:nvPr>
-            <p:extLst>
-              <p:ext uri="{386F3935-93C4-4BCD-93E2-E3B085C9AB24}">
-                <p16:designElem xmlns:p16="http://schemas.microsoft.com/office/powerpoint/2015/main" val="1"/>
-              </p:ext>
-            </p:extLst>
-          </p:nvPr>
-        </p:nvSpPr>
-        <p:spPr>
-          <a:xfrm>
-            <a:off x="0" y="0"/>
-            <a:ext cx="12188952" cy="6858000"/>
-          </a:xfrm>
-          <a:prstGeom prst="rect">
-            <a:avLst/>
-          </a:prstGeom>
-          <a:ln>
-            <a:noFill/>
-          </a:ln>
-        </p:spPr>
-        <p:style>
-          <a:lnRef idx="2">
-            <a:schemeClr val="accent1">
-              <a:shade val="50000"/>
-            </a:schemeClr>
-          </a:lnRef>
-          <a:fillRef idx="1">
-            <a:schemeClr val="accent1"/>
-          </a:fillRef>
-          <a:effectRef idx="0">
-            <a:schemeClr val="accent1"/>
-          </a:effectRef>
-          <a:fontRef idx="minor">
-            <a:schemeClr val="lt1"/>
-          </a:fontRef>
-        </p:style>
-        <p:txBody>
-          <a:bodyPr rtlCol="0" anchor="ctr"/>
-          <a:lstStyle/>
-          <a:p>
-            <a:pPr algn="ctr"/>
-            <a:endParaRPr lang="en-US"/>
-          </a:p>
-        </p:txBody>
-      </p:sp>
-      <p:sp>
-        <p:nvSpPr>
-          <p:cNvPr id="2" name="Título 1">
-            <a:extLst>
-              <a:ext uri="{FF2B5EF4-FFF2-40B4-BE49-F238E27FC236}">
-                <a16:creationId xmlns:a16="http://schemas.microsoft.com/office/drawing/2014/main" id="{F5836CDB-C61E-7773-48DD-7407F599DC72}"/>
-              </a:ext>
-            </a:extLst>
-          </p:cNvPr>
-          <p:cNvSpPr>
-            <a:spLocks noGrp="1"/>
-          </p:cNvSpPr>
-          <p:nvPr>
-            <p:ph type="title"/>
-          </p:nvPr>
-        </p:nvSpPr>
-        <p:spPr>
-          <a:xfrm>
-            <a:off x="843160" y="525992"/>
-            <a:ext cx="5251316" cy="1807305"/>
-          </a:xfrm>
-        </p:spPr>
-        <p:txBody>
-          <a:bodyPr>
-            <a:normAutofit/>
-          </a:bodyPr>
-          <a:lstStyle/>
-          <a:p>
-            <a:br>
-              <a:rPr lang="es-MX" sz="3100" dirty="0"/>
-            </a:br>
-            <a:r>
-              <a:rPr lang="en-US" sz="3100" dirty="0"/>
-              <a:t>SCRUM Methodology: A Framework for Agility</a:t>
-            </a:r>
-            <a:br>
-              <a:rPr lang="es-MX" sz="3100" b="1" dirty="0"/>
-            </a:br>
-            <a:endParaRPr lang="es-MX" sz="3100" dirty="0"/>
-          </a:p>
-        </p:txBody>
-      </p:sp>
-      <p:sp>
-        <p:nvSpPr>
-          <p:cNvPr id="3" name="Marcador de contenido 2">
-            <a:extLst>
-              <a:ext uri="{FF2B5EF4-FFF2-40B4-BE49-F238E27FC236}">
-                <a16:creationId xmlns:a16="http://schemas.microsoft.com/office/drawing/2014/main" id="{D6809E89-C041-D710-E946-26679F85C988}"/>
-              </a:ext>
-            </a:extLst>
-          </p:cNvPr>
-          <p:cNvSpPr>
-            <a:spLocks noGrp="1"/>
-          </p:cNvSpPr>
-          <p:nvPr>
-            <p:ph idx="1"/>
-          </p:nvPr>
-        </p:nvSpPr>
-        <p:spPr>
-          <a:xfrm>
-            <a:off x="838200" y="2333297"/>
-            <a:ext cx="4619621" cy="3843666"/>
-          </a:xfrm>
-        </p:spPr>
-        <p:txBody>
-          <a:bodyPr>
-            <a:normAutofit/>
-          </a:bodyPr>
-          <a:lstStyle/>
-          <a:p>
-            <a:pPr marL="0" indent="0">
-              <a:buNone/>
-            </a:pPr>
-            <a:r>
-              <a:rPr lang="en-US" sz="1700" b="1"/>
-              <a:t>Definition:</a:t>
-            </a:r>
-            <a:r>
-              <a:rPr lang="en-US" sz="1700"/>
-              <a:t> An agile framework for managing complex projects and delivering products in an iterative, incremental manner.</a:t>
-            </a:r>
-          </a:p>
-          <a:p>
-            <a:pPr marL="0" indent="0">
-              <a:buNone/>
-            </a:pPr>
-            <a:r>
-              <a:rPr lang="en-US" sz="1700" b="1"/>
-              <a:t>Key Idea: </a:t>
-            </a:r>
-            <a:r>
-              <a:rPr lang="en-US" sz="1700"/>
-              <a:t>Instead of one long project plan, SCRUM breaks work into small, manageable cycles called Sprints.</a:t>
-            </a:r>
-          </a:p>
-          <a:p>
-            <a:pPr marL="0" indent="0">
-              <a:buNone/>
-            </a:pPr>
-            <a:r>
-              <a:rPr lang="en-US" sz="1700" b="1"/>
-              <a:t>Benefits:</a:t>
-            </a:r>
-          </a:p>
-          <a:p>
-            <a:pPr>
-              <a:buFontTx/>
-              <a:buChar char="-"/>
-            </a:pPr>
-            <a:r>
-              <a:rPr lang="en-US" sz="1700"/>
-              <a:t>Flexibility: Easily adapt to changing requirements.</a:t>
-            </a:r>
-          </a:p>
-          <a:p>
-            <a:pPr>
-              <a:buFontTx/>
-              <a:buChar char="-"/>
-            </a:pPr>
-            <a:r>
-              <a:rPr lang="en-US" sz="1700"/>
-              <a:t>Collaboration: Fosters close teamwork and communication.</a:t>
-            </a:r>
-          </a:p>
-          <a:p>
-            <a:pPr>
-              <a:buFontTx/>
-              <a:buChar char="-"/>
-            </a:pPr>
-            <a:r>
-              <a:rPr lang="en-US" sz="1700"/>
-              <a:t>Transparency: Everyone knows the project's status at all times.</a:t>
-            </a:r>
-            <a:endParaRPr lang="es-MX" sz="1700"/>
-          </a:p>
-        </p:txBody>
-      </p:sp>
-      <p:pic>
-        <p:nvPicPr>
-          <p:cNvPr id="1030" name="Picture 6">
-            <a:extLst>
-              <a:ext uri="{FF2B5EF4-FFF2-40B4-BE49-F238E27FC236}">
-                <a16:creationId xmlns:a16="http://schemas.microsoft.com/office/drawing/2014/main" id="{5C492EDE-1A7A-AF0E-DBB4-34B95D6E4E82}"/>
-              </a:ext>
-            </a:extLst>
-          </p:cNvPr>
-          <p:cNvPicPr>
-            <a:picLocks noChangeAspect="1" noChangeArrowheads="1"/>
-          </p:cNvPicPr>
-          <p:nvPr/>
-        </p:nvPicPr>
-        <p:blipFill>
-          <a:blip r:embed="rId3">
-            <a:extLst>
-              <a:ext uri="{28A0092B-C50C-407E-A947-70E740481C1C}">
-                <a14:useLocalDpi xmlns:a14="http://schemas.microsoft.com/office/drawing/2010/main" val="0"/>
-              </a:ext>
-            </a:extLst>
-          </a:blip>
-          <a:srcRect l="25704" r="20171"/>
-          <a:stretch>
-            <a:fillRect/>
-          </a:stretch>
-        </p:blipFill>
-        <p:spPr bwMode="auto">
-          <a:xfrm>
-            <a:off x="6229215" y="10"/>
-            <a:ext cx="5962785" cy="6857990"/>
-          </a:xfrm>
-          <a:custGeom>
-            <a:avLst/>
-            <a:gdLst/>
-            <a:ahLst/>
-            <a:cxnLst/>
-            <a:rect l="l" t="t" r="r" b="b"/>
-            <a:pathLst>
-              <a:path w="5962785" h="6858000">
-                <a:moveTo>
-                  <a:pt x="1044839" y="0"/>
-                </a:moveTo>
-                <a:lnTo>
-                  <a:pt x="5962785" y="0"/>
-                </a:lnTo>
-                <a:lnTo>
-                  <a:pt x="5962785" y="6858000"/>
-                </a:lnTo>
-                <a:lnTo>
-                  <a:pt x="1469886" y="6858000"/>
-                </a:lnTo>
-                <a:lnTo>
-                  <a:pt x="1416006" y="6823984"/>
-                </a:lnTo>
-                <a:cubicBezTo>
-                  <a:pt x="1356767" y="6787940"/>
-                  <a:pt x="1296437" y="6755500"/>
-                  <a:pt x="1232473" y="6733873"/>
-                </a:cubicBezTo>
-                <a:cubicBezTo>
-                  <a:pt x="1145250" y="6705037"/>
-                  <a:pt x="1060933" y="6654575"/>
-                  <a:pt x="1075471" y="6503186"/>
-                </a:cubicBezTo>
-                <a:cubicBezTo>
-                  <a:pt x="1078378" y="6459932"/>
-                  <a:pt x="1055118" y="6427493"/>
-                  <a:pt x="1020229" y="6438306"/>
-                </a:cubicBezTo>
-                <a:cubicBezTo>
-                  <a:pt x="953358" y="6459932"/>
-                  <a:pt x="921375" y="6398656"/>
-                  <a:pt x="883579" y="6351798"/>
-                </a:cubicBezTo>
-                <a:cubicBezTo>
-                  <a:pt x="816707" y="6268895"/>
-                  <a:pt x="752743" y="6182387"/>
-                  <a:pt x="645167" y="6167969"/>
-                </a:cubicBezTo>
-                <a:cubicBezTo>
-                  <a:pt x="665519" y="6103088"/>
-                  <a:pt x="700408" y="6110298"/>
-                  <a:pt x="732391" y="6124716"/>
-                </a:cubicBezTo>
-                <a:cubicBezTo>
-                  <a:pt x="816707" y="6160761"/>
-                  <a:pt x="901023" y="6200410"/>
-                  <a:pt x="985339" y="6236455"/>
-                </a:cubicBezTo>
-                <a:cubicBezTo>
-                  <a:pt x="1040581" y="6258081"/>
-                  <a:pt x="1095822" y="6290522"/>
-                  <a:pt x="1168509" y="6265291"/>
-                </a:cubicBezTo>
-                <a:cubicBezTo>
-                  <a:pt x="1104545" y="6135530"/>
-                  <a:pt x="996969" y="6110298"/>
-                  <a:pt x="909746" y="6070649"/>
-                </a:cubicBezTo>
-                <a:cubicBezTo>
-                  <a:pt x="802169" y="6020185"/>
-                  <a:pt x="738206" y="5926470"/>
-                  <a:pt x="659704" y="5818335"/>
-                </a:cubicBezTo>
-                <a:cubicBezTo>
-                  <a:pt x="738206" y="5789500"/>
-                  <a:pt x="787632" y="5868798"/>
-                  <a:pt x="851597" y="5865193"/>
-                </a:cubicBezTo>
-                <a:cubicBezTo>
-                  <a:pt x="854504" y="5854380"/>
-                  <a:pt x="860319" y="5832753"/>
-                  <a:pt x="860319" y="5832753"/>
-                </a:cubicBezTo>
-                <a:cubicBezTo>
-                  <a:pt x="755650" y="5775081"/>
-                  <a:pt x="709132" y="5666947"/>
-                  <a:pt x="691686" y="5533581"/>
-                </a:cubicBezTo>
-                <a:cubicBezTo>
-                  <a:pt x="685872" y="5465095"/>
-                  <a:pt x="648075" y="5443468"/>
-                  <a:pt x="610278" y="5411029"/>
-                </a:cubicBezTo>
-                <a:cubicBezTo>
-                  <a:pt x="482350" y="5299289"/>
-                  <a:pt x="345700" y="5198364"/>
-                  <a:pt x="238123" y="5046976"/>
-                </a:cubicBezTo>
-                <a:cubicBezTo>
-                  <a:pt x="363144" y="5064998"/>
-                  <a:pt x="461997" y="5165924"/>
-                  <a:pt x="592833" y="5209177"/>
-                </a:cubicBezTo>
-                <a:cubicBezTo>
-                  <a:pt x="488165" y="5043371"/>
-                  <a:pt x="351514" y="4956864"/>
-                  <a:pt x="226494" y="4855939"/>
-                </a:cubicBezTo>
-                <a:cubicBezTo>
-                  <a:pt x="168344" y="4809081"/>
-                  <a:pt x="116011" y="4751408"/>
-                  <a:pt x="49139" y="4726177"/>
-                </a:cubicBezTo>
-                <a:cubicBezTo>
-                  <a:pt x="25879" y="4718968"/>
-                  <a:pt x="-14825" y="4700947"/>
-                  <a:pt x="5527" y="4650483"/>
-                </a:cubicBezTo>
-                <a:cubicBezTo>
-                  <a:pt x="22972" y="4607230"/>
-                  <a:pt x="54954" y="4621648"/>
-                  <a:pt x="84029" y="4632460"/>
-                </a:cubicBezTo>
-                <a:cubicBezTo>
-                  <a:pt x="153807" y="4661296"/>
-                  <a:pt x="229401" y="4661296"/>
-                  <a:pt x="325347" y="4661296"/>
-                </a:cubicBezTo>
-                <a:cubicBezTo>
-                  <a:pt x="243939" y="4524326"/>
-                  <a:pt x="95658" y="4567580"/>
-                  <a:pt x="25879" y="4423401"/>
-                </a:cubicBezTo>
-                <a:cubicBezTo>
-                  <a:pt x="113103" y="4398170"/>
-                  <a:pt x="179975" y="4448632"/>
-                  <a:pt x="249753" y="4459446"/>
-                </a:cubicBezTo>
-                <a:cubicBezTo>
-                  <a:pt x="313718" y="4470259"/>
-                  <a:pt x="328254" y="4445028"/>
-                  <a:pt x="313718" y="4365729"/>
-                </a:cubicBezTo>
-                <a:cubicBezTo>
-                  <a:pt x="290458" y="4243177"/>
-                  <a:pt x="325347" y="4181900"/>
-                  <a:pt x="418386" y="4214341"/>
-                </a:cubicBezTo>
-                <a:cubicBezTo>
-                  <a:pt x="505609" y="4246781"/>
-                  <a:pt x="514332" y="4199922"/>
-                  <a:pt x="491072" y="4131438"/>
-                </a:cubicBezTo>
-                <a:cubicBezTo>
-                  <a:pt x="456183" y="4030512"/>
-                  <a:pt x="493979" y="3951214"/>
-                  <a:pt x="520147" y="3864706"/>
-                </a:cubicBezTo>
-                <a:cubicBezTo>
-                  <a:pt x="560851" y="3734945"/>
-                  <a:pt x="543407" y="3670064"/>
-                  <a:pt x="459090" y="3572743"/>
-                </a:cubicBezTo>
-                <a:cubicBezTo>
-                  <a:pt x="409664" y="3518676"/>
-                  <a:pt x="360236" y="3471818"/>
-                  <a:pt x="290458" y="3424959"/>
-                </a:cubicBezTo>
-                <a:cubicBezTo>
-                  <a:pt x="450368" y="3399728"/>
-                  <a:pt x="284643" y="3313221"/>
-                  <a:pt x="339884" y="3259153"/>
-                </a:cubicBezTo>
-                <a:cubicBezTo>
-                  <a:pt x="453275" y="3237527"/>
-                  <a:pt x="543407" y="3410542"/>
-                  <a:pt x="697501" y="3360078"/>
-                </a:cubicBezTo>
-                <a:cubicBezTo>
-                  <a:pt x="511425" y="3212294"/>
-                  <a:pt x="302087" y="3165436"/>
-                  <a:pt x="165437" y="2967190"/>
-                </a:cubicBezTo>
-                <a:cubicBezTo>
-                  <a:pt x="197419" y="2923937"/>
-                  <a:pt x="229401" y="2967190"/>
-                  <a:pt x="255568" y="2949167"/>
-                </a:cubicBezTo>
-                <a:cubicBezTo>
-                  <a:pt x="255568" y="2938354"/>
-                  <a:pt x="560851" y="3006840"/>
-                  <a:pt x="578296" y="2725691"/>
-                </a:cubicBezTo>
-                <a:cubicBezTo>
-                  <a:pt x="584111" y="2725691"/>
-                  <a:pt x="589926" y="2725691"/>
-                  <a:pt x="595740" y="2714876"/>
-                </a:cubicBezTo>
-                <a:cubicBezTo>
-                  <a:pt x="627722" y="2675228"/>
-                  <a:pt x="598648" y="2581510"/>
-                  <a:pt x="650982" y="2574301"/>
-                </a:cubicBezTo>
-                <a:cubicBezTo>
-                  <a:pt x="709132" y="2567092"/>
-                  <a:pt x="764373" y="2534653"/>
-                  <a:pt x="825429" y="2552674"/>
-                </a:cubicBezTo>
-                <a:cubicBezTo>
-                  <a:pt x="871949" y="2567092"/>
-                  <a:pt x="921375" y="2585115"/>
-                  <a:pt x="970802" y="2585115"/>
-                </a:cubicBezTo>
-                <a:cubicBezTo>
-                  <a:pt x="1023136" y="2585115"/>
-                  <a:pt x="1095822" y="2707668"/>
-                  <a:pt x="1127805" y="2545465"/>
-                </a:cubicBezTo>
-                <a:cubicBezTo>
-                  <a:pt x="1127805" y="2538257"/>
-                  <a:pt x="1217936" y="2556280"/>
-                  <a:pt x="1267362" y="2563488"/>
-                </a:cubicBezTo>
-                <a:cubicBezTo>
-                  <a:pt x="1308067" y="2570698"/>
-                  <a:pt x="1357494" y="2603137"/>
-                  <a:pt x="1386568" y="2538257"/>
-                </a:cubicBezTo>
-                <a:cubicBezTo>
-                  <a:pt x="1401105" y="2498607"/>
-                  <a:pt x="1331326" y="2426518"/>
-                  <a:pt x="1270270" y="2419309"/>
-                </a:cubicBezTo>
-                <a:cubicBezTo>
-                  <a:pt x="1215029" y="2412101"/>
-                  <a:pt x="1159787" y="2404892"/>
-                  <a:pt x="1107453" y="2419309"/>
-                </a:cubicBezTo>
-                <a:cubicBezTo>
-                  <a:pt x="1043489" y="2437331"/>
-                  <a:pt x="1008599" y="2408495"/>
-                  <a:pt x="991154" y="2343615"/>
-                </a:cubicBezTo>
-                <a:cubicBezTo>
-                  <a:pt x="970802" y="2275131"/>
-                  <a:pt x="933005" y="2239085"/>
-                  <a:pt x="880671" y="2206645"/>
-                </a:cubicBezTo>
-                <a:cubicBezTo>
-                  <a:pt x="752743" y="2127346"/>
-                  <a:pt x="630630" y="2033629"/>
-                  <a:pt x="491072" y="1986771"/>
-                </a:cubicBezTo>
-                <a:cubicBezTo>
-                  <a:pt x="464905" y="1979562"/>
-                  <a:pt x="432923" y="1965145"/>
-                  <a:pt x="421293" y="1903868"/>
-                </a:cubicBezTo>
-                <a:cubicBezTo>
-                  <a:pt x="799262" y="1997584"/>
-                  <a:pt x="1142342" y="2239085"/>
-                  <a:pt x="1531941" y="2224667"/>
-                </a:cubicBezTo>
-                <a:cubicBezTo>
-                  <a:pt x="1427272" y="2148974"/>
-                  <a:pt x="1302252" y="2145369"/>
-                  <a:pt x="1188861" y="2091301"/>
-                </a:cubicBezTo>
-                <a:cubicBezTo>
-                  <a:pt x="1270270" y="2051652"/>
-                  <a:pt x="1345864" y="2094906"/>
-                  <a:pt x="1421458" y="2116532"/>
-                </a:cubicBezTo>
-                <a:cubicBezTo>
-                  <a:pt x="1485422" y="2134554"/>
-                  <a:pt x="1543571" y="2138160"/>
-                  <a:pt x="1549386" y="2026420"/>
-                </a:cubicBezTo>
-                <a:cubicBezTo>
-                  <a:pt x="1549386" y="2015607"/>
-                  <a:pt x="1549386" y="2008398"/>
-                  <a:pt x="1549386" y="1997584"/>
-                </a:cubicBezTo>
-                <a:cubicBezTo>
-                  <a:pt x="1526126" y="1950727"/>
-                  <a:pt x="1494144" y="1929099"/>
-                  <a:pt x="1453440" y="1914682"/>
-                </a:cubicBezTo>
-                <a:cubicBezTo>
-                  <a:pt x="1430180" y="1907473"/>
-                  <a:pt x="1398198" y="1893056"/>
-                  <a:pt x="1398198" y="1860614"/>
-                </a:cubicBezTo>
-                <a:cubicBezTo>
-                  <a:pt x="1401105" y="1738063"/>
-                  <a:pt x="1322604" y="1702018"/>
-                  <a:pt x="1247011" y="1665972"/>
-                </a:cubicBezTo>
-                <a:cubicBezTo>
-                  <a:pt x="1287715" y="1604696"/>
-                  <a:pt x="1322604" y="1647950"/>
-                  <a:pt x="1354586" y="1644345"/>
-                </a:cubicBezTo>
-                <a:cubicBezTo>
-                  <a:pt x="1374939" y="1640741"/>
-                  <a:pt x="1395290" y="1637138"/>
-                  <a:pt x="1395290" y="1604696"/>
-                </a:cubicBezTo>
-                <a:cubicBezTo>
-                  <a:pt x="1395290" y="1579465"/>
-                  <a:pt x="1386568" y="1547025"/>
-                  <a:pt x="1366216" y="1547025"/>
-                </a:cubicBezTo>
-                <a:cubicBezTo>
-                  <a:pt x="1238288" y="1543420"/>
-                  <a:pt x="1165601" y="1370405"/>
-                  <a:pt x="1031858" y="1370405"/>
-                </a:cubicBezTo>
-                <a:cubicBezTo>
-                  <a:pt x="950450" y="1370405"/>
-                  <a:pt x="1072563" y="1273083"/>
-                  <a:pt x="1005692" y="1233435"/>
-                </a:cubicBezTo>
-                <a:cubicBezTo>
-                  <a:pt x="991154" y="1222621"/>
-                  <a:pt x="1046396" y="1208203"/>
-                  <a:pt x="1069655" y="1211808"/>
-                </a:cubicBezTo>
-                <a:cubicBezTo>
-                  <a:pt x="1092915" y="1215412"/>
-                  <a:pt x="1113268" y="1240644"/>
-                  <a:pt x="1142342" y="1222621"/>
-                </a:cubicBezTo>
-                <a:cubicBezTo>
-                  <a:pt x="1156879" y="1157741"/>
-                  <a:pt x="1119082" y="1132510"/>
-                  <a:pt x="1084193" y="1114487"/>
-                </a:cubicBezTo>
-                <a:cubicBezTo>
-                  <a:pt x="1008599" y="1071234"/>
-                  <a:pt x="933005" y="1020771"/>
-                  <a:pt x="848689" y="1006353"/>
-                </a:cubicBezTo>
-                <a:cubicBezTo>
-                  <a:pt x="819615" y="1002748"/>
-                  <a:pt x="802169" y="984726"/>
-                  <a:pt x="805077" y="948681"/>
-                </a:cubicBezTo>
-                <a:cubicBezTo>
-                  <a:pt x="810892" y="901822"/>
-                  <a:pt x="839967" y="916240"/>
-                  <a:pt x="863226" y="919844"/>
-                </a:cubicBezTo>
-                <a:cubicBezTo>
-                  <a:pt x="877764" y="923450"/>
-                  <a:pt x="892301" y="934263"/>
-                  <a:pt x="906838" y="909031"/>
-                </a:cubicBezTo>
-                <a:cubicBezTo>
-                  <a:pt x="566666" y="653113"/>
-                  <a:pt x="386404" y="667532"/>
-                  <a:pt x="5527" y="458471"/>
-                </a:cubicBezTo>
-                <a:cubicBezTo>
-                  <a:pt x="89843" y="418822"/>
-                  <a:pt x="150900" y="447658"/>
-                  <a:pt x="209049" y="454867"/>
-                </a:cubicBezTo>
-                <a:cubicBezTo>
-                  <a:pt x="354422" y="472890"/>
-                  <a:pt x="264290" y="505329"/>
-                  <a:pt x="409664" y="526956"/>
-                </a:cubicBezTo>
-                <a:cubicBezTo>
-                  <a:pt x="479443" y="537770"/>
-                  <a:pt x="543407" y="573815"/>
-                  <a:pt x="621908" y="516143"/>
-                </a:cubicBezTo>
-                <a:cubicBezTo>
-                  <a:pt x="674242" y="476494"/>
-                  <a:pt x="758558" y="519747"/>
-                  <a:pt x="822522" y="552188"/>
-                </a:cubicBezTo>
-                <a:cubicBezTo>
-                  <a:pt x="874856" y="581024"/>
-                  <a:pt x="927190" y="588232"/>
-                  <a:pt x="996969" y="552188"/>
-                </a:cubicBezTo>
-                <a:cubicBezTo>
-                  <a:pt x="933005" y="530562"/>
-                  <a:pt x="883579" y="512539"/>
-                  <a:pt x="834151" y="498120"/>
-                </a:cubicBezTo>
-                <a:cubicBezTo>
-                  <a:pt x="793447" y="487307"/>
-                  <a:pt x="770187" y="462076"/>
-                  <a:pt x="773095" y="408008"/>
-                </a:cubicBezTo>
-                <a:cubicBezTo>
-                  <a:pt x="773095" y="379172"/>
-                  <a:pt x="764373" y="339523"/>
-                  <a:pt x="793447" y="325106"/>
-                </a:cubicBezTo>
-                <a:cubicBezTo>
-                  <a:pt x="816707" y="310688"/>
-                  <a:pt x="848689" y="325106"/>
-                  <a:pt x="860319" y="350336"/>
-                </a:cubicBezTo>
-                <a:cubicBezTo>
-                  <a:pt x="874856" y="397195"/>
-                  <a:pt x="889393" y="440449"/>
-                  <a:pt x="938820" y="444054"/>
-                </a:cubicBezTo>
-                <a:cubicBezTo>
-                  <a:pt x="1005692" y="451262"/>
-                  <a:pt x="967894" y="422426"/>
-                  <a:pt x="956265" y="386381"/>
-                </a:cubicBezTo>
-                <a:cubicBezTo>
-                  <a:pt x="944635" y="346733"/>
-                  <a:pt x="979525" y="335919"/>
-                  <a:pt x="1002784" y="343127"/>
-                </a:cubicBezTo>
-                <a:cubicBezTo>
-                  <a:pt x="1090008" y="375569"/>
-                  <a:pt x="1180139" y="317897"/>
-                  <a:pt x="1270270" y="364755"/>
-                </a:cubicBezTo>
-                <a:cubicBezTo>
-                  <a:pt x="1247011" y="249411"/>
-                  <a:pt x="1197583" y="198949"/>
-                  <a:pt x="1092915" y="180926"/>
-                </a:cubicBezTo>
-                <a:cubicBezTo>
-                  <a:pt x="1055118" y="177322"/>
-                  <a:pt x="1014414" y="184530"/>
-                  <a:pt x="979525" y="152090"/>
-                </a:cubicBezTo>
-                <a:cubicBezTo>
-                  <a:pt x="959172" y="134068"/>
-                  <a:pt x="938820" y="112441"/>
-                  <a:pt x="953358" y="76396"/>
-                </a:cubicBezTo>
-                <a:cubicBezTo>
-                  <a:pt x="962080" y="51165"/>
-                  <a:pt x="985339" y="51165"/>
-                  <a:pt x="1005692" y="58373"/>
-                </a:cubicBezTo>
-                <a:cubicBezTo>
-                  <a:pt x="1090008" y="98023"/>
-                  <a:pt x="1180139" y="108837"/>
-                  <a:pt x="1267362" y="123254"/>
-                </a:cubicBezTo>
-                <a:cubicBezTo>
-                  <a:pt x="1281900" y="126859"/>
-                  <a:pt x="1296437" y="134068"/>
-                  <a:pt x="1310975" y="98023"/>
-                </a:cubicBezTo>
-                <a:cubicBezTo>
-                  <a:pt x="1260095" y="81803"/>
-                  <a:pt x="1209941" y="62879"/>
-                  <a:pt x="1159787" y="43505"/>
-                </a:cubicBezTo>
-                <a:close/>
-              </a:path>
-            </a:pathLst>
-          </a:custGeom>
-          <a:noFill/>
-          <a:extLst>
-            <a:ext uri="{909E8E84-426E-40DD-AFC4-6F175D3DCCD1}">
-              <a14:hiddenFill xmlns:a14="http://schemas.microsoft.com/office/drawing/2010/main">
-                <a:solidFill>
-                  <a:srgbClr val="FFFFFF"/>
-                </a:solidFill>
-              </a14:hiddenFill>
-            </a:ext>
-          </a:extLst>
-        </p:spPr>
-      </p:pic>
-    </p:spTree>
-    <p:extLst>
-      <p:ext uri="{BB962C8B-B14F-4D97-AF65-F5344CB8AC3E}">
-        <p14:creationId xmlns:p14="http://schemas.microsoft.com/office/powerpoint/2010/main" val="1627428205"/>
-      </p:ext>
-    </p:extLst>
-  </p:cSld>
-  <p:clrMapOvr>
-    <a:masterClrMapping/>
-  </p:clrMapOvr>
-</p:sld>
-</file>
-
-<file path=ppt/slides/slide4.xml><?xml version="1.0" encoding="utf-8"?>
-<p:sld xmlns:a="http://schemas.openxmlformats.org/drawingml/2006/main" xmlns:r="http://schemas.openxmlformats.org/officeDocument/2006/relationships" xmlns:p="http://schemas.openxmlformats.org/presentationml/2006/main">
-  <p:cSld>
-    <p:bg>
-      <p:bgPr>
-        <a:solidFill>
-          <a:schemeClr val="bg1"/>
-        </a:solidFill>
-        <a:effectLst/>
-      </p:bgPr>
-    </p:bg>
-    <p:spTree>
-      <p:nvGrpSpPr>
-        <p:cNvPr id="1" name=""/>
-        <p:cNvGrpSpPr/>
-        <p:nvPr/>
-      </p:nvGrpSpPr>
-      <p:grpSpPr>
-        <a:xfrm>
-          <a:off x="0" y="0"/>
-          <a:ext cx="0" cy="0"/>
-          <a:chOff x="0" y="0"/>
-          <a:chExt cx="0" cy="0"/>
-        </a:xfrm>
-      </p:grpSpPr>
-      <p:sp useBgFill="1">
-        <p:nvSpPr>
-          <p:cNvPr id="2101" name="Rectangle 2086">
-            <a:extLst>
-              <a:ext uri="{FF2B5EF4-FFF2-40B4-BE49-F238E27FC236}">
-                <a16:creationId xmlns:a16="http://schemas.microsoft.com/office/drawing/2014/main" id="{2E17E911-875F-4DE5-8699-99D9F1805A5D}"/>
-              </a:ext>
-              <a:ext uri="{C183D7F6-B498-43B3-948B-1728B52AA6E4}">
-                <adec:decorative xmlns:adec="http://schemas.microsoft.com/office/drawing/2017/decorative" val="1"/>
-              </a:ext>
-            </a:extLst>
-          </p:cNvPr>
-          <p:cNvSpPr>
-            <a:spLocks noGrp="1" noRot="1" noChangeAspect="1" noMove="1" noResize="1" noEditPoints="1" noAdjustHandles="1" noChangeArrowheads="1" noChangeShapeType="1" noTextEdit="1"/>
-          </p:cNvSpPr>
-          <p:nvPr>
-            <p:extLst>
-              <p:ext uri="{386F3935-93C4-4BCD-93E2-E3B085C9AB24}">
-                <p16:designElem xmlns:p16="http://schemas.microsoft.com/office/powerpoint/2015/main" val="1"/>
-              </p:ext>
-            </p:extLst>
-          </p:nvPr>
-        </p:nvSpPr>
-        <p:spPr>
-          <a:xfrm>
-            <a:off x="0" y="2"/>
-            <a:ext cx="12192000" cy="6857997"/>
-          </a:xfrm>
-          <a:prstGeom prst="rect">
-            <a:avLst/>
-          </a:prstGeom>
-          <a:ln>
-            <a:noFill/>
-          </a:ln>
-        </p:spPr>
-        <p:style>
-          <a:lnRef idx="2">
-            <a:schemeClr val="accent1">
-              <a:shade val="50000"/>
-            </a:schemeClr>
-          </a:lnRef>
-          <a:fillRef idx="1">
-            <a:schemeClr val="accent1"/>
-          </a:fillRef>
-          <a:effectRef idx="0">
-            <a:schemeClr val="accent1"/>
-          </a:effectRef>
-          <a:fontRef idx="minor">
-            <a:schemeClr val="lt1"/>
-          </a:fontRef>
-        </p:style>
-        <p:txBody>
-          <a:bodyPr rtlCol="0" anchor="ctr"/>
-          <a:lstStyle/>
-          <a:p>
-            <a:pPr algn="ctr"/>
-            <a:endParaRPr lang="en-US"/>
-          </a:p>
-        </p:txBody>
-      </p:sp>
-      <p:sp>
-        <p:nvSpPr>
-          <p:cNvPr id="2102" name="Rectangle 2088">
-            <a:extLst>
-              <a:ext uri="{FF2B5EF4-FFF2-40B4-BE49-F238E27FC236}">
-                <a16:creationId xmlns:a16="http://schemas.microsoft.com/office/drawing/2014/main" id="{CD9FE4EF-C4D8-49A0-B2FF-81D8DB7D8A24}"/>
-              </a:ext>
-              <a:ext uri="{C183D7F6-B498-43B3-948B-1728B52AA6E4}">
-                <adec:decorative xmlns:adec="http://schemas.microsoft.com/office/drawing/2017/decorative" val="1"/>
-              </a:ext>
-            </a:extLst>
-          </p:cNvPr>
-          <p:cNvSpPr>
-            <a:spLocks noGrp="1" noRot="1" noChangeAspect="1" noMove="1" noResize="1" noEditPoints="1" noAdjustHandles="1" noChangeArrowheads="1" noChangeShapeType="1" noTextEdit="1"/>
-          </p:cNvSpPr>
-          <p:nvPr>
-            <p:extLst>
-              <p:ext uri="{386F3935-93C4-4BCD-93E2-E3B085C9AB24}">
-                <p16:designElem xmlns:p16="http://schemas.microsoft.com/office/powerpoint/2015/main" val="1"/>
-              </p:ext>
-            </p:extLst>
-          </p:nvPr>
-        </p:nvSpPr>
-        <p:spPr>
-          <a:xfrm rot="5400000" flipH="1">
-            <a:off x="-1410084" y="1410082"/>
-            <a:ext cx="6858000" cy="4037836"/>
-          </a:xfrm>
-          <a:prstGeom prst="rect">
-            <a:avLst/>
-          </a:prstGeom>
-          <a:gradFill>
-            <a:gsLst>
-              <a:gs pos="8000">
-                <a:srgbClr val="000000"/>
-              </a:gs>
-              <a:gs pos="100000">
-                <a:schemeClr val="accent1">
-                  <a:lumMod val="75000"/>
-                </a:schemeClr>
-              </a:gs>
-            </a:gsLst>
-            <a:lin ang="3000000" scaled="0"/>
-          </a:gradFill>
-          <a:ln>
-            <a:noFill/>
-          </a:ln>
-        </p:spPr>
-        <p:style>
-          <a:lnRef idx="2">
-            <a:schemeClr val="accent1">
-              <a:shade val="50000"/>
-            </a:schemeClr>
-          </a:lnRef>
-          <a:fillRef idx="1">
-            <a:schemeClr val="accent1"/>
-          </a:fillRef>
-          <a:effectRef idx="0">
-            <a:schemeClr val="accent1"/>
-          </a:effectRef>
-          <a:fontRef idx="minor">
-            <a:schemeClr val="lt1"/>
-          </a:fontRef>
-        </p:style>
-        <p:txBody>
-          <a:bodyPr rtlCol="0" anchor="ctr"/>
-          <a:lstStyle/>
-          <a:p>
-            <a:pPr algn="ctr"/>
-            <a:endParaRPr lang="en-US"/>
-          </a:p>
-        </p:txBody>
-      </p:sp>
-      <p:sp>
-        <p:nvSpPr>
-          <p:cNvPr id="2103" name="Rectangle 2090">
-            <a:extLst>
-              <a:ext uri="{FF2B5EF4-FFF2-40B4-BE49-F238E27FC236}">
-                <a16:creationId xmlns:a16="http://schemas.microsoft.com/office/drawing/2014/main" id="{4300840D-0A0B-4512-BACA-B439D5B9C57C}"/>
-              </a:ext>
-              <a:ext uri="{C183D7F6-B498-43B3-948B-1728B52AA6E4}">
-                <adec:decorative xmlns:adec="http://schemas.microsoft.com/office/drawing/2017/decorative" val="1"/>
-              </a:ext>
-            </a:extLst>
-          </p:cNvPr>
-          <p:cNvSpPr>
-            <a:spLocks noGrp="1" noRot="1" noChangeAspect="1" noMove="1" noResize="1" noEditPoints="1" noAdjustHandles="1" noChangeArrowheads="1" noChangeShapeType="1" noTextEdit="1"/>
-          </p:cNvSpPr>
-          <p:nvPr>
-            <p:extLst>
-              <p:ext uri="{386F3935-93C4-4BCD-93E2-E3B085C9AB24}">
-                <p16:designElem xmlns:p16="http://schemas.microsoft.com/office/powerpoint/2015/main" val="1"/>
-              </p:ext>
-            </p:extLst>
-          </p:nvPr>
-        </p:nvSpPr>
-        <p:spPr>
-          <a:xfrm rot="5400000" flipH="1">
-            <a:off x="-1410085" y="1420219"/>
-            <a:ext cx="6857999" cy="4037839"/>
-          </a:xfrm>
-          <a:prstGeom prst="rect">
-            <a:avLst/>
-          </a:prstGeom>
-          <a:gradFill>
-            <a:gsLst>
-              <a:gs pos="0">
-                <a:srgbClr val="000000">
-                  <a:alpha val="0"/>
-                </a:srgbClr>
-              </a:gs>
-              <a:gs pos="99000">
-                <a:schemeClr val="accent1">
-                  <a:alpha val="46000"/>
-                </a:schemeClr>
-              </a:gs>
-            </a:gsLst>
-            <a:lin ang="1800000" scaled="0"/>
-          </a:gradFill>
-          <a:ln>
-            <a:noFill/>
-          </a:ln>
-        </p:spPr>
-        <p:style>
-          <a:lnRef idx="2">
-            <a:schemeClr val="accent1">
-              <a:shade val="50000"/>
-            </a:schemeClr>
-          </a:lnRef>
-          <a:fillRef idx="1">
-            <a:schemeClr val="accent1"/>
-          </a:fillRef>
-          <a:effectRef idx="0">
-            <a:schemeClr val="accent1"/>
-          </a:effectRef>
-          <a:fontRef idx="minor">
-            <a:schemeClr val="lt1"/>
-          </a:fontRef>
-        </p:style>
-        <p:txBody>
-          <a:bodyPr rtlCol="0" anchor="ctr"/>
-          <a:lstStyle/>
-          <a:p>
-            <a:pPr algn="ctr"/>
-            <a:endParaRPr lang="en-US"/>
-          </a:p>
-        </p:txBody>
-      </p:sp>
-      <p:sp>
-        <p:nvSpPr>
-          <p:cNvPr id="2104" name="Rectangle 2092">
-            <a:extLst>
-              <a:ext uri="{FF2B5EF4-FFF2-40B4-BE49-F238E27FC236}">
-                <a16:creationId xmlns:a16="http://schemas.microsoft.com/office/drawing/2014/main" id="{D2B78728-A580-49A7-84F9-6EF6F583ADE0}"/>
-              </a:ext>
-              <a:ext uri="{C183D7F6-B498-43B3-948B-1728B52AA6E4}">
-                <adec:decorative xmlns:adec="http://schemas.microsoft.com/office/drawing/2017/decorative" val="1"/>
-              </a:ext>
-            </a:extLst>
-          </p:cNvPr>
-          <p:cNvSpPr>
-            <a:spLocks noGrp="1" noRot="1" noChangeAspect="1" noMove="1" noResize="1" noEditPoints="1" noAdjustHandles="1" noChangeArrowheads="1" noChangeShapeType="1" noTextEdit="1"/>
-          </p:cNvSpPr>
-          <p:nvPr>
-            <p:extLst>
-              <p:ext uri="{386F3935-93C4-4BCD-93E2-E3B085C9AB24}">
-                <p16:designElem xmlns:p16="http://schemas.microsoft.com/office/powerpoint/2015/main" val="1"/>
-              </p:ext>
-            </p:extLst>
-          </p:nvPr>
-        </p:nvSpPr>
-        <p:spPr>
-          <a:xfrm rot="5400000" flipH="1">
-            <a:off x="767923" y="3588085"/>
-            <a:ext cx="2501979" cy="4037841"/>
-          </a:xfrm>
-          <a:prstGeom prst="rect">
-            <a:avLst/>
-          </a:prstGeom>
-          <a:gradFill>
-            <a:gsLst>
-              <a:gs pos="2000">
-                <a:schemeClr val="accent1">
-                  <a:alpha val="29000"/>
-                </a:schemeClr>
-              </a:gs>
-              <a:gs pos="100000">
-                <a:srgbClr val="000000">
-                  <a:alpha val="30000"/>
-                </a:srgbClr>
-              </a:gs>
-            </a:gsLst>
-            <a:lin ang="7800000" scaled="0"/>
-          </a:gradFill>
-          <a:ln>
-            <a:noFill/>
-          </a:ln>
-        </p:spPr>
-        <p:style>
-          <a:lnRef idx="2">
-            <a:schemeClr val="accent1">
-              <a:shade val="50000"/>
-            </a:schemeClr>
-          </a:lnRef>
-          <a:fillRef idx="1">
-            <a:schemeClr val="accent1"/>
-          </a:fillRef>
-          <a:effectRef idx="0">
-            <a:schemeClr val="accent1"/>
-          </a:effectRef>
-          <a:fontRef idx="minor">
-            <a:schemeClr val="lt1"/>
-          </a:fontRef>
-        </p:style>
-        <p:txBody>
-          <a:bodyPr rtlCol="0" anchor="ctr"/>
-          <a:lstStyle/>
-          <a:p>
-            <a:pPr algn="ctr"/>
-            <a:endParaRPr lang="en-US" dirty="0"/>
-          </a:p>
-        </p:txBody>
-      </p:sp>
-      <p:sp>
-        <p:nvSpPr>
-          <p:cNvPr id="2105" name="Freeform: Shape 2094">
-            <a:extLst>
-              <a:ext uri="{FF2B5EF4-FFF2-40B4-BE49-F238E27FC236}">
-                <a16:creationId xmlns:a16="http://schemas.microsoft.com/office/drawing/2014/main" id="{38FAA1A1-D861-433F-88FA-1E9D6FD31D11}"/>
-              </a:ext>
-              <a:ext uri="{C183D7F6-B498-43B3-948B-1728B52AA6E4}">
-                <adec:decorative xmlns:adec="http://schemas.microsoft.com/office/drawing/2017/decorative" val="1"/>
-              </a:ext>
-            </a:extLst>
-          </p:cNvPr>
-          <p:cNvSpPr>
-            <a:spLocks noGrp="1" noRot="1" noChangeAspect="1" noMove="1" noResize="1" noEditPoints="1" noAdjustHandles="1" noChangeArrowheads="1" noChangeShapeType="1" noTextEdit="1"/>
-          </p:cNvSpPr>
-          <p:nvPr>
-            <p:extLst>
-              <p:ext uri="{386F3935-93C4-4BCD-93E2-E3B085C9AB24}">
-                <p16:designElem xmlns:p16="http://schemas.microsoft.com/office/powerpoint/2015/main" val="1"/>
-              </p:ext>
-            </p:extLst>
-          </p:nvPr>
-        </p:nvSpPr>
-        <p:spPr>
-          <a:xfrm rot="20635413">
-            <a:off x="-501737" y="969718"/>
-            <a:ext cx="3900357" cy="4178958"/>
-          </a:xfrm>
-          <a:custGeom>
-            <a:avLst/>
-            <a:gdLst>
-              <a:gd name="connsiteX0" fmla="*/ 2432225 w 3900357"/>
-              <a:gd name="connsiteY0" fmla="*/ 93939 h 4178958"/>
-              <a:gd name="connsiteX1" fmla="*/ 3900357 w 3900357"/>
-              <a:gd name="connsiteY1" fmla="*/ 2089479 h 4178958"/>
-              <a:gd name="connsiteX2" fmla="*/ 1810878 w 3900357"/>
-              <a:gd name="connsiteY2" fmla="*/ 4178958 h 4178958"/>
-              <a:gd name="connsiteX3" fmla="*/ 78249 w 3900357"/>
-              <a:gd name="connsiteY3" fmla="*/ 3257727 h 4178958"/>
-              <a:gd name="connsiteX4" fmla="*/ 0 w 3900357"/>
-              <a:gd name="connsiteY4" fmla="*/ 3128923 h 4178958"/>
-              <a:gd name="connsiteX5" fmla="*/ 831324 w 3900357"/>
-              <a:gd name="connsiteY5" fmla="*/ 244281 h 4178958"/>
-              <a:gd name="connsiteX6" fmla="*/ 997559 w 3900357"/>
-              <a:gd name="connsiteY6" fmla="*/ 164202 h 4178958"/>
-              <a:gd name="connsiteX7" fmla="*/ 1810878 w 3900357"/>
-              <a:gd name="connsiteY7" fmla="*/ 0 h 4178958"/>
-              <a:gd name="connsiteX8" fmla="*/ 2432225 w 3900357"/>
-              <a:gd name="connsiteY8" fmla="*/ 93939 h 4178958"/>
-            </a:gdLst>
-            <a:ahLst/>
-            <a:cxnLst>
-              <a:cxn ang="0">
-                <a:pos x="connsiteX0" y="connsiteY0"/>
-              </a:cxn>
-              <a:cxn ang="0">
-                <a:pos x="connsiteX1" y="connsiteY1"/>
-              </a:cxn>
-              <a:cxn ang="0">
-                <a:pos x="connsiteX2" y="connsiteY2"/>
-              </a:cxn>
-              <a:cxn ang="0">
-                <a:pos x="connsiteX3" y="connsiteY3"/>
-              </a:cxn>
-              <a:cxn ang="0">
-                <a:pos x="connsiteX4" y="connsiteY4"/>
-              </a:cxn>
-              <a:cxn ang="0">
-                <a:pos x="connsiteX5" y="connsiteY5"/>
-              </a:cxn>
-              <a:cxn ang="0">
-                <a:pos x="connsiteX6" y="connsiteY6"/>
-              </a:cxn>
-              <a:cxn ang="0">
-                <a:pos x="connsiteX7" y="connsiteY7"/>
-              </a:cxn>
-              <a:cxn ang="0">
-                <a:pos x="connsiteX8" y="connsiteY8"/>
-              </a:cxn>
-            </a:cxnLst>
-            <a:rect l="l" t="t" r="r" b="b"/>
-            <a:pathLst>
-              <a:path w="3900357" h="4178958">
-                <a:moveTo>
-                  <a:pt x="2432225" y="93939"/>
-                </a:moveTo>
-                <a:cubicBezTo>
-                  <a:pt x="3282786" y="358491"/>
-                  <a:pt x="3900357" y="1151865"/>
-                  <a:pt x="3900357" y="2089479"/>
-                </a:cubicBezTo>
-                <a:cubicBezTo>
-                  <a:pt x="3900357" y="3243466"/>
-                  <a:pt x="2964865" y="4178958"/>
-                  <a:pt x="1810878" y="4178958"/>
-                </a:cubicBezTo>
-                <a:cubicBezTo>
-                  <a:pt x="1089636" y="4178958"/>
-                  <a:pt x="453744" y="3813531"/>
-                  <a:pt x="78249" y="3257727"/>
-                </a:cubicBezTo>
-                <a:lnTo>
-                  <a:pt x="0" y="3128923"/>
-                </a:lnTo>
-                <a:lnTo>
-                  <a:pt x="831324" y="244281"/>
-                </a:lnTo>
-                <a:lnTo>
-                  <a:pt x="997559" y="164202"/>
-                </a:lnTo>
-                <a:cubicBezTo>
-                  <a:pt x="1247540" y="58468"/>
-                  <a:pt x="1522381" y="0"/>
-                  <a:pt x="1810878" y="0"/>
-                </a:cubicBezTo>
-                <a:cubicBezTo>
-                  <a:pt x="2027251" y="0"/>
-                  <a:pt x="2235942" y="32888"/>
-                  <a:pt x="2432225" y="93939"/>
-                </a:cubicBezTo>
-                <a:close/>
-              </a:path>
-            </a:pathLst>
-          </a:custGeom>
-          <a:gradFill>
-            <a:gsLst>
-              <a:gs pos="29000">
-                <a:srgbClr val="000000">
-                  <a:alpha val="0"/>
-                </a:srgbClr>
-              </a:gs>
-              <a:gs pos="100000">
-                <a:schemeClr val="accent1">
-                  <a:alpha val="43000"/>
-                </a:schemeClr>
-              </a:gs>
-            </a:gsLst>
-            <a:lin ang="1800000" scaled="0"/>
-          </a:gradFill>
-          <a:ln>
-            <a:noFill/>
-          </a:ln>
-        </p:spPr>
-        <p:style>
-          <a:lnRef idx="2">
-            <a:schemeClr val="accent1">
-              <a:shade val="50000"/>
-            </a:schemeClr>
-          </a:lnRef>
-          <a:fillRef idx="1">
-            <a:schemeClr val="accent1"/>
-          </a:fillRef>
-          <a:effectRef idx="0">
-            <a:schemeClr val="accent1"/>
-          </a:effectRef>
-          <a:fontRef idx="minor">
-            <a:schemeClr val="lt1"/>
-          </a:fontRef>
-        </p:style>
-        <p:txBody>
-          <a:bodyPr wrap="square" rtlCol="0" anchor="ctr">
-            <a:noAutofit/>
-          </a:bodyPr>
-          <a:lstStyle/>
-          <a:p>
-            <a:pPr algn="ctr"/>
-            <a:endParaRPr lang="en-US" dirty="0"/>
-          </a:p>
-        </p:txBody>
-      </p:sp>
-      <p:sp>
-        <p:nvSpPr>
-          <p:cNvPr id="2106" name="Rectangle 2096">
-            <a:extLst>
-              <a:ext uri="{FF2B5EF4-FFF2-40B4-BE49-F238E27FC236}">
-                <a16:creationId xmlns:a16="http://schemas.microsoft.com/office/drawing/2014/main" id="{8D71EDA1-87BF-4D5D-AB79-F346FD19278A}"/>
-              </a:ext>
-              <a:ext uri="{C183D7F6-B498-43B3-948B-1728B52AA6E4}">
-                <adec:decorative xmlns:adec="http://schemas.microsoft.com/office/drawing/2017/decorative" val="1"/>
-              </a:ext>
-            </a:extLst>
-          </p:cNvPr>
-          <p:cNvSpPr>
-            <a:spLocks noGrp="1" noRot="1" noChangeAspect="1" noMove="1" noResize="1" noEditPoints="1" noAdjustHandles="1" noChangeArrowheads="1" noChangeShapeType="1" noTextEdit="1"/>
-          </p:cNvSpPr>
-          <p:nvPr>
-            <p:extLst>
-              <p:ext uri="{386F3935-93C4-4BCD-93E2-E3B085C9AB24}">
-                <p16:designElem xmlns:p16="http://schemas.microsoft.com/office/powerpoint/2015/main" val="1"/>
-              </p:ext>
-            </p:extLst>
-          </p:nvPr>
-        </p:nvSpPr>
-        <p:spPr>
-          <a:xfrm rot="5400000" flipH="1">
-            <a:off x="-1410095" y="1410079"/>
-            <a:ext cx="6858003" cy="4037835"/>
-          </a:xfrm>
-          <a:prstGeom prst="rect">
-            <a:avLst/>
-          </a:prstGeom>
-          <a:gradFill>
-            <a:gsLst>
-              <a:gs pos="0">
-                <a:srgbClr val="000000">
-                  <a:alpha val="0"/>
-                </a:srgbClr>
-              </a:gs>
-              <a:gs pos="99000">
-                <a:schemeClr val="accent1">
-                  <a:lumMod val="60000"/>
-                  <a:lumOff val="40000"/>
-                  <a:alpha val="11000"/>
-                </a:schemeClr>
-              </a:gs>
-            </a:gsLst>
-            <a:lin ang="7200000" scaled="0"/>
-          </a:gradFill>
-          <a:ln>
-            <a:noFill/>
-          </a:ln>
-        </p:spPr>
-        <p:style>
-          <a:lnRef idx="2">
-            <a:schemeClr val="accent1">
-              <a:shade val="50000"/>
-            </a:schemeClr>
-          </a:lnRef>
-          <a:fillRef idx="1">
-            <a:schemeClr val="accent1"/>
-          </a:fillRef>
-          <a:effectRef idx="0">
-            <a:schemeClr val="accent1"/>
-          </a:effectRef>
-          <a:fontRef idx="minor">
-            <a:schemeClr val="lt1"/>
-          </a:fontRef>
-        </p:style>
-        <p:txBody>
-          <a:bodyPr rtlCol="0" anchor="ctr"/>
-          <a:lstStyle/>
-          <a:p>
-            <a:pPr algn="ctr"/>
-            <a:endParaRPr lang="en-US"/>
-          </a:p>
-        </p:txBody>
-      </p:sp>
-      <p:sp>
-        <p:nvSpPr>
-          <p:cNvPr id="2" name="Título 1">
-            <a:extLst>
-              <a:ext uri="{FF2B5EF4-FFF2-40B4-BE49-F238E27FC236}">
-                <a16:creationId xmlns:a16="http://schemas.microsoft.com/office/drawing/2014/main" id="{EFEDB4E5-5712-55A9-7221-8E64092762E9}"/>
-              </a:ext>
-            </a:extLst>
-          </p:cNvPr>
-          <p:cNvSpPr>
-            <a:spLocks noGrp="1"/>
-          </p:cNvSpPr>
-          <p:nvPr>
-            <p:ph type="title"/>
-          </p:nvPr>
-        </p:nvSpPr>
-        <p:spPr>
-          <a:xfrm>
-            <a:off x="466722" y="586855"/>
-            <a:ext cx="3201366" cy="3387497"/>
-          </a:xfrm>
-        </p:spPr>
-        <p:txBody>
-          <a:bodyPr anchor="b">
-            <a:normAutofit/>
-          </a:bodyPr>
-          <a:lstStyle/>
-          <a:p>
-            <a:pPr algn="r"/>
-            <a:r>
-              <a:rPr lang="en-US" sz="4000">
-                <a:solidFill>
-                  <a:srgbClr val="FFFFFF"/>
-                </a:solidFill>
-              </a:rPr>
-              <a:t>The Three Pillars of SCRUM</a:t>
-            </a:r>
-            <a:endParaRPr lang="es-MX" sz="4000">
-              <a:solidFill>
-                <a:srgbClr val="FFFFFF"/>
-              </a:solidFill>
-            </a:endParaRPr>
-          </a:p>
-        </p:txBody>
-      </p:sp>
-      <p:sp>
-        <p:nvSpPr>
-          <p:cNvPr id="3" name="Marcador de contenido 2">
-            <a:extLst>
-              <a:ext uri="{FF2B5EF4-FFF2-40B4-BE49-F238E27FC236}">
-                <a16:creationId xmlns:a16="http://schemas.microsoft.com/office/drawing/2014/main" id="{A38A5455-4A1D-97A1-DFE6-1D0E72880A90}"/>
-              </a:ext>
-            </a:extLst>
-          </p:cNvPr>
-          <p:cNvSpPr>
-            <a:spLocks noGrp="1"/>
-          </p:cNvSpPr>
-          <p:nvPr>
-            <p:ph idx="1"/>
-          </p:nvPr>
-        </p:nvSpPr>
-        <p:spPr>
-          <a:xfrm>
-            <a:off x="4581727" y="649480"/>
-            <a:ext cx="3025303" cy="5546047"/>
-          </a:xfrm>
-        </p:spPr>
-        <p:txBody>
-          <a:bodyPr anchor="ctr">
-            <a:normAutofit/>
-          </a:bodyPr>
-          <a:lstStyle/>
-          <a:p>
-            <a:pPr marL="0" indent="0">
-              <a:buNone/>
-            </a:pPr>
-            <a:r>
-              <a:rPr lang="en-US" sz="1100"/>
-              <a:t>- Roles:</a:t>
-            </a:r>
-          </a:p>
-          <a:p>
-            <a:pPr lvl="1"/>
-            <a:r>
-              <a:rPr lang="en-US" sz="1100"/>
-              <a:t>Product Owner: Defines and prioritizes the work (the "what").</a:t>
-            </a:r>
-          </a:p>
-          <a:p>
-            <a:pPr lvl="1"/>
-            <a:r>
-              <a:rPr lang="en-US" sz="1100"/>
-              <a:t>Scrum Master: Facilitates the process and removes obstacles (the "how").</a:t>
-            </a:r>
-          </a:p>
-          <a:p>
-            <a:pPr lvl="1"/>
-            <a:r>
-              <a:rPr lang="en-US" sz="1100"/>
-              <a:t>Development Team: Builds the product.</a:t>
-            </a:r>
-          </a:p>
-          <a:p>
-            <a:pPr marL="0" indent="0">
-              <a:buNone/>
-            </a:pPr>
-            <a:r>
-              <a:rPr lang="en-US" sz="1100"/>
-              <a:t>- Events:</a:t>
-            </a:r>
-          </a:p>
-          <a:p>
-            <a:pPr lvl="1"/>
-            <a:r>
-              <a:rPr lang="en-US" sz="1100"/>
-              <a:t>Sprint Planning: What will be done this Sprint?</a:t>
-            </a:r>
-          </a:p>
-          <a:p>
-            <a:pPr lvl="1"/>
-            <a:r>
-              <a:rPr lang="en-US" sz="1100"/>
-              <a:t>Daily Scrum: A quick daily meeting to sync up.</a:t>
-            </a:r>
-          </a:p>
-          <a:p>
-            <a:pPr lvl="1"/>
-            <a:r>
-              <a:rPr lang="en-US" sz="1100"/>
-              <a:t>Sprint Review: Demonstrate the completed work.</a:t>
-            </a:r>
-          </a:p>
-          <a:p>
-            <a:pPr lvl="1"/>
-            <a:r>
-              <a:rPr lang="en-US" sz="1100"/>
-              <a:t>Sprint Retrospective: What can we improve for the next Sprint?</a:t>
-            </a:r>
-          </a:p>
-          <a:p>
-            <a:pPr marL="0" indent="0">
-              <a:buNone/>
-            </a:pPr>
-            <a:r>
-              <a:rPr lang="en-US" sz="1100"/>
-              <a:t>- Artifacts:</a:t>
-            </a:r>
-          </a:p>
-          <a:p>
-            <a:pPr marL="457200" lvl="1" indent="0">
-              <a:buNone/>
-            </a:pPr>
-            <a:r>
-              <a:rPr lang="en-US" sz="1100"/>
-              <a:t>- Product Backlog: A prioritized list of all features.</a:t>
-            </a:r>
-          </a:p>
-          <a:p>
-            <a:pPr marL="457200" lvl="1" indent="0">
-              <a:buNone/>
-            </a:pPr>
-            <a:r>
-              <a:rPr lang="en-US" sz="1100"/>
-              <a:t>- Sprint Backlog: The subset of features for the current Sprint.</a:t>
-            </a:r>
-            <a:br>
-              <a:rPr lang="en-US" sz="1100"/>
-            </a:br>
-            <a:r>
-              <a:rPr lang="en-US" sz="1100"/>
-              <a:t>- Increment: The potentially shippable product from the Sprint.</a:t>
-            </a:r>
-            <a:endParaRPr lang="es-MX" sz="1100"/>
-          </a:p>
-        </p:txBody>
-      </p:sp>
-      <p:pic>
-        <p:nvPicPr>
-          <p:cNvPr id="2052" name="Picture 4">
-            <a:extLst>
-              <a:ext uri="{FF2B5EF4-FFF2-40B4-BE49-F238E27FC236}">
-                <a16:creationId xmlns:a16="http://schemas.microsoft.com/office/drawing/2014/main" id="{698776A2-6CB2-5A24-30A0-4C9AB316EA32}"/>
-              </a:ext>
-            </a:extLst>
-          </p:cNvPr>
-          <p:cNvPicPr>
-            <a:picLocks noChangeAspect="1" noChangeArrowheads="1"/>
-          </p:cNvPicPr>
-          <p:nvPr/>
-        </p:nvPicPr>
-        <p:blipFill>
-          <a:blip r:embed="rId3">
-            <a:extLst>
-              <a:ext uri="{28A0092B-C50C-407E-A947-70E740481C1C}">
-                <a14:useLocalDpi xmlns:a14="http://schemas.microsoft.com/office/drawing/2010/main" val="0"/>
-              </a:ext>
-            </a:extLst>
-          </a:blip>
-          <a:srcRect l="28824" r="37691"/>
-          <a:stretch>
-            <a:fillRect/>
-          </a:stretch>
-        </p:blipFill>
-        <p:spPr bwMode="auto">
-          <a:xfrm>
-            <a:off x="8109502" y="10"/>
-            <a:ext cx="4082498" cy="6857990"/>
-          </a:xfrm>
-          <a:prstGeom prst="rect">
-            <a:avLst/>
-          </a:prstGeom>
-          <a:noFill/>
-          <a:extLst>
-            <a:ext uri="{909E8E84-426E-40DD-AFC4-6F175D3DCCD1}">
-              <a14:hiddenFill xmlns:a14="http://schemas.microsoft.com/office/drawing/2010/main">
-                <a:solidFill>
-                  <a:srgbClr val="FFFFFF"/>
-                </a:solidFill>
-              </a14:hiddenFill>
-            </a:ext>
-          </a:extLst>
-        </p:spPr>
-      </p:pic>
-    </p:spTree>
-    <p:extLst>
-      <p:ext uri="{BB962C8B-B14F-4D97-AF65-F5344CB8AC3E}">
-        <p14:creationId xmlns:p14="http://schemas.microsoft.com/office/powerpoint/2010/main" val="1051947695"/>
-      </p:ext>
-    </p:extLst>
-  </p:cSld>
-  <p:clrMapOvr>
-    <a:masterClrMapping/>
-  </p:clrMapOvr>
-</p:sld>
-</file>
-
-<file path=ppt/slides/slide5.xml><?xml version="1.0" encoding="utf-8"?>
-<p:sld xmlns:a="http://schemas.openxmlformats.org/drawingml/2006/main" xmlns:r="http://schemas.openxmlformats.org/officeDocument/2006/relationships" xmlns:p="http://schemas.openxmlformats.org/presentationml/2006/main">
-  <p:cSld>
-    <p:bg>
-      <p:bgPr>
-        <a:solidFill>
-          <a:schemeClr val="bg1"/>
-        </a:solidFill>
-        <a:effectLst/>
-      </p:bgPr>
-    </p:bg>
-    <p:spTree>
-      <p:nvGrpSpPr>
-        <p:cNvPr id="1" name=""/>
-        <p:cNvGrpSpPr/>
-        <p:nvPr/>
-      </p:nvGrpSpPr>
-      <p:grpSpPr>
-        <a:xfrm>
-          <a:off x="0" y="0"/>
-          <a:ext cx="0" cy="0"/>
-          <a:chOff x="0" y="0"/>
-          <a:chExt cx="0" cy="0"/>
-        </a:xfrm>
-      </p:grpSpPr>
-      <p:sp>
-        <p:nvSpPr>
-          <p:cNvPr id="2" name="Título 1">
-            <a:extLst>
-              <a:ext uri="{FF2B5EF4-FFF2-40B4-BE49-F238E27FC236}">
-                <a16:creationId xmlns:a16="http://schemas.microsoft.com/office/drawing/2014/main" id="{962D0E2E-F309-F321-D753-8C6E75E41316}"/>
-              </a:ext>
-            </a:extLst>
-          </p:cNvPr>
-          <p:cNvSpPr>
-            <a:spLocks noGrp="1"/>
-          </p:cNvSpPr>
-          <p:nvPr>
-            <p:ph type="title"/>
-          </p:nvPr>
-        </p:nvSpPr>
-        <p:spPr>
-          <a:xfrm>
-            <a:off x="481013" y="3752849"/>
-            <a:ext cx="3290887" cy="2452687"/>
-          </a:xfrm>
-        </p:spPr>
-        <p:txBody>
-          <a:bodyPr anchor="ctr">
-            <a:normAutofit/>
-          </a:bodyPr>
-          <a:lstStyle/>
-          <a:p>
-            <a:r>
-              <a:rPr lang="en-US" sz="3600"/>
-              <a:t>JSON: The Language of Web Data</a:t>
-            </a:r>
-            <a:endParaRPr lang="es-MX" sz="3600"/>
-          </a:p>
-        </p:txBody>
-      </p:sp>
-      <p:pic>
-        <p:nvPicPr>
-          <p:cNvPr id="3077" name="Picture 5">
-            <a:extLst>
-              <a:ext uri="{FF2B5EF4-FFF2-40B4-BE49-F238E27FC236}">
-                <a16:creationId xmlns:a16="http://schemas.microsoft.com/office/drawing/2014/main" id="{81F64093-30D9-BADF-5FD4-790DF954D1D8}"/>
-              </a:ext>
-            </a:extLst>
-          </p:cNvPr>
-          <p:cNvPicPr>
-            <a:picLocks noChangeAspect="1" noChangeArrowheads="1"/>
-          </p:cNvPicPr>
-          <p:nvPr/>
-        </p:nvPicPr>
-        <p:blipFill>
-          <a:blip r:embed="rId3">
-            <a:extLst>
-              <a:ext uri="{28A0092B-C50C-407E-A947-70E740481C1C}">
-                <a14:useLocalDpi xmlns:a14="http://schemas.microsoft.com/office/drawing/2010/main" val="0"/>
-              </a:ext>
-            </a:extLst>
-          </a:blip>
-          <a:srcRect t="27073" b="16305"/>
-          <a:stretch>
-            <a:fillRect/>
-          </a:stretch>
-        </p:blipFill>
-        <p:spPr bwMode="auto">
-          <a:xfrm>
-            <a:off x="20" y="10"/>
-            <a:ext cx="12191980" cy="3710603"/>
-          </a:xfrm>
-          <a:custGeom>
-            <a:avLst/>
-            <a:gdLst/>
-            <a:ahLst/>
-            <a:cxnLst/>
-            <a:rect l="l" t="t" r="r" b="b"/>
-            <a:pathLst>
-              <a:path w="12192000" h="3692092">
-                <a:moveTo>
-                  <a:pt x="0" y="0"/>
-                </a:moveTo>
-                <a:lnTo>
-                  <a:pt x="12192000" y="0"/>
-                </a:lnTo>
-                <a:lnTo>
-                  <a:pt x="12192000" y="3504824"/>
-                </a:lnTo>
-                <a:lnTo>
-                  <a:pt x="12024691" y="3517794"/>
-                </a:lnTo>
-                <a:cubicBezTo>
-                  <a:pt x="8077523" y="3783195"/>
-                  <a:pt x="4094678" y="3026959"/>
-                  <a:pt x="160485" y="3663863"/>
-                </a:cubicBezTo>
-                <a:lnTo>
-                  <a:pt x="0" y="3692092"/>
-                </a:lnTo>
-                <a:close/>
-              </a:path>
-            </a:pathLst>
-          </a:custGeom>
-          <a:noFill/>
-          <a:extLst>
-            <a:ext uri="{909E8E84-426E-40DD-AFC4-6F175D3DCCD1}">
-              <a14:hiddenFill xmlns:a14="http://schemas.microsoft.com/office/drawing/2010/main">
-                <a:solidFill>
-                  <a:srgbClr val="FFFFFF"/>
-                </a:solidFill>
-              </a14:hiddenFill>
-            </a:ext>
-          </a:extLst>
-        </p:spPr>
-      </p:pic>
-      <p:sp>
-        <p:nvSpPr>
-          <p:cNvPr id="5" name="Marcador de contenido 4">
-            <a:extLst>
-              <a:ext uri="{FF2B5EF4-FFF2-40B4-BE49-F238E27FC236}">
-                <a16:creationId xmlns:a16="http://schemas.microsoft.com/office/drawing/2014/main" id="{23F9AAE7-FB1C-312E-A9E4-F32FF302685B}"/>
-              </a:ext>
-            </a:extLst>
-          </p:cNvPr>
-          <p:cNvSpPr>
-            <a:spLocks noGrp="1"/>
-          </p:cNvSpPr>
-          <p:nvPr>
-            <p:ph idx="1"/>
-          </p:nvPr>
-        </p:nvSpPr>
-        <p:spPr>
-          <a:xfrm>
-            <a:off x="4223982" y="3752850"/>
-            <a:ext cx="7485413" cy="2452687"/>
-          </a:xfrm>
-        </p:spPr>
-        <p:txBody>
-          <a:bodyPr anchor="ctr">
-            <a:normAutofit/>
-          </a:bodyPr>
-          <a:lstStyle/>
-          <a:p>
-            <a:pPr marL="0" indent="0">
-              <a:buNone/>
-            </a:pPr>
-            <a:r>
-              <a:rPr lang="en-US" sz="1300"/>
-              <a:t>- </a:t>
-            </a:r>
-            <a:r>
-              <a:rPr lang="en-US" sz="1300" b="1"/>
-              <a:t>Definition:</a:t>
-            </a:r>
-            <a:r>
-              <a:rPr lang="en-US" sz="1300"/>
-              <a:t> JavaScript Object Notation. A lightweight, human-readable format for storing and exchanging data.</a:t>
-            </a:r>
-          </a:p>
-          <a:p>
-            <a:pPr marL="0" indent="0">
-              <a:buNone/>
-            </a:pPr>
-            <a:r>
-              <a:rPr lang="en-US" sz="1300"/>
-              <a:t>- </a:t>
-            </a:r>
-            <a:r>
-              <a:rPr lang="en-US" sz="1300" b="1"/>
-              <a:t>Characteristics:</a:t>
-            </a:r>
-          </a:p>
-          <a:p>
-            <a:pPr lvl="1">
-              <a:buFontTx/>
-              <a:buChar char="-"/>
-            </a:pPr>
-            <a:r>
-              <a:rPr lang="en-US" sz="1300"/>
-              <a:t>Language-independent: Usable with any programming language.</a:t>
-            </a:r>
-          </a:p>
-          <a:p>
-            <a:pPr lvl="1">
-              <a:buFontTx/>
-              <a:buChar char="-"/>
-            </a:pPr>
-            <a:r>
-              <a:rPr lang="en-US" sz="1300"/>
-              <a:t>Key-Value Pairs: Data is organized in key-value pairs (like a dictionary).</a:t>
-            </a:r>
-          </a:p>
-          <a:p>
-            <a:pPr lvl="1">
-              <a:buFontTx/>
-              <a:buChar char="-"/>
-            </a:pPr>
-            <a:r>
-              <a:rPr lang="en-US" sz="1300"/>
-              <a:t>Structured: Uses {} for objects and [] for arrays.</a:t>
-            </a:r>
-          </a:p>
-          <a:p>
-            <a:pPr>
-              <a:buFontTx/>
-              <a:buChar char="-"/>
-            </a:pPr>
-            <a:r>
-              <a:rPr lang="en-US" sz="1300" b="1"/>
-              <a:t>Common Use Cases:</a:t>
-            </a:r>
-          </a:p>
-          <a:p>
-            <a:pPr lvl="1">
-              <a:buFontTx/>
-              <a:buChar char="-"/>
-            </a:pPr>
-            <a:r>
-              <a:rPr lang="en-US" sz="1300"/>
-              <a:t>APIs: The standard format for communication between a client (like a web browser) and a server.</a:t>
-            </a:r>
-          </a:p>
-          <a:p>
-            <a:pPr lvl="1">
-              <a:buFontTx/>
-              <a:buChar char="-"/>
-            </a:pPr>
-            <a:r>
-              <a:rPr lang="en-US" sz="1300"/>
-              <a:t>Configuration Files: Storing settings for applications.</a:t>
-            </a:r>
-            <a:endParaRPr lang="es-MX" sz="1300"/>
-          </a:p>
-        </p:txBody>
-      </p:sp>
-    </p:spTree>
-    <p:extLst>
-      <p:ext uri="{BB962C8B-B14F-4D97-AF65-F5344CB8AC3E}">
-        <p14:creationId xmlns:p14="http://schemas.microsoft.com/office/powerpoint/2010/main" val="4135717685"/>
-      </p:ext>
-    </p:extLst>
-  </p:cSld>
-  <p:clrMapOvr>
-    <a:masterClrMapping/>
-  </p:clrMapOvr>
-</p:sld>
-</file>
-
-<file path=ppt/slides/slide6.xml><?xml version="1.0" encoding="utf-8"?>
-<p:sld xmlns:a="http://schemas.openxmlformats.org/drawingml/2006/main" xmlns:r="http://schemas.openxmlformats.org/officeDocument/2006/relationships" xmlns:p="http://schemas.openxmlformats.org/presentationml/2006/main">
-  <p:cSld>
-    <p:bg>
-      <p:bgPr>
-        <a:solidFill>
-          <a:schemeClr val="bg1"/>
-        </a:solidFill>
-        <a:effectLst/>
-      </p:bgPr>
-    </p:bg>
-    <p:spTree>
-      <p:nvGrpSpPr>
-        <p:cNvPr id="1" name=""/>
-        <p:cNvGrpSpPr/>
-        <p:nvPr/>
-      </p:nvGrpSpPr>
-      <p:grpSpPr>
-        <a:xfrm>
-          <a:off x="0" y="0"/>
-          <a:ext cx="0" cy="0"/>
-          <a:chOff x="0" y="0"/>
-          <a:chExt cx="0" cy="0"/>
-        </a:xfrm>
-      </p:grpSpPr>
-      <p:sp useBgFill="1">
-        <p:nvSpPr>
-          <p:cNvPr id="19" name="Rectangle 14">
-            <a:extLst>
-              <a:ext uri="{FF2B5EF4-FFF2-40B4-BE49-F238E27FC236}">
-                <a16:creationId xmlns:a16="http://schemas.microsoft.com/office/drawing/2014/main" id="{352BEC0E-22F8-46D0-9632-375DB541B06C}"/>
-              </a:ext>
-              <a:ext uri="{C183D7F6-B498-43B3-948B-1728B52AA6E4}">
-                <adec:decorative xmlns:adec="http://schemas.microsoft.com/office/drawing/2017/decorative" val="1"/>
-              </a:ext>
-            </a:extLst>
-          </p:cNvPr>
-          <p:cNvSpPr>
-            <a:spLocks noGrp="1" noRot="1" noChangeAspect="1" noMove="1" noResize="1" noEditPoints="1" noAdjustHandles="1" noChangeArrowheads="1" noChangeShapeType="1" noTextEdit="1"/>
-          </p:cNvSpPr>
-          <p:nvPr>
-            <p:extLst>
-              <p:ext uri="{386F3935-93C4-4BCD-93E2-E3B085C9AB24}">
-                <p16:designElem xmlns:p16="http://schemas.microsoft.com/office/powerpoint/2015/main" val="1"/>
-              </p:ext>
-            </p:extLst>
-          </p:nvPr>
-        </p:nvSpPr>
-        <p:spPr>
-          <a:xfrm>
-            <a:off x="0" y="0"/>
-            <a:ext cx="12188952" cy="6858000"/>
-          </a:xfrm>
-          <a:prstGeom prst="rect">
-            <a:avLst/>
-          </a:prstGeom>
-          <a:ln>
-            <a:noFill/>
-          </a:ln>
-        </p:spPr>
-        <p:style>
-          <a:lnRef idx="2">
-            <a:schemeClr val="accent1">
-              <a:shade val="50000"/>
-            </a:schemeClr>
-          </a:lnRef>
-          <a:fillRef idx="1">
-            <a:schemeClr val="accent1"/>
-          </a:fillRef>
-          <a:effectRef idx="0">
-            <a:schemeClr val="accent1"/>
-          </a:effectRef>
-          <a:fontRef idx="minor">
-            <a:schemeClr val="lt1"/>
-          </a:fontRef>
-        </p:style>
-        <p:txBody>
-          <a:bodyPr rtlCol="0" anchor="ctr"/>
-          <a:lstStyle/>
-          <a:p>
-            <a:pPr algn="ctr"/>
-            <a:endParaRPr lang="en-US"/>
-          </a:p>
-        </p:txBody>
-      </p:sp>
-      <p:sp>
-        <p:nvSpPr>
-          <p:cNvPr id="2" name="Título 1">
-            <a:extLst>
-              <a:ext uri="{FF2B5EF4-FFF2-40B4-BE49-F238E27FC236}">
-                <a16:creationId xmlns:a16="http://schemas.microsoft.com/office/drawing/2014/main" id="{0205B025-4549-1BD2-6BED-431092A1DEF8}"/>
-              </a:ext>
-            </a:extLst>
-          </p:cNvPr>
-          <p:cNvSpPr>
-            <a:spLocks noGrp="1"/>
-          </p:cNvSpPr>
-          <p:nvPr>
-            <p:ph type="title"/>
-          </p:nvPr>
-        </p:nvSpPr>
-        <p:spPr>
-          <a:xfrm>
-            <a:off x="640080" y="329184"/>
-            <a:ext cx="6894576" cy="1783080"/>
-          </a:xfrm>
-        </p:spPr>
-        <p:txBody>
-          <a:bodyPr anchor="b">
-            <a:normAutofit/>
-          </a:bodyPr>
-          <a:lstStyle/>
-          <a:p>
-            <a:r>
-              <a:rPr lang="en-US" sz="5400"/>
-              <a:t>Diving Deeper into JSON Syntax</a:t>
-            </a:r>
-            <a:endParaRPr lang="es-MX" sz="5400"/>
-          </a:p>
-        </p:txBody>
-      </p:sp>
-      <p:sp>
-        <p:nvSpPr>
-          <p:cNvPr id="20" name="sketch line">
-            <a:extLst>
-              <a:ext uri="{FF2B5EF4-FFF2-40B4-BE49-F238E27FC236}">
-                <a16:creationId xmlns:a16="http://schemas.microsoft.com/office/drawing/2014/main" id="{3FCFB1DE-0B7E-48CC-BA90-B2AB0889F9D6}"/>
-              </a:ext>
-              <a:ext uri="{C183D7F6-B498-43B3-948B-1728B52AA6E4}">
-                <adec:decorative xmlns:adec="http://schemas.microsoft.com/office/drawing/2017/decorative" val="1"/>
-              </a:ext>
-            </a:extLst>
-          </p:cNvPr>
-          <p:cNvSpPr>
-            <a:spLocks noGrp="1" noRot="1" noChangeAspect="1" noMove="1" noResize="1" noEditPoints="1" noAdjustHandles="1" noChangeArrowheads="1" noChangeShapeType="1" noTextEdit="1"/>
-          </p:cNvSpPr>
-          <p:nvPr>
-            <p:extLst>
-              <p:ext uri="{386F3935-93C4-4BCD-93E2-E3B085C9AB24}">
-                <p16:designElem xmlns:p16="http://schemas.microsoft.com/office/powerpoint/2015/main" val="1"/>
-              </p:ext>
-            </p:extLst>
-          </p:nvPr>
-        </p:nvSpPr>
-        <p:spPr>
-          <a:xfrm>
-            <a:off x="758952" y="2395728"/>
-            <a:ext cx="4243589" cy="18288"/>
-          </a:xfrm>
-          <a:custGeom>
-            <a:avLst/>
-            <a:gdLst>
-              <a:gd name="connsiteX0" fmla="*/ 0 w 4243589"/>
-              <a:gd name="connsiteY0" fmla="*/ 0 h 18288"/>
-              <a:gd name="connsiteX1" fmla="*/ 478919 w 4243589"/>
-              <a:gd name="connsiteY1" fmla="*/ 0 h 18288"/>
-              <a:gd name="connsiteX2" fmla="*/ 957839 w 4243589"/>
-              <a:gd name="connsiteY2" fmla="*/ 0 h 18288"/>
-              <a:gd name="connsiteX3" fmla="*/ 1521630 w 4243589"/>
-              <a:gd name="connsiteY3" fmla="*/ 0 h 18288"/>
-              <a:gd name="connsiteX4" fmla="*/ 2212729 w 4243589"/>
-              <a:gd name="connsiteY4" fmla="*/ 0 h 18288"/>
-              <a:gd name="connsiteX5" fmla="*/ 2734084 w 4243589"/>
-              <a:gd name="connsiteY5" fmla="*/ 0 h 18288"/>
-              <a:gd name="connsiteX6" fmla="*/ 3255439 w 4243589"/>
-              <a:gd name="connsiteY6" fmla="*/ 0 h 18288"/>
-              <a:gd name="connsiteX7" fmla="*/ 4243589 w 4243589"/>
-              <a:gd name="connsiteY7" fmla="*/ 0 h 18288"/>
-              <a:gd name="connsiteX8" fmla="*/ 4243589 w 4243589"/>
-              <a:gd name="connsiteY8" fmla="*/ 18288 h 18288"/>
-              <a:gd name="connsiteX9" fmla="*/ 3594926 w 4243589"/>
-              <a:gd name="connsiteY9" fmla="*/ 18288 h 18288"/>
-              <a:gd name="connsiteX10" fmla="*/ 3073571 w 4243589"/>
-              <a:gd name="connsiteY10" fmla="*/ 18288 h 18288"/>
-              <a:gd name="connsiteX11" fmla="*/ 2552216 w 4243589"/>
-              <a:gd name="connsiteY11" fmla="*/ 18288 h 18288"/>
-              <a:gd name="connsiteX12" fmla="*/ 1903553 w 4243589"/>
-              <a:gd name="connsiteY12" fmla="*/ 18288 h 18288"/>
-              <a:gd name="connsiteX13" fmla="*/ 1212454 w 4243589"/>
-              <a:gd name="connsiteY13" fmla="*/ 18288 h 18288"/>
-              <a:gd name="connsiteX14" fmla="*/ 733535 w 4243589"/>
-              <a:gd name="connsiteY14" fmla="*/ 18288 h 18288"/>
-              <a:gd name="connsiteX15" fmla="*/ 0 w 4243589"/>
-              <a:gd name="connsiteY15" fmla="*/ 18288 h 18288"/>
-              <a:gd name="connsiteX16" fmla="*/ 0 w 4243589"/>
-              <a:gd name="connsiteY16" fmla="*/ 0 h 18288"/>
-            </a:gdLst>
-            <a:ahLst/>
-            <a:cxnLst>
-              <a:cxn ang="0">
-                <a:pos x="connsiteX0" y="connsiteY0"/>
-              </a:cxn>
-              <a:cxn ang="0">
-                <a:pos x="connsiteX1" y="connsiteY1"/>
-              </a:cxn>
-              <a:cxn ang="0">
-                <a:pos x="connsiteX2" y="connsiteY2"/>
-              </a:cxn>
-              <a:cxn ang="0">
-                <a:pos x="connsiteX3" y="connsiteY3"/>
-              </a:cxn>
-              <a:cxn ang="0">
-                <a:pos x="connsiteX4" y="connsiteY4"/>
-              </a:cxn>
-              <a:cxn ang="0">
-                <a:pos x="connsiteX5" y="connsiteY5"/>
-              </a:cxn>
-              <a:cxn ang="0">
-                <a:pos x="connsiteX6" y="connsiteY6"/>
-              </a:cxn>
-              <a:cxn ang="0">
-                <a:pos x="connsiteX7" y="connsiteY7"/>
-              </a:cxn>
-              <a:cxn ang="0">
-                <a:pos x="connsiteX8" y="connsiteY8"/>
-              </a:cxn>
-              <a:cxn ang="0">
-                <a:pos x="connsiteX9" y="connsiteY9"/>
-              </a:cxn>
-              <a:cxn ang="0">
-                <a:pos x="connsiteX10" y="connsiteY10"/>
-              </a:cxn>
-              <a:cxn ang="0">
-                <a:pos x="connsiteX11" y="connsiteY11"/>
-              </a:cxn>
-              <a:cxn ang="0">
-                <a:pos x="connsiteX12" y="connsiteY12"/>
-              </a:cxn>
-              <a:cxn ang="0">
-                <a:pos x="connsiteX13" y="connsiteY13"/>
-              </a:cxn>
-              <a:cxn ang="0">
-                <a:pos x="connsiteX14" y="connsiteY14"/>
-              </a:cxn>
-              <a:cxn ang="0">
-                <a:pos x="connsiteX15" y="connsiteY15"/>
-              </a:cxn>
-              <a:cxn ang="0">
-                <a:pos x="connsiteX16" y="connsiteY16"/>
-              </a:cxn>
-            </a:cxnLst>
-            <a:rect l="l" t="t" r="r" b="b"/>
-            <a:pathLst>
-              <a:path w="4243589" h="18288" fill="none" extrusionOk="0">
-                <a:moveTo>
-                  <a:pt x="0" y="0"/>
-                </a:moveTo>
-                <a:cubicBezTo>
-                  <a:pt x="213395" y="-21006"/>
-                  <a:pt x="307421" y="-18116"/>
-                  <a:pt x="478919" y="0"/>
-                </a:cubicBezTo>
-                <a:cubicBezTo>
-                  <a:pt x="650417" y="18116"/>
-                  <a:pt x="831092" y="-21237"/>
-                  <a:pt x="957839" y="0"/>
-                </a:cubicBezTo>
-                <a:cubicBezTo>
-                  <a:pt x="1084586" y="21237"/>
-                  <a:pt x="1301682" y="25124"/>
-                  <a:pt x="1521630" y="0"/>
-                </a:cubicBezTo>
-                <a:cubicBezTo>
-                  <a:pt x="1741578" y="-25124"/>
-                  <a:pt x="1970269" y="-29139"/>
-                  <a:pt x="2212729" y="0"/>
-                </a:cubicBezTo>
-                <a:cubicBezTo>
-                  <a:pt x="2455189" y="29139"/>
-                  <a:pt x="2558847" y="-4796"/>
-                  <a:pt x="2734084" y="0"/>
-                </a:cubicBezTo>
-                <a:cubicBezTo>
-                  <a:pt x="2909321" y="4796"/>
-                  <a:pt x="3097217" y="-13409"/>
-                  <a:pt x="3255439" y="0"/>
-                </a:cubicBezTo>
-                <a:cubicBezTo>
-                  <a:pt x="3413662" y="13409"/>
-                  <a:pt x="3979999" y="-10121"/>
-                  <a:pt x="4243589" y="0"/>
-                </a:cubicBezTo>
-                <a:cubicBezTo>
-                  <a:pt x="4244484" y="8974"/>
-                  <a:pt x="4243043" y="9359"/>
-                  <a:pt x="4243589" y="18288"/>
-                </a:cubicBezTo>
-                <a:cubicBezTo>
-                  <a:pt x="4058777" y="31246"/>
-                  <a:pt x="3910348" y="3158"/>
-                  <a:pt x="3594926" y="18288"/>
-                </a:cubicBezTo>
-                <a:cubicBezTo>
-                  <a:pt x="3279504" y="33418"/>
-                  <a:pt x="3319955" y="-3977"/>
-                  <a:pt x="3073571" y="18288"/>
-                </a:cubicBezTo>
-                <a:cubicBezTo>
-                  <a:pt x="2827187" y="40553"/>
-                  <a:pt x="2767387" y="1863"/>
-                  <a:pt x="2552216" y="18288"/>
-                </a:cubicBezTo>
-                <a:cubicBezTo>
-                  <a:pt x="2337046" y="34713"/>
-                  <a:pt x="2181871" y="19527"/>
-                  <a:pt x="1903553" y="18288"/>
-                </a:cubicBezTo>
-                <a:cubicBezTo>
-                  <a:pt x="1625235" y="17049"/>
-                  <a:pt x="1557672" y="24174"/>
-                  <a:pt x="1212454" y="18288"/>
-                </a:cubicBezTo>
-                <a:cubicBezTo>
-                  <a:pt x="867236" y="12402"/>
-                  <a:pt x="874382" y="15627"/>
-                  <a:pt x="733535" y="18288"/>
-                </a:cubicBezTo>
-                <a:cubicBezTo>
-                  <a:pt x="592688" y="20949"/>
-                  <a:pt x="183477" y="14753"/>
-                  <a:pt x="0" y="18288"/>
-                </a:cubicBezTo>
-                <a:cubicBezTo>
-                  <a:pt x="-229" y="14222"/>
-                  <a:pt x="509" y="5816"/>
-                  <a:pt x="0" y="0"/>
-                </a:cubicBezTo>
-                <a:close/>
-              </a:path>
-              <a:path w="4243589" h="18288" stroke="0" extrusionOk="0">
-                <a:moveTo>
-                  <a:pt x="0" y="0"/>
-                </a:moveTo>
-                <a:cubicBezTo>
-                  <a:pt x="143690" y="16630"/>
-                  <a:pt x="266667" y="14847"/>
-                  <a:pt x="521355" y="0"/>
-                </a:cubicBezTo>
-                <a:cubicBezTo>
-                  <a:pt x="776043" y="-14847"/>
-                  <a:pt x="814491" y="-17363"/>
-                  <a:pt x="1000275" y="0"/>
-                </a:cubicBezTo>
-                <a:cubicBezTo>
-                  <a:pt x="1186059" y="17363"/>
-                  <a:pt x="1352504" y="-23507"/>
-                  <a:pt x="1521630" y="0"/>
-                </a:cubicBezTo>
-                <a:cubicBezTo>
-                  <a:pt x="1690756" y="23507"/>
-                  <a:pt x="1889525" y="5871"/>
-                  <a:pt x="2127857" y="0"/>
-                </a:cubicBezTo>
-                <a:cubicBezTo>
-                  <a:pt x="2366189" y="-5871"/>
-                  <a:pt x="2620628" y="-27997"/>
-                  <a:pt x="2776520" y="0"/>
-                </a:cubicBezTo>
-                <a:cubicBezTo>
-                  <a:pt x="2932412" y="27997"/>
-                  <a:pt x="3131683" y="-25073"/>
-                  <a:pt x="3467618" y="0"/>
-                </a:cubicBezTo>
-                <a:cubicBezTo>
-                  <a:pt x="3803553" y="25073"/>
-                  <a:pt x="4017371" y="3071"/>
-                  <a:pt x="4243589" y="0"/>
-                </a:cubicBezTo>
-                <a:cubicBezTo>
-                  <a:pt x="4243134" y="6162"/>
-                  <a:pt x="4243492" y="11775"/>
-                  <a:pt x="4243589" y="18288"/>
-                </a:cubicBezTo>
-                <a:cubicBezTo>
-                  <a:pt x="4017834" y="-5779"/>
-                  <a:pt x="3834586" y="13376"/>
-                  <a:pt x="3594926" y="18288"/>
-                </a:cubicBezTo>
-                <a:cubicBezTo>
-                  <a:pt x="3355266" y="23200"/>
-                  <a:pt x="3204179" y="2869"/>
-                  <a:pt x="2903827" y="18288"/>
-                </a:cubicBezTo>
-                <a:cubicBezTo>
-                  <a:pt x="2603475" y="33707"/>
-                  <a:pt x="2526187" y="46187"/>
-                  <a:pt x="2212729" y="18288"/>
-                </a:cubicBezTo>
-                <a:cubicBezTo>
-                  <a:pt x="1899271" y="-9611"/>
-                  <a:pt x="1966289" y="29692"/>
-                  <a:pt x="1733809" y="18288"/>
-                </a:cubicBezTo>
-                <a:cubicBezTo>
-                  <a:pt x="1501329" y="6884"/>
-                  <a:pt x="1343612" y="12492"/>
-                  <a:pt x="1085146" y="18288"/>
-                </a:cubicBezTo>
-                <a:cubicBezTo>
-                  <a:pt x="826680" y="24084"/>
-                  <a:pt x="778184" y="35607"/>
-                  <a:pt x="521355" y="18288"/>
-                </a:cubicBezTo>
-                <a:cubicBezTo>
-                  <a:pt x="264526" y="969"/>
-                  <a:pt x="120277" y="4268"/>
-                  <a:pt x="0" y="18288"/>
-                </a:cubicBezTo>
-                <a:cubicBezTo>
-                  <a:pt x="766" y="10800"/>
-                  <a:pt x="-457" y="8180"/>
-                  <a:pt x="0" y="0"/>
-                </a:cubicBezTo>
-                <a:close/>
-              </a:path>
-            </a:pathLst>
-          </a:custGeom>
-          <a:solidFill>
-            <a:schemeClr val="accent2"/>
-          </a:solidFill>
-          <a:ln w="41275" cap="rnd">
-            <a:solidFill>
-              <a:schemeClr val="accent2"/>
-            </a:solidFill>
-            <a:round/>
-            <a:extLst>
-              <a:ext uri="{C807C97D-BFC1-408E-A445-0C87EB9F89A2}">
-                <ask:lineSketchStyleProps xmlns:ask="http://schemas.microsoft.com/office/drawing/2018/sketchyshapes" sd="2727557108">
-                  <a:prstGeom prst="rect">
-                    <a:avLst/>
-                  </a:prstGeom>
-                  <ask:type>
-                    <ask:lineSketchFreehand/>
-                  </ask:type>
-                </ask:lineSketchStyleProps>
-              </a:ext>
-            </a:extLst>
-          </a:ln>
-        </p:spPr>
-        <p:style>
-          <a:lnRef idx="2">
-            <a:schemeClr val="accent1">
-              <a:shade val="50000"/>
-            </a:schemeClr>
-          </a:lnRef>
-          <a:fillRef idx="1">
-            <a:schemeClr val="accent1"/>
-          </a:fillRef>
-          <a:effectRef idx="0">
-            <a:schemeClr val="accent1"/>
-          </a:effectRef>
-          <a:fontRef idx="minor">
-            <a:schemeClr val="lt1"/>
-          </a:fontRef>
-        </p:style>
-        <p:txBody>
-          <a:bodyPr rtlCol="0" anchor="ctr"/>
-          <a:lstStyle/>
-          <a:p>
-            <a:pPr algn="ctr"/>
-            <a:endParaRPr lang="en-US"/>
-          </a:p>
-        </p:txBody>
-      </p:sp>
-      <p:sp>
-        <p:nvSpPr>
-          <p:cNvPr id="3" name="Marcador de contenido 2">
-            <a:extLst>
-              <a:ext uri="{FF2B5EF4-FFF2-40B4-BE49-F238E27FC236}">
-                <a16:creationId xmlns:a16="http://schemas.microsoft.com/office/drawing/2014/main" id="{F9400046-4A83-0B2C-F5AA-DCEF3FC249F6}"/>
-              </a:ext>
-            </a:extLst>
-          </p:cNvPr>
-          <p:cNvSpPr>
-            <a:spLocks noGrp="1"/>
-          </p:cNvSpPr>
-          <p:nvPr>
-            <p:ph idx="1"/>
-          </p:nvPr>
-        </p:nvSpPr>
-        <p:spPr>
-          <a:xfrm>
-            <a:off x="640080" y="2706624"/>
-            <a:ext cx="6894576" cy="3483864"/>
-          </a:xfrm>
-        </p:spPr>
-        <p:txBody>
-          <a:bodyPr>
-            <a:normAutofit/>
-          </a:bodyPr>
-          <a:lstStyle/>
-          <a:p>
-            <a:r>
-              <a:rPr lang="es-MX" sz="2200"/>
-              <a:t>Basic Structure:</a:t>
-            </a:r>
-          </a:p>
-          <a:p>
-            <a:endParaRPr lang="es-MX" sz="2200"/>
-          </a:p>
-          <a:p>
-            <a:endParaRPr lang="es-MX" sz="2200"/>
-          </a:p>
-          <a:p>
-            <a:endParaRPr lang="es-MX" sz="2200"/>
-          </a:p>
-          <a:p>
-            <a:r>
-              <a:rPr lang="es-MX" sz="2200"/>
-              <a:t>Nested Objects and Arrays:</a:t>
-            </a:r>
-          </a:p>
-          <a:p>
-            <a:endParaRPr lang="es-MX" sz="2200"/>
-          </a:p>
-          <a:p>
-            <a:pPr marL="0" indent="0">
-              <a:buNone/>
-            </a:pPr>
-            <a:r>
-              <a:rPr lang="es-MX" sz="2200"/>
-              <a:t>	</a:t>
-            </a:r>
-          </a:p>
-        </p:txBody>
-      </p:sp>
-      <p:pic>
-        <p:nvPicPr>
-          <p:cNvPr id="8" name="Imagen 7">
-            <a:extLst>
-              <a:ext uri="{FF2B5EF4-FFF2-40B4-BE49-F238E27FC236}">
-                <a16:creationId xmlns:a16="http://schemas.microsoft.com/office/drawing/2014/main" id="{3861A374-8F55-C2BE-8098-97C37345642C}"/>
-              </a:ext>
-            </a:extLst>
-          </p:cNvPr>
-          <p:cNvPicPr>
-            <a:picLocks noChangeAspect="1"/>
-          </p:cNvPicPr>
-          <p:nvPr/>
-        </p:nvPicPr>
-        <p:blipFill>
-          <a:blip r:embed="rId3"/>
-          <a:stretch>
-            <a:fillRect/>
-          </a:stretch>
-        </p:blipFill>
-        <p:spPr>
-          <a:xfrm>
-            <a:off x="7863840" y="577435"/>
-            <a:ext cx="4014216" cy="2933464"/>
-          </a:xfrm>
-          <a:prstGeom prst="rect">
-            <a:avLst/>
-          </a:prstGeom>
-        </p:spPr>
-      </p:pic>
-      <p:pic>
-        <p:nvPicPr>
-          <p:cNvPr id="10" name="Imagen 9">
-            <a:extLst>
-              <a:ext uri="{FF2B5EF4-FFF2-40B4-BE49-F238E27FC236}">
-                <a16:creationId xmlns:a16="http://schemas.microsoft.com/office/drawing/2014/main" id="{2C2F475A-D96E-9ED3-EC1C-1E8B1F7359C4}"/>
-              </a:ext>
-            </a:extLst>
-          </p:cNvPr>
-          <p:cNvPicPr>
-            <a:picLocks noChangeAspect="1"/>
-          </p:cNvPicPr>
-          <p:nvPr/>
-        </p:nvPicPr>
-        <p:blipFill>
-          <a:blip r:embed="rId4"/>
-          <a:stretch>
-            <a:fillRect/>
-          </a:stretch>
-        </p:blipFill>
-        <p:spPr>
-          <a:xfrm>
-            <a:off x="7863840" y="4209869"/>
-            <a:ext cx="3995928" cy="1914919"/>
-          </a:xfrm>
-          <a:prstGeom prst="rect">
-            <a:avLst/>
-          </a:prstGeom>
-        </p:spPr>
-      </p:pic>
-    </p:spTree>
-    <p:extLst>
-      <p:ext uri="{BB962C8B-B14F-4D97-AF65-F5344CB8AC3E}">
-        <p14:creationId xmlns:p14="http://schemas.microsoft.com/office/powerpoint/2010/main" val="2872209325"/>
-      </p:ext>
-    </p:extLst>
-  </p:cSld>
-  <p:clrMapOvr>
-    <a:masterClrMapping/>
-  </p:clrMapOvr>
-</p:sld>
-</file>
-
-<file path=ppt/slides/slide7.xml><?xml version="1.0" encoding="utf-8"?>
-<p:sld xmlns:a="http://schemas.openxmlformats.org/drawingml/2006/main" xmlns:r="http://schemas.openxmlformats.org/officeDocument/2006/relationships" xmlns:p="http://schemas.openxmlformats.org/presentationml/2006/main">
-  <p:cSld>
-    <p:bg>
-      <p:bgPr>
-        <a:solidFill>
-          <a:schemeClr val="bg1"/>
-        </a:solidFill>
-        <a:effectLst/>
-      </p:bgPr>
-    </p:bg>
-    <p:spTree>
-      <p:nvGrpSpPr>
-        <p:cNvPr id="1" name=""/>
-        <p:cNvGrpSpPr/>
-        <p:nvPr/>
-      </p:nvGrpSpPr>
-      <p:grpSpPr>
-        <a:xfrm>
-          <a:off x="0" y="0"/>
-          <a:ext cx="0" cy="0"/>
-          <a:chOff x="0" y="0"/>
-          <a:chExt cx="0" cy="0"/>
-        </a:xfrm>
-      </p:grpSpPr>
-      <p:sp useBgFill="1">
-        <p:nvSpPr>
           <p:cNvPr id="5133" name="Rectangle 5127">
             <a:extLst>
               <a:ext uri="{FF2B5EF4-FFF2-40B4-BE49-F238E27FC236}">
@@ -16366,7 +12533,7 @@
 </p:sld>
 </file>
 
-<file path=ppt/slides/slide8.xml><?xml version="1.0" encoding="utf-8"?>
+<file path=ppt/slides/slide11.xml><?xml version="1.0" encoding="utf-8"?>
 <p:sld xmlns:a="http://schemas.openxmlformats.org/drawingml/2006/main" xmlns:r="http://schemas.openxmlformats.org/officeDocument/2006/relationships" xmlns:p="http://schemas.openxmlformats.org/presentationml/2006/main">
   <p:cSld>
     <p:bg>
@@ -17631,7 +13798,7 @@
 </p:sld>
 </file>
 
-<file path=ppt/slides/slide9.xml><?xml version="1.0" encoding="utf-8"?>
+<file path=ppt/slides/slide12.xml><?xml version="1.0" encoding="utf-8"?>
 <p:sld xmlns:a="http://schemas.openxmlformats.org/drawingml/2006/main" xmlns:r="http://schemas.openxmlformats.org/officeDocument/2006/relationships" xmlns:p="http://schemas.openxmlformats.org/presentationml/2006/main">
   <p:cSld>
     <p:bg>
@@ -18335,6 +14502,3321 @@
     <p:extLst>
       <p:ext uri="{BB962C8B-B14F-4D97-AF65-F5344CB8AC3E}">
         <p14:creationId xmlns:p14="http://schemas.microsoft.com/office/powerpoint/2010/main" val="1055279677"/>
+      </p:ext>
+    </p:extLst>
+  </p:cSld>
+  <p:clrMapOvr>
+    <a:masterClrMapping/>
+  </p:clrMapOvr>
+</p:sld>
+</file>
+
+<file path=ppt/slides/slide13.xml><?xml version="1.0" encoding="utf-8"?>
+<p:sld xmlns:a="http://schemas.openxmlformats.org/drawingml/2006/main" xmlns:r="http://schemas.openxmlformats.org/officeDocument/2006/relationships" xmlns:p="http://schemas.openxmlformats.org/presentationml/2006/main">
+  <p:cSld>
+    <p:bg>
+      <p:bgPr>
+        <a:solidFill>
+          <a:schemeClr val="bg1"/>
+        </a:solidFill>
+        <a:effectLst/>
+      </p:bgPr>
+    </p:bg>
+    <p:spTree>
+      <p:nvGrpSpPr>
+        <p:cNvPr id="1" name=""/>
+        <p:cNvGrpSpPr/>
+        <p:nvPr/>
+      </p:nvGrpSpPr>
+      <p:grpSpPr>
+        <a:xfrm>
+          <a:off x="0" y="0"/>
+          <a:ext cx="0" cy="0"/>
+          <a:chOff x="0" y="0"/>
+          <a:chExt cx="0" cy="0"/>
+        </a:xfrm>
+      </p:grpSpPr>
+      <p:sp useBgFill="1">
+        <p:nvSpPr>
+          <p:cNvPr id="9" name="Rectangle 8">
+            <a:extLst>
+              <a:ext uri="{FF2B5EF4-FFF2-40B4-BE49-F238E27FC236}">
+                <a16:creationId xmlns:a16="http://schemas.microsoft.com/office/drawing/2014/main" id="{BACC6370-2D7E-4714-9D71-7542949D7D5D}"/>
+              </a:ext>
+              <a:ext uri="{C183D7F6-B498-43B3-948B-1728B52AA6E4}">
+                <adec:decorative xmlns:adec="http://schemas.microsoft.com/office/drawing/2017/decorative" val="1"/>
+              </a:ext>
+            </a:extLst>
+          </p:cNvPr>
+          <p:cNvSpPr>
+            <a:spLocks noGrp="1" noRot="1" noChangeAspect="1" noMove="1" noResize="1" noEditPoints="1" noAdjustHandles="1" noChangeArrowheads="1" noChangeShapeType="1" noTextEdit="1"/>
+          </p:cNvSpPr>
+          <p:nvPr>
+            <p:extLst>
+              <p:ext uri="{386F3935-93C4-4BCD-93E2-E3B085C9AB24}">
+                <p16:designElem xmlns:p16="http://schemas.microsoft.com/office/powerpoint/2015/main" val="1"/>
+              </p:ext>
+            </p:extLst>
+          </p:nvPr>
+        </p:nvSpPr>
+        <p:spPr>
+          <a:xfrm>
+            <a:off x="0" y="0"/>
+            <a:ext cx="12192000" cy="6858000"/>
+          </a:xfrm>
+          <a:prstGeom prst="rect">
+            <a:avLst/>
+          </a:prstGeom>
+          <a:ln w="12700" cap="flat" cmpd="sng" algn="ctr">
+            <a:noFill/>
+            <a:prstDash val="solid"/>
+            <a:miter lim="800000"/>
+          </a:ln>
+          <a:effectLst/>
+          <a:extLst>
+            <a:ext uri="{91240B29-F687-4F45-9708-019B960494DF}">
+              <a14:hiddenLine xmlns:a14="http://schemas.microsoft.com/office/drawing/2010/main" w="12700" cap="flat" cmpd="sng" algn="ctr">
+                <a:solidFill>
+                  <a:schemeClr val="accent1">
+                    <a:shade val="50000"/>
+                  </a:schemeClr>
+                </a:solidFill>
+                <a:prstDash val="solid"/>
+                <a:miter lim="800000"/>
+              </a14:hiddenLine>
+            </a:ext>
+          </a:extLst>
+        </p:spPr>
+        <p:style>
+          <a:lnRef idx="2">
+            <a:schemeClr val="accent1">
+              <a:shade val="50000"/>
+            </a:schemeClr>
+          </a:lnRef>
+          <a:fillRef idx="1">
+            <a:schemeClr val="accent1"/>
+          </a:fillRef>
+          <a:effectRef idx="0">
+            <a:schemeClr val="accent1"/>
+          </a:effectRef>
+          <a:fontRef idx="minor">
+            <a:schemeClr val="lt1"/>
+          </a:fontRef>
+        </p:style>
+        <p:txBody>
+          <a:bodyPr rtlCol="0" anchor="ctr"/>
+          <a:lstStyle/>
+          <a:p>
+            <a:pPr algn="ctr"/>
+            <a:endParaRPr lang="en-US"/>
+          </a:p>
+        </p:txBody>
+      </p:sp>
+      <p:sp>
+        <p:nvSpPr>
+          <p:cNvPr id="11" name="Rectangle 10">
+            <a:extLst>
+              <a:ext uri="{FF2B5EF4-FFF2-40B4-BE49-F238E27FC236}">
+                <a16:creationId xmlns:a16="http://schemas.microsoft.com/office/drawing/2014/main" id="{F68B3F68-107C-434F-AA38-110D5EA91B85}"/>
+              </a:ext>
+              <a:ext uri="{C183D7F6-B498-43B3-948B-1728B52AA6E4}">
+                <adec:decorative xmlns:adec="http://schemas.microsoft.com/office/drawing/2017/decorative" val="1"/>
+              </a:ext>
+            </a:extLst>
+          </p:cNvPr>
+          <p:cNvSpPr>
+            <a:spLocks noGrp="1" noRot="1" noChangeAspect="1" noMove="1" noResize="1" noEditPoints="1" noAdjustHandles="1" noChangeArrowheads="1" noChangeShapeType="1" noTextEdit="1"/>
+          </p:cNvSpPr>
+          <p:nvPr>
+            <p:extLst>
+              <p:ext uri="{386F3935-93C4-4BCD-93E2-E3B085C9AB24}">
+                <p16:designElem xmlns:p16="http://schemas.microsoft.com/office/powerpoint/2015/main" val="1"/>
+              </p:ext>
+            </p:extLst>
+          </p:nvPr>
+        </p:nvSpPr>
+        <p:spPr>
+          <a:xfrm flipH="1">
+            <a:off x="2" y="0"/>
+            <a:ext cx="12191998" cy="1575955"/>
+          </a:xfrm>
+          <a:prstGeom prst="rect">
+            <a:avLst/>
+          </a:prstGeom>
+          <a:gradFill>
+            <a:gsLst>
+              <a:gs pos="0">
+                <a:srgbClr val="000000">
+                  <a:alpha val="96000"/>
+                </a:srgbClr>
+              </a:gs>
+              <a:gs pos="100000">
+                <a:schemeClr val="accent1">
+                  <a:lumMod val="75000"/>
+                </a:schemeClr>
+              </a:gs>
+            </a:gsLst>
+            <a:lin ang="8400000" scaled="0"/>
+          </a:gradFill>
+          <a:ln>
+            <a:noFill/>
+          </a:ln>
+        </p:spPr>
+        <p:style>
+          <a:lnRef idx="2">
+            <a:schemeClr val="accent1">
+              <a:shade val="50000"/>
+            </a:schemeClr>
+          </a:lnRef>
+          <a:fillRef idx="1">
+            <a:schemeClr val="accent1"/>
+          </a:fillRef>
+          <a:effectRef idx="0">
+            <a:schemeClr val="accent1"/>
+          </a:effectRef>
+          <a:fontRef idx="minor">
+            <a:schemeClr val="lt1"/>
+          </a:fontRef>
+        </p:style>
+        <p:txBody>
+          <a:bodyPr rtlCol="0" anchor="ctr"/>
+          <a:lstStyle/>
+          <a:p>
+            <a:pPr algn="ctr"/>
+            <a:endParaRPr lang="en-US"/>
+          </a:p>
+        </p:txBody>
+      </p:sp>
+      <p:sp>
+        <p:nvSpPr>
+          <p:cNvPr id="13" name="Rectangle 12">
+            <a:extLst>
+              <a:ext uri="{FF2B5EF4-FFF2-40B4-BE49-F238E27FC236}">
+                <a16:creationId xmlns:a16="http://schemas.microsoft.com/office/drawing/2014/main" id="{AAD0DBB9-1A4B-4391-81D4-CB19F9AB918A}"/>
+              </a:ext>
+              <a:ext uri="{C183D7F6-B498-43B3-948B-1728B52AA6E4}">
+                <adec:decorative xmlns:adec="http://schemas.microsoft.com/office/drawing/2017/decorative" val="1"/>
+              </a:ext>
+            </a:extLst>
+          </p:cNvPr>
+          <p:cNvSpPr>
+            <a:spLocks noGrp="1" noRot="1" noChangeAspect="1" noMove="1" noResize="1" noEditPoints="1" noAdjustHandles="1" noChangeArrowheads="1" noChangeShapeType="1" noTextEdit="1"/>
+          </p:cNvSpPr>
+          <p:nvPr>
+            <p:extLst>
+              <p:ext uri="{386F3935-93C4-4BCD-93E2-E3B085C9AB24}">
+                <p16:designElem xmlns:p16="http://schemas.microsoft.com/office/powerpoint/2015/main" val="1"/>
+              </p:ext>
+            </p:extLst>
+          </p:nvPr>
+        </p:nvSpPr>
+        <p:spPr>
+          <a:xfrm rot="10800000" flipH="1">
+            <a:off x="8128857" y="0"/>
+            <a:ext cx="4063143" cy="1576412"/>
+          </a:xfrm>
+          <a:prstGeom prst="rect">
+            <a:avLst/>
+          </a:prstGeom>
+          <a:gradFill>
+            <a:gsLst>
+              <a:gs pos="19000">
+                <a:schemeClr val="accent1">
+                  <a:lumMod val="50000"/>
+                  <a:alpha val="68000"/>
+                </a:schemeClr>
+              </a:gs>
+              <a:gs pos="100000">
+                <a:schemeClr val="accent1">
+                  <a:alpha val="79000"/>
+                </a:schemeClr>
+              </a:gs>
+            </a:gsLst>
+            <a:lin ang="19200000" scaled="0"/>
+          </a:gradFill>
+          <a:ln>
+            <a:noFill/>
+          </a:ln>
+        </p:spPr>
+        <p:style>
+          <a:lnRef idx="2">
+            <a:schemeClr val="accent1">
+              <a:shade val="50000"/>
+            </a:schemeClr>
+          </a:lnRef>
+          <a:fillRef idx="1">
+            <a:schemeClr val="accent1"/>
+          </a:fillRef>
+          <a:effectRef idx="0">
+            <a:schemeClr val="accent1"/>
+          </a:effectRef>
+          <a:fontRef idx="minor">
+            <a:schemeClr val="lt1"/>
+          </a:fontRef>
+        </p:style>
+        <p:txBody>
+          <a:bodyPr rtlCol="0" anchor="ctr"/>
+          <a:lstStyle/>
+          <a:p>
+            <a:pPr algn="ctr"/>
+            <a:endParaRPr lang="en-US"/>
+          </a:p>
+        </p:txBody>
+      </p:sp>
+      <p:sp>
+        <p:nvSpPr>
+          <p:cNvPr id="15" name="Rectangle 14">
+            <a:extLst>
+              <a:ext uri="{FF2B5EF4-FFF2-40B4-BE49-F238E27FC236}">
+                <a16:creationId xmlns:a16="http://schemas.microsoft.com/office/drawing/2014/main" id="{063BBA22-50EA-4C4D-BE05-F1CE4E63AA56}"/>
+              </a:ext>
+              <a:ext uri="{C183D7F6-B498-43B3-948B-1728B52AA6E4}">
+                <adec:decorative xmlns:adec="http://schemas.microsoft.com/office/drawing/2017/decorative" val="1"/>
+              </a:ext>
+            </a:extLst>
+          </p:cNvPr>
+          <p:cNvSpPr>
+            <a:spLocks noGrp="1" noRot="1" noChangeAspect="1" noMove="1" noResize="1" noEditPoints="1" noAdjustHandles="1" noChangeArrowheads="1" noChangeShapeType="1" noTextEdit="1"/>
+          </p:cNvSpPr>
+          <p:nvPr>
+            <p:extLst>
+              <p:ext uri="{386F3935-93C4-4BCD-93E2-E3B085C9AB24}">
+                <p16:designElem xmlns:p16="http://schemas.microsoft.com/office/powerpoint/2015/main" val="1"/>
+              </p:ext>
+            </p:extLst>
+          </p:nvPr>
+        </p:nvSpPr>
+        <p:spPr>
+          <a:xfrm rot="5400000">
+            <a:off x="5307777" y="-5307778"/>
+            <a:ext cx="1576446" cy="12192002"/>
+          </a:xfrm>
+          <a:prstGeom prst="rect">
+            <a:avLst/>
+          </a:prstGeom>
+          <a:gradFill>
+            <a:gsLst>
+              <a:gs pos="23000">
+                <a:schemeClr val="accent1">
+                  <a:alpha val="0"/>
+                </a:schemeClr>
+              </a:gs>
+              <a:gs pos="99000">
+                <a:srgbClr val="000000">
+                  <a:alpha val="74000"/>
+                </a:srgbClr>
+              </a:gs>
+            </a:gsLst>
+            <a:lin ang="20400000" scaled="0"/>
+          </a:gradFill>
+          <a:ln>
+            <a:noFill/>
+          </a:ln>
+        </p:spPr>
+        <p:style>
+          <a:lnRef idx="2">
+            <a:schemeClr val="accent1">
+              <a:shade val="50000"/>
+            </a:schemeClr>
+          </a:lnRef>
+          <a:fillRef idx="1">
+            <a:schemeClr val="accent1"/>
+          </a:fillRef>
+          <a:effectRef idx="0">
+            <a:schemeClr val="accent1"/>
+          </a:effectRef>
+          <a:fontRef idx="minor">
+            <a:schemeClr val="lt1"/>
+          </a:fontRef>
+        </p:style>
+        <p:txBody>
+          <a:bodyPr rtlCol="0" anchor="ctr"/>
+          <a:lstStyle/>
+          <a:p>
+            <a:pPr algn="ctr"/>
+            <a:endParaRPr lang="en-US" dirty="0"/>
+          </a:p>
+        </p:txBody>
+      </p:sp>
+      <p:sp>
+        <p:nvSpPr>
+          <p:cNvPr id="2" name="Título 1">
+            <a:extLst>
+              <a:ext uri="{FF2B5EF4-FFF2-40B4-BE49-F238E27FC236}">
+                <a16:creationId xmlns:a16="http://schemas.microsoft.com/office/drawing/2014/main" id="{E51ABE15-5BA1-F78C-8592-D2FF43238F04}"/>
+              </a:ext>
+            </a:extLst>
+          </p:cNvPr>
+          <p:cNvSpPr>
+            <a:spLocks noGrp="1"/>
+          </p:cNvSpPr>
+          <p:nvPr>
+            <p:ph type="title"/>
+          </p:nvPr>
+        </p:nvSpPr>
+        <p:spPr>
+          <a:xfrm>
+            <a:off x="1371597" y="348865"/>
+            <a:ext cx="10044023" cy="877729"/>
+          </a:xfrm>
+        </p:spPr>
+        <p:txBody>
+          <a:bodyPr anchor="ctr">
+            <a:normAutofit/>
+          </a:bodyPr>
+          <a:lstStyle/>
+          <a:p>
+            <a:r>
+              <a:rPr lang="es-MX" sz="4000">
+                <a:solidFill>
+                  <a:srgbClr val="FFFFFF"/>
+                </a:solidFill>
+              </a:rPr>
+              <a:t>Summary and Key Takeaways</a:t>
+            </a:r>
+          </a:p>
+        </p:txBody>
+      </p:sp>
+      <p:graphicFrame>
+        <p:nvGraphicFramePr>
+          <p:cNvPr id="5" name="Marcador de contenido 2">
+            <a:extLst>
+              <a:ext uri="{FF2B5EF4-FFF2-40B4-BE49-F238E27FC236}">
+                <a16:creationId xmlns:a16="http://schemas.microsoft.com/office/drawing/2014/main" id="{B264ACEF-AE2A-B61D-1216-B46D358814F5}"/>
+              </a:ext>
+            </a:extLst>
+          </p:cNvPr>
+          <p:cNvGraphicFramePr>
+            <a:graphicFrameLocks noGrp="1"/>
+          </p:cNvGraphicFramePr>
+          <p:nvPr>
+            <p:ph idx="1"/>
+            <p:extLst>
+              <p:ext uri="{D42A27DB-BD31-4B8C-83A1-F6EECF244321}">
+                <p14:modId xmlns:p14="http://schemas.microsoft.com/office/powerpoint/2010/main" val="4164426898"/>
+              </p:ext>
+            </p:extLst>
+          </p:nvPr>
+        </p:nvGraphicFramePr>
+        <p:xfrm>
+          <a:off x="644056" y="2112579"/>
+          <a:ext cx="10927829" cy="4192805"/>
+        </p:xfrm>
+        <a:graphic>
+          <a:graphicData uri="http://schemas.openxmlformats.org/drawingml/2006/diagram">
+            <dgm:relIds xmlns:dgm="http://schemas.openxmlformats.org/drawingml/2006/diagram" xmlns:r="http://schemas.openxmlformats.org/officeDocument/2006/relationships" r:dm="rId3" r:lo="rId4" r:qs="rId5" r:cs="rId6"/>
+          </a:graphicData>
+        </a:graphic>
+      </p:graphicFrame>
+    </p:spTree>
+    <p:extLst>
+      <p:ext uri="{BB962C8B-B14F-4D97-AF65-F5344CB8AC3E}">
+        <p14:creationId xmlns:p14="http://schemas.microsoft.com/office/powerpoint/2010/main" val="3178440465"/>
+      </p:ext>
+    </p:extLst>
+  </p:cSld>
+  <p:clrMapOvr>
+    <a:masterClrMapping/>
+  </p:clrMapOvr>
+</p:sld>
+</file>
+
+<file path=ppt/slides/slide2.xml><?xml version="1.0" encoding="utf-8"?>
+<p:sld xmlns:a="http://schemas.openxmlformats.org/drawingml/2006/main" xmlns:r="http://schemas.openxmlformats.org/officeDocument/2006/relationships" xmlns:p="http://schemas.openxmlformats.org/presentationml/2006/main">
+  <p:cSld>
+    <p:bg>
+      <p:bgPr>
+        <a:solidFill>
+          <a:schemeClr val="bg1"/>
+        </a:solidFill>
+        <a:effectLst/>
+      </p:bgPr>
+    </p:bg>
+    <p:spTree>
+      <p:nvGrpSpPr>
+        <p:cNvPr id="1" name=""/>
+        <p:cNvGrpSpPr/>
+        <p:nvPr/>
+      </p:nvGrpSpPr>
+      <p:grpSpPr>
+        <a:xfrm>
+          <a:off x="0" y="0"/>
+          <a:ext cx="0" cy="0"/>
+          <a:chOff x="0" y="0"/>
+          <a:chExt cx="0" cy="0"/>
+        </a:xfrm>
+      </p:grpSpPr>
+      <p:sp useBgFill="1">
+        <p:nvSpPr>
+          <p:cNvPr id="9" name="Rectangle 8">
+            <a:extLst>
+              <a:ext uri="{FF2B5EF4-FFF2-40B4-BE49-F238E27FC236}">
+                <a16:creationId xmlns:a16="http://schemas.microsoft.com/office/drawing/2014/main" id="{2659FDB4-FCBE-4A89-B46D-43D4FA54464D}"/>
+              </a:ext>
+              <a:ext uri="{C183D7F6-B498-43B3-948B-1728B52AA6E4}">
+                <adec:decorative xmlns:adec="http://schemas.microsoft.com/office/drawing/2017/decorative" val="1"/>
+              </a:ext>
+            </a:extLst>
+          </p:cNvPr>
+          <p:cNvSpPr>
+            <a:spLocks noGrp="1" noRot="1" noChangeAspect="1" noMove="1" noResize="1" noEditPoints="1" noAdjustHandles="1" noChangeArrowheads="1" noChangeShapeType="1" noTextEdit="1"/>
+          </p:cNvSpPr>
+          <p:nvPr>
+            <p:extLst>
+              <p:ext uri="{386F3935-93C4-4BCD-93E2-E3B085C9AB24}">
+                <p16:designElem xmlns:p16="http://schemas.microsoft.com/office/powerpoint/2015/main" val="1"/>
+              </p:ext>
+            </p:extLst>
+          </p:nvPr>
+        </p:nvSpPr>
+        <p:spPr>
+          <a:xfrm>
+            <a:off x="0" y="8313"/>
+            <a:ext cx="12192000" cy="6858000"/>
+          </a:xfrm>
+          <a:prstGeom prst="rect">
+            <a:avLst/>
+          </a:prstGeom>
+          <a:ln>
+            <a:noFill/>
+          </a:ln>
+        </p:spPr>
+        <p:style>
+          <a:lnRef idx="2">
+            <a:schemeClr val="accent1">
+              <a:shade val="50000"/>
+            </a:schemeClr>
+          </a:lnRef>
+          <a:fillRef idx="1">
+            <a:schemeClr val="accent1"/>
+          </a:fillRef>
+          <a:effectRef idx="0">
+            <a:schemeClr val="accent1"/>
+          </a:effectRef>
+          <a:fontRef idx="minor">
+            <a:schemeClr val="lt1"/>
+          </a:fontRef>
+        </p:style>
+        <p:txBody>
+          <a:bodyPr rtlCol="0" anchor="ctr"/>
+          <a:lstStyle/>
+          <a:p>
+            <a:pPr algn="ctr"/>
+            <a:endParaRPr lang="en-US">
+              <a:solidFill>
+                <a:schemeClr val="bg1"/>
+              </a:solidFill>
+            </a:endParaRPr>
+          </a:p>
+        </p:txBody>
+      </p:sp>
+      <p:sp>
+        <p:nvSpPr>
+          <p:cNvPr id="2" name="Título 1">
+            <a:extLst>
+              <a:ext uri="{FF2B5EF4-FFF2-40B4-BE49-F238E27FC236}">
+                <a16:creationId xmlns:a16="http://schemas.microsoft.com/office/drawing/2014/main" id="{258AF78D-924E-B525-F086-1F3BB5ADDF6B}"/>
+              </a:ext>
+            </a:extLst>
+          </p:cNvPr>
+          <p:cNvSpPr>
+            <a:spLocks noGrp="1"/>
+          </p:cNvSpPr>
+          <p:nvPr>
+            <p:ph type="title"/>
+          </p:nvPr>
+        </p:nvSpPr>
+        <p:spPr>
+          <a:xfrm>
+            <a:off x="498645" y="560661"/>
+            <a:ext cx="3939688" cy="5583126"/>
+          </a:xfrm>
+        </p:spPr>
+        <p:txBody>
+          <a:bodyPr>
+            <a:normAutofit/>
+          </a:bodyPr>
+          <a:lstStyle/>
+          <a:p>
+            <a:pPr algn="r"/>
+            <a:r>
+              <a:rPr lang="en-US" sz="5600" dirty="0"/>
+              <a:t>Introduction: Equivalence Classes</a:t>
+            </a:r>
+            <a:endParaRPr lang="es-MX" sz="5600" dirty="0"/>
+          </a:p>
+        </p:txBody>
+      </p:sp>
+      <p:cxnSp>
+        <p:nvCxnSpPr>
+          <p:cNvPr id="11" name="Straight Connector 10">
+            <a:extLst>
+              <a:ext uri="{FF2B5EF4-FFF2-40B4-BE49-F238E27FC236}">
+                <a16:creationId xmlns:a16="http://schemas.microsoft.com/office/drawing/2014/main" id="{C8F51B3F-8331-4E4A-AE96-D47B1006EEAD}"/>
+              </a:ext>
+              <a:ext uri="{C183D7F6-B498-43B3-948B-1728B52AA6E4}">
+                <adec:decorative xmlns:adec="http://schemas.microsoft.com/office/drawing/2017/decorative" val="1"/>
+              </a:ext>
+            </a:extLst>
+          </p:cNvPr>
+          <p:cNvCxnSpPr>
+            <a:cxnSpLocks noGrp="1" noRot="1" noChangeAspect="1" noMove="1" noResize="1" noEditPoints="1" noAdjustHandles="1" noChangeArrowheads="1" noChangeShapeType="1"/>
+          </p:cNvCxnSpPr>
+          <p:nvPr>
+            <p:extLst>
+              <p:ext uri="{386F3935-93C4-4BCD-93E2-E3B085C9AB24}">
+                <p16:designElem xmlns:p16="http://schemas.microsoft.com/office/powerpoint/2015/main" val="1"/>
+              </p:ext>
+            </p:extLst>
+          </p:nvPr>
+        </p:nvCxnSpPr>
+        <p:spPr>
+          <a:xfrm>
+            <a:off x="4728053" y="1132114"/>
+            <a:ext cx="0" cy="5717573"/>
+          </a:xfrm>
+          <a:prstGeom prst="line">
+            <a:avLst/>
+          </a:prstGeom>
+          <a:ln w="25400" cap="sq">
+            <a:gradFill flip="none" rotWithShape="1">
+              <a:gsLst>
+                <a:gs pos="0">
+                  <a:schemeClr val="accent1"/>
+                </a:gs>
+                <a:gs pos="100000">
+                  <a:schemeClr val="accent2"/>
+                </a:gs>
+              </a:gsLst>
+              <a:lin ang="16200000" scaled="1"/>
+              <a:tileRect/>
+            </a:gradFill>
+            <a:bevel/>
+          </a:ln>
+        </p:spPr>
+        <p:style>
+          <a:lnRef idx="1">
+            <a:schemeClr val="accent1"/>
+          </a:lnRef>
+          <a:fillRef idx="0">
+            <a:schemeClr val="accent1"/>
+          </a:fillRef>
+          <a:effectRef idx="0">
+            <a:schemeClr val="accent1"/>
+          </a:effectRef>
+          <a:fontRef idx="minor">
+            <a:schemeClr val="tx1"/>
+          </a:fontRef>
+        </p:style>
+      </p:cxnSp>
+      <p:graphicFrame>
+        <p:nvGraphicFramePr>
+          <p:cNvPr id="5" name="Marcador de contenido 2">
+            <a:extLst>
+              <a:ext uri="{FF2B5EF4-FFF2-40B4-BE49-F238E27FC236}">
+                <a16:creationId xmlns:a16="http://schemas.microsoft.com/office/drawing/2014/main" id="{F35A209D-6E84-5CD3-454C-9F3246E8C40D}"/>
+              </a:ext>
+            </a:extLst>
+          </p:cNvPr>
+          <p:cNvGraphicFramePr>
+            <a:graphicFrameLocks noGrp="1"/>
+          </p:cNvGraphicFramePr>
+          <p:nvPr>
+            <p:ph idx="1"/>
+            <p:extLst>
+              <p:ext uri="{D42A27DB-BD31-4B8C-83A1-F6EECF244321}">
+                <p14:modId xmlns:p14="http://schemas.microsoft.com/office/powerpoint/2010/main" val="92638249"/>
+              </p:ext>
+            </p:extLst>
+          </p:nvPr>
+        </p:nvGraphicFramePr>
+        <p:xfrm>
+          <a:off x="5047673" y="554440"/>
+          <a:ext cx="6245265" cy="5589347"/>
+        </p:xfrm>
+        <a:graphic>
+          <a:graphicData uri="http://schemas.openxmlformats.org/drawingml/2006/diagram">
+            <dgm:relIds xmlns:dgm="http://schemas.openxmlformats.org/drawingml/2006/diagram" xmlns:r="http://schemas.openxmlformats.org/officeDocument/2006/relationships" r:dm="rId2" r:lo="rId3" r:qs="rId4" r:cs="rId5"/>
+          </a:graphicData>
+        </a:graphic>
+      </p:graphicFrame>
+    </p:spTree>
+    <p:extLst>
+      <p:ext uri="{BB962C8B-B14F-4D97-AF65-F5344CB8AC3E}">
+        <p14:creationId xmlns:p14="http://schemas.microsoft.com/office/powerpoint/2010/main" val="3609986844"/>
+      </p:ext>
+    </p:extLst>
+  </p:cSld>
+  <p:clrMapOvr>
+    <a:masterClrMapping/>
+  </p:clrMapOvr>
+</p:sld>
+</file>
+
+<file path=ppt/slides/slide3.xml><?xml version="1.0" encoding="utf-8"?>
+<p:sld xmlns:a="http://schemas.openxmlformats.org/drawingml/2006/main" xmlns:r="http://schemas.openxmlformats.org/officeDocument/2006/relationships" xmlns:p="http://schemas.openxmlformats.org/presentationml/2006/main">
+  <p:cSld>
+    <p:spTree>
+      <p:nvGrpSpPr>
+        <p:cNvPr id="1" name=""/>
+        <p:cNvGrpSpPr/>
+        <p:nvPr/>
+      </p:nvGrpSpPr>
+      <p:grpSpPr>
+        <a:xfrm>
+          <a:off x="0" y="0"/>
+          <a:ext cx="0" cy="0"/>
+          <a:chOff x="0" y="0"/>
+          <a:chExt cx="0" cy="0"/>
+        </a:xfrm>
+      </p:grpSpPr>
+      <p:sp>
+        <p:nvSpPr>
+          <p:cNvPr id="2" name="Título 1">
+            <a:extLst>
+              <a:ext uri="{FF2B5EF4-FFF2-40B4-BE49-F238E27FC236}">
+                <a16:creationId xmlns:a16="http://schemas.microsoft.com/office/drawing/2014/main" id="{0F0DB1B4-BBD7-78D5-8408-41DB48F8B816}"/>
+              </a:ext>
+            </a:extLst>
+          </p:cNvPr>
+          <p:cNvSpPr>
+            <a:spLocks noGrp="1"/>
+          </p:cNvSpPr>
+          <p:nvPr>
+            <p:ph type="title"/>
+          </p:nvPr>
+        </p:nvSpPr>
+        <p:spPr/>
+        <p:txBody>
+          <a:bodyPr/>
+          <a:lstStyle/>
+          <a:p>
+            <a:r>
+              <a:rPr lang="es-MX" dirty="0" err="1"/>
+              <a:t>Equivalence</a:t>
+            </a:r>
+            <a:r>
+              <a:rPr lang="es-MX" dirty="0"/>
+              <a:t> </a:t>
+            </a:r>
+            <a:r>
+              <a:rPr lang="es-MX" dirty="0" err="1"/>
+              <a:t>Classes</a:t>
+            </a:r>
+            <a:endParaRPr lang="es-MX" dirty="0"/>
+          </a:p>
+        </p:txBody>
+      </p:sp>
+      <p:pic>
+        <p:nvPicPr>
+          <p:cNvPr id="5" name="Marcador de contenido 4">
+            <a:extLst>
+              <a:ext uri="{FF2B5EF4-FFF2-40B4-BE49-F238E27FC236}">
+                <a16:creationId xmlns:a16="http://schemas.microsoft.com/office/drawing/2014/main" id="{49EBE781-D3F7-5990-FD92-20316264DF72}"/>
+              </a:ext>
+            </a:extLst>
+          </p:cNvPr>
+          <p:cNvPicPr>
+            <a:picLocks noGrp="1" noChangeAspect="1"/>
+          </p:cNvPicPr>
+          <p:nvPr>
+            <p:ph idx="1"/>
+          </p:nvPr>
+        </p:nvPicPr>
+        <p:blipFill>
+          <a:blip r:embed="rId2"/>
+          <a:stretch>
+            <a:fillRect/>
+          </a:stretch>
+        </p:blipFill>
+        <p:spPr>
+          <a:xfrm>
+            <a:off x="952245" y="1825625"/>
+            <a:ext cx="10287509" cy="4351338"/>
+          </a:xfrm>
+          <a:prstGeom prst="rect">
+            <a:avLst/>
+          </a:prstGeom>
+        </p:spPr>
+      </p:pic>
+    </p:spTree>
+    <p:extLst>
+      <p:ext uri="{BB962C8B-B14F-4D97-AF65-F5344CB8AC3E}">
+        <p14:creationId xmlns:p14="http://schemas.microsoft.com/office/powerpoint/2010/main" val="3739696858"/>
+      </p:ext>
+    </p:extLst>
+  </p:cSld>
+  <p:clrMapOvr>
+    <a:masterClrMapping/>
+  </p:clrMapOvr>
+</p:sld>
+</file>
+
+<file path=ppt/slides/slide4.xml><?xml version="1.0" encoding="utf-8"?>
+<p:sld xmlns:a="http://schemas.openxmlformats.org/drawingml/2006/main" xmlns:r="http://schemas.openxmlformats.org/officeDocument/2006/relationships" xmlns:p="http://schemas.openxmlformats.org/presentationml/2006/main">
+  <p:cSld>
+    <p:bg>
+      <p:bgPr>
+        <a:solidFill>
+          <a:schemeClr val="bg1"/>
+        </a:solidFill>
+        <a:effectLst/>
+      </p:bgPr>
+    </p:bg>
+    <p:spTree>
+      <p:nvGrpSpPr>
+        <p:cNvPr id="1" name=""/>
+        <p:cNvGrpSpPr/>
+        <p:nvPr/>
+      </p:nvGrpSpPr>
+      <p:grpSpPr>
+        <a:xfrm>
+          <a:off x="0" y="0"/>
+          <a:ext cx="0" cy="0"/>
+          <a:chOff x="0" y="0"/>
+          <a:chExt cx="0" cy="0"/>
+        </a:xfrm>
+      </p:grpSpPr>
+      <p:sp useBgFill="1">
+        <p:nvSpPr>
+          <p:cNvPr id="1033" name="Rectangle 1034">
+            <a:extLst>
+              <a:ext uri="{FF2B5EF4-FFF2-40B4-BE49-F238E27FC236}">
+                <a16:creationId xmlns:a16="http://schemas.microsoft.com/office/drawing/2014/main" id="{D009D6D5-DAC2-4A8B-A17A-E206B9012D09}"/>
+              </a:ext>
+              <a:ext uri="{C183D7F6-B498-43B3-948B-1728B52AA6E4}">
+                <adec:decorative xmlns:adec="http://schemas.microsoft.com/office/drawing/2017/decorative" val="1"/>
+              </a:ext>
+            </a:extLst>
+          </p:cNvPr>
+          <p:cNvSpPr>
+            <a:spLocks noGrp="1" noRot="1" noChangeAspect="1" noMove="1" noResize="1" noEditPoints="1" noAdjustHandles="1" noChangeArrowheads="1" noChangeShapeType="1" noTextEdit="1"/>
+          </p:cNvSpPr>
+          <p:nvPr>
+            <p:extLst>
+              <p:ext uri="{386F3935-93C4-4BCD-93E2-E3B085C9AB24}">
+                <p16:designElem xmlns:p16="http://schemas.microsoft.com/office/powerpoint/2015/main" val="1"/>
+              </p:ext>
+            </p:extLst>
+          </p:nvPr>
+        </p:nvSpPr>
+        <p:spPr>
+          <a:xfrm>
+            <a:off x="0" y="0"/>
+            <a:ext cx="12188952" cy="6858000"/>
+          </a:xfrm>
+          <a:prstGeom prst="rect">
+            <a:avLst/>
+          </a:prstGeom>
+          <a:ln>
+            <a:noFill/>
+          </a:ln>
+        </p:spPr>
+        <p:style>
+          <a:lnRef idx="2">
+            <a:schemeClr val="accent1">
+              <a:shade val="50000"/>
+            </a:schemeClr>
+          </a:lnRef>
+          <a:fillRef idx="1">
+            <a:schemeClr val="accent1"/>
+          </a:fillRef>
+          <a:effectRef idx="0">
+            <a:schemeClr val="accent1"/>
+          </a:effectRef>
+          <a:fontRef idx="minor">
+            <a:schemeClr val="lt1"/>
+          </a:fontRef>
+        </p:style>
+        <p:txBody>
+          <a:bodyPr rtlCol="0" anchor="ctr"/>
+          <a:lstStyle/>
+          <a:p>
+            <a:pPr algn="ctr"/>
+            <a:endParaRPr lang="en-US"/>
+          </a:p>
+        </p:txBody>
+      </p:sp>
+      <p:sp>
+        <p:nvSpPr>
+          <p:cNvPr id="2" name="Título 1">
+            <a:extLst>
+              <a:ext uri="{FF2B5EF4-FFF2-40B4-BE49-F238E27FC236}">
+                <a16:creationId xmlns:a16="http://schemas.microsoft.com/office/drawing/2014/main" id="{F5836CDB-C61E-7773-48DD-7407F599DC72}"/>
+              </a:ext>
+            </a:extLst>
+          </p:cNvPr>
+          <p:cNvSpPr>
+            <a:spLocks noGrp="1"/>
+          </p:cNvSpPr>
+          <p:nvPr>
+            <p:ph type="title"/>
+          </p:nvPr>
+        </p:nvSpPr>
+        <p:spPr>
+          <a:xfrm>
+            <a:off x="843160" y="525992"/>
+            <a:ext cx="5251316" cy="1807305"/>
+          </a:xfrm>
+        </p:spPr>
+        <p:txBody>
+          <a:bodyPr>
+            <a:normAutofit/>
+          </a:bodyPr>
+          <a:lstStyle/>
+          <a:p>
+            <a:br>
+              <a:rPr lang="es-MX" sz="3100" dirty="0"/>
+            </a:br>
+            <a:r>
+              <a:rPr lang="en-US" sz="3100" dirty="0"/>
+              <a:t>Why these classes were selected?</a:t>
+            </a:r>
+            <a:br>
+              <a:rPr lang="es-MX" sz="3100" b="1" dirty="0"/>
+            </a:br>
+            <a:endParaRPr lang="es-MX" sz="3100" dirty="0"/>
+          </a:p>
+        </p:txBody>
+      </p:sp>
+      <p:sp>
+        <p:nvSpPr>
+          <p:cNvPr id="3" name="Marcador de contenido 2">
+            <a:extLst>
+              <a:ext uri="{FF2B5EF4-FFF2-40B4-BE49-F238E27FC236}">
+                <a16:creationId xmlns:a16="http://schemas.microsoft.com/office/drawing/2014/main" id="{D6809E89-C041-D710-E946-26679F85C988}"/>
+              </a:ext>
+            </a:extLst>
+          </p:cNvPr>
+          <p:cNvSpPr>
+            <a:spLocks noGrp="1"/>
+          </p:cNvSpPr>
+          <p:nvPr>
+            <p:ph idx="1"/>
+          </p:nvPr>
+        </p:nvSpPr>
+        <p:spPr>
+          <a:xfrm>
+            <a:off x="838200" y="2333297"/>
+            <a:ext cx="4619621" cy="3843666"/>
+          </a:xfrm>
+        </p:spPr>
+        <p:txBody>
+          <a:bodyPr>
+            <a:normAutofit/>
+          </a:bodyPr>
+          <a:lstStyle/>
+          <a:p>
+            <a:pPr marL="0" indent="0">
+              <a:buNone/>
+            </a:pPr>
+            <a:r>
+              <a:rPr lang="en-US" sz="1700" b="1" dirty="0"/>
+              <a:t>Definition:</a:t>
+            </a:r>
+            <a:r>
+              <a:rPr lang="en-US" sz="1700" dirty="0"/>
+              <a:t> An agile framework for managing complex projects and delivering products in an iterative, incremental manner.</a:t>
+            </a:r>
+          </a:p>
+          <a:p>
+            <a:pPr marL="0" indent="0">
+              <a:buNone/>
+            </a:pPr>
+            <a:r>
+              <a:rPr lang="en-US" sz="1700" b="1" dirty="0"/>
+              <a:t>Key Idea: </a:t>
+            </a:r>
+            <a:r>
+              <a:rPr lang="en-US" sz="1700" dirty="0"/>
+              <a:t>Instead of one long project plan, SCRUM breaks work into small, manageable cycles called Sprints.</a:t>
+            </a:r>
+          </a:p>
+          <a:p>
+            <a:pPr marL="0" indent="0">
+              <a:buNone/>
+            </a:pPr>
+            <a:r>
+              <a:rPr lang="en-US" sz="1700" b="1" dirty="0"/>
+              <a:t>Benefits:</a:t>
+            </a:r>
+          </a:p>
+          <a:p>
+            <a:pPr>
+              <a:buFontTx/>
+              <a:buChar char="-"/>
+            </a:pPr>
+            <a:r>
+              <a:rPr lang="en-US" sz="1700" dirty="0"/>
+              <a:t>Flexibility: Easily adapt to changing requirements.</a:t>
+            </a:r>
+          </a:p>
+          <a:p>
+            <a:pPr>
+              <a:buFontTx/>
+              <a:buChar char="-"/>
+            </a:pPr>
+            <a:r>
+              <a:rPr lang="en-US" sz="1700" dirty="0"/>
+              <a:t>Collaboration: Fosters close teamwork and communication.</a:t>
+            </a:r>
+          </a:p>
+          <a:p>
+            <a:pPr>
+              <a:buFontTx/>
+              <a:buChar char="-"/>
+            </a:pPr>
+            <a:r>
+              <a:rPr lang="en-US" sz="1700" dirty="0"/>
+              <a:t>Transparency: Everyone knows the project's status at all times.</a:t>
+            </a:r>
+            <a:endParaRPr lang="es-MX" sz="1700" dirty="0"/>
+          </a:p>
+        </p:txBody>
+      </p:sp>
+      <p:pic>
+        <p:nvPicPr>
+          <p:cNvPr id="1030" name="Picture 6">
+            <a:extLst>
+              <a:ext uri="{FF2B5EF4-FFF2-40B4-BE49-F238E27FC236}">
+                <a16:creationId xmlns:a16="http://schemas.microsoft.com/office/drawing/2014/main" id="{5C492EDE-1A7A-AF0E-DBB4-34B95D6E4E82}"/>
+              </a:ext>
+            </a:extLst>
+          </p:cNvPr>
+          <p:cNvPicPr>
+            <a:picLocks noChangeAspect="1" noChangeArrowheads="1"/>
+          </p:cNvPicPr>
+          <p:nvPr/>
+        </p:nvPicPr>
+        <p:blipFill>
+          <a:blip r:embed="rId3">
+            <a:extLst>
+              <a:ext uri="{28A0092B-C50C-407E-A947-70E740481C1C}">
+                <a14:useLocalDpi xmlns:a14="http://schemas.microsoft.com/office/drawing/2010/main" val="0"/>
+              </a:ext>
+            </a:extLst>
+          </a:blip>
+          <a:srcRect l="25704" r="20171"/>
+          <a:stretch>
+            <a:fillRect/>
+          </a:stretch>
+        </p:blipFill>
+        <p:spPr bwMode="auto">
+          <a:xfrm>
+            <a:off x="6229215" y="10"/>
+            <a:ext cx="5962785" cy="6857990"/>
+          </a:xfrm>
+          <a:custGeom>
+            <a:avLst/>
+            <a:gdLst/>
+            <a:ahLst/>
+            <a:cxnLst/>
+            <a:rect l="l" t="t" r="r" b="b"/>
+            <a:pathLst>
+              <a:path w="5962785" h="6858000">
+                <a:moveTo>
+                  <a:pt x="1044839" y="0"/>
+                </a:moveTo>
+                <a:lnTo>
+                  <a:pt x="5962785" y="0"/>
+                </a:lnTo>
+                <a:lnTo>
+                  <a:pt x="5962785" y="6858000"/>
+                </a:lnTo>
+                <a:lnTo>
+                  <a:pt x="1469886" y="6858000"/>
+                </a:lnTo>
+                <a:lnTo>
+                  <a:pt x="1416006" y="6823984"/>
+                </a:lnTo>
+                <a:cubicBezTo>
+                  <a:pt x="1356767" y="6787940"/>
+                  <a:pt x="1296437" y="6755500"/>
+                  <a:pt x="1232473" y="6733873"/>
+                </a:cubicBezTo>
+                <a:cubicBezTo>
+                  <a:pt x="1145250" y="6705037"/>
+                  <a:pt x="1060933" y="6654575"/>
+                  <a:pt x="1075471" y="6503186"/>
+                </a:cubicBezTo>
+                <a:cubicBezTo>
+                  <a:pt x="1078378" y="6459932"/>
+                  <a:pt x="1055118" y="6427493"/>
+                  <a:pt x="1020229" y="6438306"/>
+                </a:cubicBezTo>
+                <a:cubicBezTo>
+                  <a:pt x="953358" y="6459932"/>
+                  <a:pt x="921375" y="6398656"/>
+                  <a:pt x="883579" y="6351798"/>
+                </a:cubicBezTo>
+                <a:cubicBezTo>
+                  <a:pt x="816707" y="6268895"/>
+                  <a:pt x="752743" y="6182387"/>
+                  <a:pt x="645167" y="6167969"/>
+                </a:cubicBezTo>
+                <a:cubicBezTo>
+                  <a:pt x="665519" y="6103088"/>
+                  <a:pt x="700408" y="6110298"/>
+                  <a:pt x="732391" y="6124716"/>
+                </a:cubicBezTo>
+                <a:cubicBezTo>
+                  <a:pt x="816707" y="6160761"/>
+                  <a:pt x="901023" y="6200410"/>
+                  <a:pt x="985339" y="6236455"/>
+                </a:cubicBezTo>
+                <a:cubicBezTo>
+                  <a:pt x="1040581" y="6258081"/>
+                  <a:pt x="1095822" y="6290522"/>
+                  <a:pt x="1168509" y="6265291"/>
+                </a:cubicBezTo>
+                <a:cubicBezTo>
+                  <a:pt x="1104545" y="6135530"/>
+                  <a:pt x="996969" y="6110298"/>
+                  <a:pt x="909746" y="6070649"/>
+                </a:cubicBezTo>
+                <a:cubicBezTo>
+                  <a:pt x="802169" y="6020185"/>
+                  <a:pt x="738206" y="5926470"/>
+                  <a:pt x="659704" y="5818335"/>
+                </a:cubicBezTo>
+                <a:cubicBezTo>
+                  <a:pt x="738206" y="5789500"/>
+                  <a:pt x="787632" y="5868798"/>
+                  <a:pt x="851597" y="5865193"/>
+                </a:cubicBezTo>
+                <a:cubicBezTo>
+                  <a:pt x="854504" y="5854380"/>
+                  <a:pt x="860319" y="5832753"/>
+                  <a:pt x="860319" y="5832753"/>
+                </a:cubicBezTo>
+                <a:cubicBezTo>
+                  <a:pt x="755650" y="5775081"/>
+                  <a:pt x="709132" y="5666947"/>
+                  <a:pt x="691686" y="5533581"/>
+                </a:cubicBezTo>
+                <a:cubicBezTo>
+                  <a:pt x="685872" y="5465095"/>
+                  <a:pt x="648075" y="5443468"/>
+                  <a:pt x="610278" y="5411029"/>
+                </a:cubicBezTo>
+                <a:cubicBezTo>
+                  <a:pt x="482350" y="5299289"/>
+                  <a:pt x="345700" y="5198364"/>
+                  <a:pt x="238123" y="5046976"/>
+                </a:cubicBezTo>
+                <a:cubicBezTo>
+                  <a:pt x="363144" y="5064998"/>
+                  <a:pt x="461997" y="5165924"/>
+                  <a:pt x="592833" y="5209177"/>
+                </a:cubicBezTo>
+                <a:cubicBezTo>
+                  <a:pt x="488165" y="5043371"/>
+                  <a:pt x="351514" y="4956864"/>
+                  <a:pt x="226494" y="4855939"/>
+                </a:cubicBezTo>
+                <a:cubicBezTo>
+                  <a:pt x="168344" y="4809081"/>
+                  <a:pt x="116011" y="4751408"/>
+                  <a:pt x="49139" y="4726177"/>
+                </a:cubicBezTo>
+                <a:cubicBezTo>
+                  <a:pt x="25879" y="4718968"/>
+                  <a:pt x="-14825" y="4700947"/>
+                  <a:pt x="5527" y="4650483"/>
+                </a:cubicBezTo>
+                <a:cubicBezTo>
+                  <a:pt x="22972" y="4607230"/>
+                  <a:pt x="54954" y="4621648"/>
+                  <a:pt x="84029" y="4632460"/>
+                </a:cubicBezTo>
+                <a:cubicBezTo>
+                  <a:pt x="153807" y="4661296"/>
+                  <a:pt x="229401" y="4661296"/>
+                  <a:pt x="325347" y="4661296"/>
+                </a:cubicBezTo>
+                <a:cubicBezTo>
+                  <a:pt x="243939" y="4524326"/>
+                  <a:pt x="95658" y="4567580"/>
+                  <a:pt x="25879" y="4423401"/>
+                </a:cubicBezTo>
+                <a:cubicBezTo>
+                  <a:pt x="113103" y="4398170"/>
+                  <a:pt x="179975" y="4448632"/>
+                  <a:pt x="249753" y="4459446"/>
+                </a:cubicBezTo>
+                <a:cubicBezTo>
+                  <a:pt x="313718" y="4470259"/>
+                  <a:pt x="328254" y="4445028"/>
+                  <a:pt x="313718" y="4365729"/>
+                </a:cubicBezTo>
+                <a:cubicBezTo>
+                  <a:pt x="290458" y="4243177"/>
+                  <a:pt x="325347" y="4181900"/>
+                  <a:pt x="418386" y="4214341"/>
+                </a:cubicBezTo>
+                <a:cubicBezTo>
+                  <a:pt x="505609" y="4246781"/>
+                  <a:pt x="514332" y="4199922"/>
+                  <a:pt x="491072" y="4131438"/>
+                </a:cubicBezTo>
+                <a:cubicBezTo>
+                  <a:pt x="456183" y="4030512"/>
+                  <a:pt x="493979" y="3951214"/>
+                  <a:pt x="520147" y="3864706"/>
+                </a:cubicBezTo>
+                <a:cubicBezTo>
+                  <a:pt x="560851" y="3734945"/>
+                  <a:pt x="543407" y="3670064"/>
+                  <a:pt x="459090" y="3572743"/>
+                </a:cubicBezTo>
+                <a:cubicBezTo>
+                  <a:pt x="409664" y="3518676"/>
+                  <a:pt x="360236" y="3471818"/>
+                  <a:pt x="290458" y="3424959"/>
+                </a:cubicBezTo>
+                <a:cubicBezTo>
+                  <a:pt x="450368" y="3399728"/>
+                  <a:pt x="284643" y="3313221"/>
+                  <a:pt x="339884" y="3259153"/>
+                </a:cubicBezTo>
+                <a:cubicBezTo>
+                  <a:pt x="453275" y="3237527"/>
+                  <a:pt x="543407" y="3410542"/>
+                  <a:pt x="697501" y="3360078"/>
+                </a:cubicBezTo>
+                <a:cubicBezTo>
+                  <a:pt x="511425" y="3212294"/>
+                  <a:pt x="302087" y="3165436"/>
+                  <a:pt x="165437" y="2967190"/>
+                </a:cubicBezTo>
+                <a:cubicBezTo>
+                  <a:pt x="197419" y="2923937"/>
+                  <a:pt x="229401" y="2967190"/>
+                  <a:pt x="255568" y="2949167"/>
+                </a:cubicBezTo>
+                <a:cubicBezTo>
+                  <a:pt x="255568" y="2938354"/>
+                  <a:pt x="560851" y="3006840"/>
+                  <a:pt x="578296" y="2725691"/>
+                </a:cubicBezTo>
+                <a:cubicBezTo>
+                  <a:pt x="584111" y="2725691"/>
+                  <a:pt x="589926" y="2725691"/>
+                  <a:pt x="595740" y="2714876"/>
+                </a:cubicBezTo>
+                <a:cubicBezTo>
+                  <a:pt x="627722" y="2675228"/>
+                  <a:pt x="598648" y="2581510"/>
+                  <a:pt x="650982" y="2574301"/>
+                </a:cubicBezTo>
+                <a:cubicBezTo>
+                  <a:pt x="709132" y="2567092"/>
+                  <a:pt x="764373" y="2534653"/>
+                  <a:pt x="825429" y="2552674"/>
+                </a:cubicBezTo>
+                <a:cubicBezTo>
+                  <a:pt x="871949" y="2567092"/>
+                  <a:pt x="921375" y="2585115"/>
+                  <a:pt x="970802" y="2585115"/>
+                </a:cubicBezTo>
+                <a:cubicBezTo>
+                  <a:pt x="1023136" y="2585115"/>
+                  <a:pt x="1095822" y="2707668"/>
+                  <a:pt x="1127805" y="2545465"/>
+                </a:cubicBezTo>
+                <a:cubicBezTo>
+                  <a:pt x="1127805" y="2538257"/>
+                  <a:pt x="1217936" y="2556280"/>
+                  <a:pt x="1267362" y="2563488"/>
+                </a:cubicBezTo>
+                <a:cubicBezTo>
+                  <a:pt x="1308067" y="2570698"/>
+                  <a:pt x="1357494" y="2603137"/>
+                  <a:pt x="1386568" y="2538257"/>
+                </a:cubicBezTo>
+                <a:cubicBezTo>
+                  <a:pt x="1401105" y="2498607"/>
+                  <a:pt x="1331326" y="2426518"/>
+                  <a:pt x="1270270" y="2419309"/>
+                </a:cubicBezTo>
+                <a:cubicBezTo>
+                  <a:pt x="1215029" y="2412101"/>
+                  <a:pt x="1159787" y="2404892"/>
+                  <a:pt x="1107453" y="2419309"/>
+                </a:cubicBezTo>
+                <a:cubicBezTo>
+                  <a:pt x="1043489" y="2437331"/>
+                  <a:pt x="1008599" y="2408495"/>
+                  <a:pt x="991154" y="2343615"/>
+                </a:cubicBezTo>
+                <a:cubicBezTo>
+                  <a:pt x="970802" y="2275131"/>
+                  <a:pt x="933005" y="2239085"/>
+                  <a:pt x="880671" y="2206645"/>
+                </a:cubicBezTo>
+                <a:cubicBezTo>
+                  <a:pt x="752743" y="2127346"/>
+                  <a:pt x="630630" y="2033629"/>
+                  <a:pt x="491072" y="1986771"/>
+                </a:cubicBezTo>
+                <a:cubicBezTo>
+                  <a:pt x="464905" y="1979562"/>
+                  <a:pt x="432923" y="1965145"/>
+                  <a:pt x="421293" y="1903868"/>
+                </a:cubicBezTo>
+                <a:cubicBezTo>
+                  <a:pt x="799262" y="1997584"/>
+                  <a:pt x="1142342" y="2239085"/>
+                  <a:pt x="1531941" y="2224667"/>
+                </a:cubicBezTo>
+                <a:cubicBezTo>
+                  <a:pt x="1427272" y="2148974"/>
+                  <a:pt x="1302252" y="2145369"/>
+                  <a:pt x="1188861" y="2091301"/>
+                </a:cubicBezTo>
+                <a:cubicBezTo>
+                  <a:pt x="1270270" y="2051652"/>
+                  <a:pt x="1345864" y="2094906"/>
+                  <a:pt x="1421458" y="2116532"/>
+                </a:cubicBezTo>
+                <a:cubicBezTo>
+                  <a:pt x="1485422" y="2134554"/>
+                  <a:pt x="1543571" y="2138160"/>
+                  <a:pt x="1549386" y="2026420"/>
+                </a:cubicBezTo>
+                <a:cubicBezTo>
+                  <a:pt x="1549386" y="2015607"/>
+                  <a:pt x="1549386" y="2008398"/>
+                  <a:pt x="1549386" y="1997584"/>
+                </a:cubicBezTo>
+                <a:cubicBezTo>
+                  <a:pt x="1526126" y="1950727"/>
+                  <a:pt x="1494144" y="1929099"/>
+                  <a:pt x="1453440" y="1914682"/>
+                </a:cubicBezTo>
+                <a:cubicBezTo>
+                  <a:pt x="1430180" y="1907473"/>
+                  <a:pt x="1398198" y="1893056"/>
+                  <a:pt x="1398198" y="1860614"/>
+                </a:cubicBezTo>
+                <a:cubicBezTo>
+                  <a:pt x="1401105" y="1738063"/>
+                  <a:pt x="1322604" y="1702018"/>
+                  <a:pt x="1247011" y="1665972"/>
+                </a:cubicBezTo>
+                <a:cubicBezTo>
+                  <a:pt x="1287715" y="1604696"/>
+                  <a:pt x="1322604" y="1647950"/>
+                  <a:pt x="1354586" y="1644345"/>
+                </a:cubicBezTo>
+                <a:cubicBezTo>
+                  <a:pt x="1374939" y="1640741"/>
+                  <a:pt x="1395290" y="1637138"/>
+                  <a:pt x="1395290" y="1604696"/>
+                </a:cubicBezTo>
+                <a:cubicBezTo>
+                  <a:pt x="1395290" y="1579465"/>
+                  <a:pt x="1386568" y="1547025"/>
+                  <a:pt x="1366216" y="1547025"/>
+                </a:cubicBezTo>
+                <a:cubicBezTo>
+                  <a:pt x="1238288" y="1543420"/>
+                  <a:pt x="1165601" y="1370405"/>
+                  <a:pt x="1031858" y="1370405"/>
+                </a:cubicBezTo>
+                <a:cubicBezTo>
+                  <a:pt x="950450" y="1370405"/>
+                  <a:pt x="1072563" y="1273083"/>
+                  <a:pt x="1005692" y="1233435"/>
+                </a:cubicBezTo>
+                <a:cubicBezTo>
+                  <a:pt x="991154" y="1222621"/>
+                  <a:pt x="1046396" y="1208203"/>
+                  <a:pt x="1069655" y="1211808"/>
+                </a:cubicBezTo>
+                <a:cubicBezTo>
+                  <a:pt x="1092915" y="1215412"/>
+                  <a:pt x="1113268" y="1240644"/>
+                  <a:pt x="1142342" y="1222621"/>
+                </a:cubicBezTo>
+                <a:cubicBezTo>
+                  <a:pt x="1156879" y="1157741"/>
+                  <a:pt x="1119082" y="1132510"/>
+                  <a:pt x="1084193" y="1114487"/>
+                </a:cubicBezTo>
+                <a:cubicBezTo>
+                  <a:pt x="1008599" y="1071234"/>
+                  <a:pt x="933005" y="1020771"/>
+                  <a:pt x="848689" y="1006353"/>
+                </a:cubicBezTo>
+                <a:cubicBezTo>
+                  <a:pt x="819615" y="1002748"/>
+                  <a:pt x="802169" y="984726"/>
+                  <a:pt x="805077" y="948681"/>
+                </a:cubicBezTo>
+                <a:cubicBezTo>
+                  <a:pt x="810892" y="901822"/>
+                  <a:pt x="839967" y="916240"/>
+                  <a:pt x="863226" y="919844"/>
+                </a:cubicBezTo>
+                <a:cubicBezTo>
+                  <a:pt x="877764" y="923450"/>
+                  <a:pt x="892301" y="934263"/>
+                  <a:pt x="906838" y="909031"/>
+                </a:cubicBezTo>
+                <a:cubicBezTo>
+                  <a:pt x="566666" y="653113"/>
+                  <a:pt x="386404" y="667532"/>
+                  <a:pt x="5527" y="458471"/>
+                </a:cubicBezTo>
+                <a:cubicBezTo>
+                  <a:pt x="89843" y="418822"/>
+                  <a:pt x="150900" y="447658"/>
+                  <a:pt x="209049" y="454867"/>
+                </a:cubicBezTo>
+                <a:cubicBezTo>
+                  <a:pt x="354422" y="472890"/>
+                  <a:pt x="264290" y="505329"/>
+                  <a:pt x="409664" y="526956"/>
+                </a:cubicBezTo>
+                <a:cubicBezTo>
+                  <a:pt x="479443" y="537770"/>
+                  <a:pt x="543407" y="573815"/>
+                  <a:pt x="621908" y="516143"/>
+                </a:cubicBezTo>
+                <a:cubicBezTo>
+                  <a:pt x="674242" y="476494"/>
+                  <a:pt x="758558" y="519747"/>
+                  <a:pt x="822522" y="552188"/>
+                </a:cubicBezTo>
+                <a:cubicBezTo>
+                  <a:pt x="874856" y="581024"/>
+                  <a:pt x="927190" y="588232"/>
+                  <a:pt x="996969" y="552188"/>
+                </a:cubicBezTo>
+                <a:cubicBezTo>
+                  <a:pt x="933005" y="530562"/>
+                  <a:pt x="883579" y="512539"/>
+                  <a:pt x="834151" y="498120"/>
+                </a:cubicBezTo>
+                <a:cubicBezTo>
+                  <a:pt x="793447" y="487307"/>
+                  <a:pt x="770187" y="462076"/>
+                  <a:pt x="773095" y="408008"/>
+                </a:cubicBezTo>
+                <a:cubicBezTo>
+                  <a:pt x="773095" y="379172"/>
+                  <a:pt x="764373" y="339523"/>
+                  <a:pt x="793447" y="325106"/>
+                </a:cubicBezTo>
+                <a:cubicBezTo>
+                  <a:pt x="816707" y="310688"/>
+                  <a:pt x="848689" y="325106"/>
+                  <a:pt x="860319" y="350336"/>
+                </a:cubicBezTo>
+                <a:cubicBezTo>
+                  <a:pt x="874856" y="397195"/>
+                  <a:pt x="889393" y="440449"/>
+                  <a:pt x="938820" y="444054"/>
+                </a:cubicBezTo>
+                <a:cubicBezTo>
+                  <a:pt x="1005692" y="451262"/>
+                  <a:pt x="967894" y="422426"/>
+                  <a:pt x="956265" y="386381"/>
+                </a:cubicBezTo>
+                <a:cubicBezTo>
+                  <a:pt x="944635" y="346733"/>
+                  <a:pt x="979525" y="335919"/>
+                  <a:pt x="1002784" y="343127"/>
+                </a:cubicBezTo>
+                <a:cubicBezTo>
+                  <a:pt x="1090008" y="375569"/>
+                  <a:pt x="1180139" y="317897"/>
+                  <a:pt x="1270270" y="364755"/>
+                </a:cubicBezTo>
+                <a:cubicBezTo>
+                  <a:pt x="1247011" y="249411"/>
+                  <a:pt x="1197583" y="198949"/>
+                  <a:pt x="1092915" y="180926"/>
+                </a:cubicBezTo>
+                <a:cubicBezTo>
+                  <a:pt x="1055118" y="177322"/>
+                  <a:pt x="1014414" y="184530"/>
+                  <a:pt x="979525" y="152090"/>
+                </a:cubicBezTo>
+                <a:cubicBezTo>
+                  <a:pt x="959172" y="134068"/>
+                  <a:pt x="938820" y="112441"/>
+                  <a:pt x="953358" y="76396"/>
+                </a:cubicBezTo>
+                <a:cubicBezTo>
+                  <a:pt x="962080" y="51165"/>
+                  <a:pt x="985339" y="51165"/>
+                  <a:pt x="1005692" y="58373"/>
+                </a:cubicBezTo>
+                <a:cubicBezTo>
+                  <a:pt x="1090008" y="98023"/>
+                  <a:pt x="1180139" y="108837"/>
+                  <a:pt x="1267362" y="123254"/>
+                </a:cubicBezTo>
+                <a:cubicBezTo>
+                  <a:pt x="1281900" y="126859"/>
+                  <a:pt x="1296437" y="134068"/>
+                  <a:pt x="1310975" y="98023"/>
+                </a:cubicBezTo>
+                <a:cubicBezTo>
+                  <a:pt x="1260095" y="81803"/>
+                  <a:pt x="1209941" y="62879"/>
+                  <a:pt x="1159787" y="43505"/>
+                </a:cubicBezTo>
+                <a:close/>
+              </a:path>
+            </a:pathLst>
+          </a:custGeom>
+          <a:noFill/>
+          <a:extLst>
+            <a:ext uri="{909E8E84-426E-40DD-AFC4-6F175D3DCCD1}">
+              <a14:hiddenFill xmlns:a14="http://schemas.microsoft.com/office/drawing/2010/main">
+                <a:solidFill>
+                  <a:srgbClr val="FFFFFF"/>
+                </a:solidFill>
+              </a14:hiddenFill>
+            </a:ext>
+          </a:extLst>
+        </p:spPr>
+      </p:pic>
+    </p:spTree>
+    <p:extLst>
+      <p:ext uri="{BB962C8B-B14F-4D97-AF65-F5344CB8AC3E}">
+        <p14:creationId xmlns:p14="http://schemas.microsoft.com/office/powerpoint/2010/main" val="1627428205"/>
+      </p:ext>
+    </p:extLst>
+  </p:cSld>
+  <p:clrMapOvr>
+    <a:masterClrMapping/>
+  </p:clrMapOvr>
+</p:sld>
+</file>
+
+<file path=ppt/slides/slide5.xml><?xml version="1.0" encoding="utf-8"?>
+<p:sld xmlns:a="http://schemas.openxmlformats.org/drawingml/2006/main" xmlns:r="http://schemas.openxmlformats.org/officeDocument/2006/relationships" xmlns:p="http://schemas.openxmlformats.org/presentationml/2006/main">
+  <p:cSld>
+    <p:spTree>
+      <p:nvGrpSpPr>
+        <p:cNvPr id="1" name=""/>
+        <p:cNvGrpSpPr/>
+        <p:nvPr/>
+      </p:nvGrpSpPr>
+      <p:grpSpPr>
+        <a:xfrm>
+          <a:off x="0" y="0"/>
+          <a:ext cx="0" cy="0"/>
+          <a:chOff x="0" y="0"/>
+          <a:chExt cx="0" cy="0"/>
+        </a:xfrm>
+      </p:grpSpPr>
+      <p:sp>
+        <p:nvSpPr>
+          <p:cNvPr id="2" name="Título 1">
+            <a:extLst>
+              <a:ext uri="{FF2B5EF4-FFF2-40B4-BE49-F238E27FC236}">
+                <a16:creationId xmlns:a16="http://schemas.microsoft.com/office/drawing/2014/main" id="{F6FA7736-82F8-59EE-4632-99E66F74C292}"/>
+              </a:ext>
+            </a:extLst>
+          </p:cNvPr>
+          <p:cNvSpPr>
+            <a:spLocks noGrp="1"/>
+          </p:cNvSpPr>
+          <p:nvPr>
+            <p:ph type="title"/>
+          </p:nvPr>
+        </p:nvSpPr>
+        <p:spPr/>
+        <p:txBody>
+          <a:bodyPr/>
+          <a:lstStyle/>
+          <a:p>
+            <a:r>
+              <a:rPr lang="es-MX" dirty="0" err="1"/>
+              <a:t>Costs</a:t>
+            </a:r>
+            <a:endParaRPr lang="es-MX" dirty="0"/>
+          </a:p>
+        </p:txBody>
+      </p:sp>
+      <p:sp>
+        <p:nvSpPr>
+          <p:cNvPr id="3" name="Marcador de contenido 2">
+            <a:extLst>
+              <a:ext uri="{FF2B5EF4-FFF2-40B4-BE49-F238E27FC236}">
+                <a16:creationId xmlns:a16="http://schemas.microsoft.com/office/drawing/2014/main" id="{8995E653-C6D5-1943-B29F-A82305584F2E}"/>
+              </a:ext>
+            </a:extLst>
+          </p:cNvPr>
+          <p:cNvSpPr>
+            <a:spLocks noGrp="1"/>
+          </p:cNvSpPr>
+          <p:nvPr>
+            <p:ph idx="1"/>
+          </p:nvPr>
+        </p:nvSpPr>
+        <p:spPr/>
+        <p:txBody>
+          <a:bodyPr/>
+          <a:lstStyle/>
+          <a:p>
+            <a:endParaRPr lang="es-MX"/>
+          </a:p>
+        </p:txBody>
+      </p:sp>
+    </p:spTree>
+    <p:extLst>
+      <p:ext uri="{BB962C8B-B14F-4D97-AF65-F5344CB8AC3E}">
+        <p14:creationId xmlns:p14="http://schemas.microsoft.com/office/powerpoint/2010/main" val="1990215139"/>
+      </p:ext>
+    </p:extLst>
+  </p:cSld>
+  <p:clrMapOvr>
+    <a:masterClrMapping/>
+  </p:clrMapOvr>
+</p:sld>
+</file>
+
+<file path=ppt/slides/slide6.xml><?xml version="1.0" encoding="utf-8"?>
+<p:sld xmlns:a="http://schemas.openxmlformats.org/drawingml/2006/main" xmlns:r="http://schemas.openxmlformats.org/officeDocument/2006/relationships" xmlns:p="http://schemas.openxmlformats.org/presentationml/2006/main">
+  <p:cSld>
+    <p:spTree>
+      <p:nvGrpSpPr>
+        <p:cNvPr id="1" name=""/>
+        <p:cNvGrpSpPr/>
+        <p:nvPr/>
+      </p:nvGrpSpPr>
+      <p:grpSpPr>
+        <a:xfrm>
+          <a:off x="0" y="0"/>
+          <a:ext cx="0" cy="0"/>
+          <a:chOff x="0" y="0"/>
+          <a:chExt cx="0" cy="0"/>
+        </a:xfrm>
+      </p:grpSpPr>
+      <p:sp>
+        <p:nvSpPr>
+          <p:cNvPr id="2" name="Título 1">
+            <a:extLst>
+              <a:ext uri="{FF2B5EF4-FFF2-40B4-BE49-F238E27FC236}">
+                <a16:creationId xmlns:a16="http://schemas.microsoft.com/office/drawing/2014/main" id="{0C0BE65E-E323-E6B0-7C90-99946676C061}"/>
+              </a:ext>
+            </a:extLst>
+          </p:cNvPr>
+          <p:cNvSpPr>
+            <a:spLocks noGrp="1"/>
+          </p:cNvSpPr>
+          <p:nvPr>
+            <p:ph type="title"/>
+          </p:nvPr>
+        </p:nvSpPr>
+        <p:spPr/>
+        <p:txBody>
+          <a:bodyPr/>
+          <a:lstStyle/>
+          <a:p>
+            <a:r>
+              <a:rPr lang="es-MX" dirty="0" err="1"/>
+              <a:t>Sustainability</a:t>
+            </a:r>
+            <a:endParaRPr lang="es-MX" dirty="0"/>
+          </a:p>
+        </p:txBody>
+      </p:sp>
+      <p:sp>
+        <p:nvSpPr>
+          <p:cNvPr id="3" name="Marcador de contenido 2">
+            <a:extLst>
+              <a:ext uri="{FF2B5EF4-FFF2-40B4-BE49-F238E27FC236}">
+                <a16:creationId xmlns:a16="http://schemas.microsoft.com/office/drawing/2014/main" id="{90ED29BF-EBD5-BAD6-7638-4157AF0D8E2E}"/>
+              </a:ext>
+            </a:extLst>
+          </p:cNvPr>
+          <p:cNvSpPr>
+            <a:spLocks noGrp="1"/>
+          </p:cNvSpPr>
+          <p:nvPr>
+            <p:ph idx="1"/>
+          </p:nvPr>
+        </p:nvSpPr>
+        <p:spPr/>
+        <p:txBody>
+          <a:bodyPr/>
+          <a:lstStyle/>
+          <a:p>
+            <a:endParaRPr lang="es-MX" dirty="0"/>
+          </a:p>
+        </p:txBody>
+      </p:sp>
+    </p:spTree>
+    <p:extLst>
+      <p:ext uri="{BB962C8B-B14F-4D97-AF65-F5344CB8AC3E}">
+        <p14:creationId xmlns:p14="http://schemas.microsoft.com/office/powerpoint/2010/main" val="4292986642"/>
+      </p:ext>
+    </p:extLst>
+  </p:cSld>
+  <p:clrMapOvr>
+    <a:masterClrMapping/>
+  </p:clrMapOvr>
+</p:sld>
+</file>
+
+<file path=ppt/slides/slide7.xml><?xml version="1.0" encoding="utf-8"?>
+<p:sld xmlns:a="http://schemas.openxmlformats.org/drawingml/2006/main" xmlns:r="http://schemas.openxmlformats.org/officeDocument/2006/relationships" xmlns:p="http://schemas.openxmlformats.org/presentationml/2006/main">
+  <p:cSld>
+    <p:bg>
+      <p:bgPr>
+        <a:solidFill>
+          <a:schemeClr val="bg1"/>
+        </a:solidFill>
+        <a:effectLst/>
+      </p:bgPr>
+    </p:bg>
+    <p:spTree>
+      <p:nvGrpSpPr>
+        <p:cNvPr id="1" name=""/>
+        <p:cNvGrpSpPr/>
+        <p:nvPr/>
+      </p:nvGrpSpPr>
+      <p:grpSpPr>
+        <a:xfrm>
+          <a:off x="0" y="0"/>
+          <a:ext cx="0" cy="0"/>
+          <a:chOff x="0" y="0"/>
+          <a:chExt cx="0" cy="0"/>
+        </a:xfrm>
+      </p:grpSpPr>
+      <p:sp useBgFill="1">
+        <p:nvSpPr>
+          <p:cNvPr id="2101" name="Rectangle 2086">
+            <a:extLst>
+              <a:ext uri="{FF2B5EF4-FFF2-40B4-BE49-F238E27FC236}">
+                <a16:creationId xmlns:a16="http://schemas.microsoft.com/office/drawing/2014/main" id="{2E17E911-875F-4DE5-8699-99D9F1805A5D}"/>
+              </a:ext>
+              <a:ext uri="{C183D7F6-B498-43B3-948B-1728B52AA6E4}">
+                <adec:decorative xmlns:adec="http://schemas.microsoft.com/office/drawing/2017/decorative" val="1"/>
+              </a:ext>
+            </a:extLst>
+          </p:cNvPr>
+          <p:cNvSpPr>
+            <a:spLocks noGrp="1" noRot="1" noChangeAspect="1" noMove="1" noResize="1" noEditPoints="1" noAdjustHandles="1" noChangeArrowheads="1" noChangeShapeType="1" noTextEdit="1"/>
+          </p:cNvSpPr>
+          <p:nvPr>
+            <p:extLst>
+              <p:ext uri="{386F3935-93C4-4BCD-93E2-E3B085C9AB24}">
+                <p16:designElem xmlns:p16="http://schemas.microsoft.com/office/powerpoint/2015/main" val="1"/>
+              </p:ext>
+            </p:extLst>
+          </p:nvPr>
+        </p:nvSpPr>
+        <p:spPr>
+          <a:xfrm>
+            <a:off x="0" y="2"/>
+            <a:ext cx="12192000" cy="6857997"/>
+          </a:xfrm>
+          <a:prstGeom prst="rect">
+            <a:avLst/>
+          </a:prstGeom>
+          <a:ln>
+            <a:noFill/>
+          </a:ln>
+        </p:spPr>
+        <p:style>
+          <a:lnRef idx="2">
+            <a:schemeClr val="accent1">
+              <a:shade val="50000"/>
+            </a:schemeClr>
+          </a:lnRef>
+          <a:fillRef idx="1">
+            <a:schemeClr val="accent1"/>
+          </a:fillRef>
+          <a:effectRef idx="0">
+            <a:schemeClr val="accent1"/>
+          </a:effectRef>
+          <a:fontRef idx="minor">
+            <a:schemeClr val="lt1"/>
+          </a:fontRef>
+        </p:style>
+        <p:txBody>
+          <a:bodyPr rtlCol="0" anchor="ctr"/>
+          <a:lstStyle/>
+          <a:p>
+            <a:pPr algn="ctr"/>
+            <a:endParaRPr lang="en-US"/>
+          </a:p>
+        </p:txBody>
+      </p:sp>
+      <p:sp>
+        <p:nvSpPr>
+          <p:cNvPr id="2102" name="Rectangle 2088">
+            <a:extLst>
+              <a:ext uri="{FF2B5EF4-FFF2-40B4-BE49-F238E27FC236}">
+                <a16:creationId xmlns:a16="http://schemas.microsoft.com/office/drawing/2014/main" id="{CD9FE4EF-C4D8-49A0-B2FF-81D8DB7D8A24}"/>
+              </a:ext>
+              <a:ext uri="{C183D7F6-B498-43B3-948B-1728B52AA6E4}">
+                <adec:decorative xmlns:adec="http://schemas.microsoft.com/office/drawing/2017/decorative" val="1"/>
+              </a:ext>
+            </a:extLst>
+          </p:cNvPr>
+          <p:cNvSpPr>
+            <a:spLocks noGrp="1" noRot="1" noChangeAspect="1" noMove="1" noResize="1" noEditPoints="1" noAdjustHandles="1" noChangeArrowheads="1" noChangeShapeType="1" noTextEdit="1"/>
+          </p:cNvSpPr>
+          <p:nvPr>
+            <p:extLst>
+              <p:ext uri="{386F3935-93C4-4BCD-93E2-E3B085C9AB24}">
+                <p16:designElem xmlns:p16="http://schemas.microsoft.com/office/powerpoint/2015/main" val="1"/>
+              </p:ext>
+            </p:extLst>
+          </p:nvPr>
+        </p:nvSpPr>
+        <p:spPr>
+          <a:xfrm rot="5400000" flipH="1">
+            <a:off x="-1410084" y="1410082"/>
+            <a:ext cx="6858000" cy="4037836"/>
+          </a:xfrm>
+          <a:prstGeom prst="rect">
+            <a:avLst/>
+          </a:prstGeom>
+          <a:gradFill>
+            <a:gsLst>
+              <a:gs pos="8000">
+                <a:srgbClr val="000000"/>
+              </a:gs>
+              <a:gs pos="100000">
+                <a:schemeClr val="accent1">
+                  <a:lumMod val="75000"/>
+                </a:schemeClr>
+              </a:gs>
+            </a:gsLst>
+            <a:lin ang="3000000" scaled="0"/>
+          </a:gradFill>
+          <a:ln>
+            <a:noFill/>
+          </a:ln>
+        </p:spPr>
+        <p:style>
+          <a:lnRef idx="2">
+            <a:schemeClr val="accent1">
+              <a:shade val="50000"/>
+            </a:schemeClr>
+          </a:lnRef>
+          <a:fillRef idx="1">
+            <a:schemeClr val="accent1"/>
+          </a:fillRef>
+          <a:effectRef idx="0">
+            <a:schemeClr val="accent1"/>
+          </a:effectRef>
+          <a:fontRef idx="minor">
+            <a:schemeClr val="lt1"/>
+          </a:fontRef>
+        </p:style>
+        <p:txBody>
+          <a:bodyPr rtlCol="0" anchor="ctr"/>
+          <a:lstStyle/>
+          <a:p>
+            <a:pPr algn="ctr"/>
+            <a:endParaRPr lang="en-US"/>
+          </a:p>
+        </p:txBody>
+      </p:sp>
+      <p:sp>
+        <p:nvSpPr>
+          <p:cNvPr id="2103" name="Rectangle 2090">
+            <a:extLst>
+              <a:ext uri="{FF2B5EF4-FFF2-40B4-BE49-F238E27FC236}">
+                <a16:creationId xmlns:a16="http://schemas.microsoft.com/office/drawing/2014/main" id="{4300840D-0A0B-4512-BACA-B439D5B9C57C}"/>
+              </a:ext>
+              <a:ext uri="{C183D7F6-B498-43B3-948B-1728B52AA6E4}">
+                <adec:decorative xmlns:adec="http://schemas.microsoft.com/office/drawing/2017/decorative" val="1"/>
+              </a:ext>
+            </a:extLst>
+          </p:cNvPr>
+          <p:cNvSpPr>
+            <a:spLocks noGrp="1" noRot="1" noChangeAspect="1" noMove="1" noResize="1" noEditPoints="1" noAdjustHandles="1" noChangeArrowheads="1" noChangeShapeType="1" noTextEdit="1"/>
+          </p:cNvSpPr>
+          <p:nvPr>
+            <p:extLst>
+              <p:ext uri="{386F3935-93C4-4BCD-93E2-E3B085C9AB24}">
+                <p16:designElem xmlns:p16="http://schemas.microsoft.com/office/powerpoint/2015/main" val="1"/>
+              </p:ext>
+            </p:extLst>
+          </p:nvPr>
+        </p:nvSpPr>
+        <p:spPr>
+          <a:xfrm rot="5400000" flipH="1">
+            <a:off x="-1410085" y="1420219"/>
+            <a:ext cx="6857999" cy="4037839"/>
+          </a:xfrm>
+          <a:prstGeom prst="rect">
+            <a:avLst/>
+          </a:prstGeom>
+          <a:gradFill>
+            <a:gsLst>
+              <a:gs pos="0">
+                <a:srgbClr val="000000">
+                  <a:alpha val="0"/>
+                </a:srgbClr>
+              </a:gs>
+              <a:gs pos="99000">
+                <a:schemeClr val="accent1">
+                  <a:alpha val="46000"/>
+                </a:schemeClr>
+              </a:gs>
+            </a:gsLst>
+            <a:lin ang="1800000" scaled="0"/>
+          </a:gradFill>
+          <a:ln>
+            <a:noFill/>
+          </a:ln>
+        </p:spPr>
+        <p:style>
+          <a:lnRef idx="2">
+            <a:schemeClr val="accent1">
+              <a:shade val="50000"/>
+            </a:schemeClr>
+          </a:lnRef>
+          <a:fillRef idx="1">
+            <a:schemeClr val="accent1"/>
+          </a:fillRef>
+          <a:effectRef idx="0">
+            <a:schemeClr val="accent1"/>
+          </a:effectRef>
+          <a:fontRef idx="minor">
+            <a:schemeClr val="lt1"/>
+          </a:fontRef>
+        </p:style>
+        <p:txBody>
+          <a:bodyPr rtlCol="0" anchor="ctr"/>
+          <a:lstStyle/>
+          <a:p>
+            <a:pPr algn="ctr"/>
+            <a:endParaRPr lang="en-US"/>
+          </a:p>
+        </p:txBody>
+      </p:sp>
+      <p:sp>
+        <p:nvSpPr>
+          <p:cNvPr id="2104" name="Rectangle 2092">
+            <a:extLst>
+              <a:ext uri="{FF2B5EF4-FFF2-40B4-BE49-F238E27FC236}">
+                <a16:creationId xmlns:a16="http://schemas.microsoft.com/office/drawing/2014/main" id="{D2B78728-A580-49A7-84F9-6EF6F583ADE0}"/>
+              </a:ext>
+              <a:ext uri="{C183D7F6-B498-43B3-948B-1728B52AA6E4}">
+                <adec:decorative xmlns:adec="http://schemas.microsoft.com/office/drawing/2017/decorative" val="1"/>
+              </a:ext>
+            </a:extLst>
+          </p:cNvPr>
+          <p:cNvSpPr>
+            <a:spLocks noGrp="1" noRot="1" noChangeAspect="1" noMove="1" noResize="1" noEditPoints="1" noAdjustHandles="1" noChangeArrowheads="1" noChangeShapeType="1" noTextEdit="1"/>
+          </p:cNvSpPr>
+          <p:nvPr>
+            <p:extLst>
+              <p:ext uri="{386F3935-93C4-4BCD-93E2-E3B085C9AB24}">
+                <p16:designElem xmlns:p16="http://schemas.microsoft.com/office/powerpoint/2015/main" val="1"/>
+              </p:ext>
+            </p:extLst>
+          </p:nvPr>
+        </p:nvSpPr>
+        <p:spPr>
+          <a:xfrm rot="5400000" flipH="1">
+            <a:off x="767923" y="3588085"/>
+            <a:ext cx="2501979" cy="4037841"/>
+          </a:xfrm>
+          <a:prstGeom prst="rect">
+            <a:avLst/>
+          </a:prstGeom>
+          <a:gradFill>
+            <a:gsLst>
+              <a:gs pos="2000">
+                <a:schemeClr val="accent1">
+                  <a:alpha val="29000"/>
+                </a:schemeClr>
+              </a:gs>
+              <a:gs pos="100000">
+                <a:srgbClr val="000000">
+                  <a:alpha val="30000"/>
+                </a:srgbClr>
+              </a:gs>
+            </a:gsLst>
+            <a:lin ang="7800000" scaled="0"/>
+          </a:gradFill>
+          <a:ln>
+            <a:noFill/>
+          </a:ln>
+        </p:spPr>
+        <p:style>
+          <a:lnRef idx="2">
+            <a:schemeClr val="accent1">
+              <a:shade val="50000"/>
+            </a:schemeClr>
+          </a:lnRef>
+          <a:fillRef idx="1">
+            <a:schemeClr val="accent1"/>
+          </a:fillRef>
+          <a:effectRef idx="0">
+            <a:schemeClr val="accent1"/>
+          </a:effectRef>
+          <a:fontRef idx="minor">
+            <a:schemeClr val="lt1"/>
+          </a:fontRef>
+        </p:style>
+        <p:txBody>
+          <a:bodyPr rtlCol="0" anchor="ctr"/>
+          <a:lstStyle/>
+          <a:p>
+            <a:pPr algn="ctr"/>
+            <a:endParaRPr lang="en-US" dirty="0"/>
+          </a:p>
+        </p:txBody>
+      </p:sp>
+      <p:sp>
+        <p:nvSpPr>
+          <p:cNvPr id="2105" name="Freeform: Shape 2094">
+            <a:extLst>
+              <a:ext uri="{FF2B5EF4-FFF2-40B4-BE49-F238E27FC236}">
+                <a16:creationId xmlns:a16="http://schemas.microsoft.com/office/drawing/2014/main" id="{38FAA1A1-D861-433F-88FA-1E9D6FD31D11}"/>
+              </a:ext>
+              <a:ext uri="{C183D7F6-B498-43B3-948B-1728B52AA6E4}">
+                <adec:decorative xmlns:adec="http://schemas.microsoft.com/office/drawing/2017/decorative" val="1"/>
+              </a:ext>
+            </a:extLst>
+          </p:cNvPr>
+          <p:cNvSpPr>
+            <a:spLocks noGrp="1" noRot="1" noChangeAspect="1" noMove="1" noResize="1" noEditPoints="1" noAdjustHandles="1" noChangeArrowheads="1" noChangeShapeType="1" noTextEdit="1"/>
+          </p:cNvSpPr>
+          <p:nvPr>
+            <p:extLst>
+              <p:ext uri="{386F3935-93C4-4BCD-93E2-E3B085C9AB24}">
+                <p16:designElem xmlns:p16="http://schemas.microsoft.com/office/powerpoint/2015/main" val="1"/>
+              </p:ext>
+            </p:extLst>
+          </p:nvPr>
+        </p:nvSpPr>
+        <p:spPr>
+          <a:xfrm rot="20635413">
+            <a:off x="-501737" y="969718"/>
+            <a:ext cx="3900357" cy="4178958"/>
+          </a:xfrm>
+          <a:custGeom>
+            <a:avLst/>
+            <a:gdLst>
+              <a:gd name="connsiteX0" fmla="*/ 2432225 w 3900357"/>
+              <a:gd name="connsiteY0" fmla="*/ 93939 h 4178958"/>
+              <a:gd name="connsiteX1" fmla="*/ 3900357 w 3900357"/>
+              <a:gd name="connsiteY1" fmla="*/ 2089479 h 4178958"/>
+              <a:gd name="connsiteX2" fmla="*/ 1810878 w 3900357"/>
+              <a:gd name="connsiteY2" fmla="*/ 4178958 h 4178958"/>
+              <a:gd name="connsiteX3" fmla="*/ 78249 w 3900357"/>
+              <a:gd name="connsiteY3" fmla="*/ 3257727 h 4178958"/>
+              <a:gd name="connsiteX4" fmla="*/ 0 w 3900357"/>
+              <a:gd name="connsiteY4" fmla="*/ 3128923 h 4178958"/>
+              <a:gd name="connsiteX5" fmla="*/ 831324 w 3900357"/>
+              <a:gd name="connsiteY5" fmla="*/ 244281 h 4178958"/>
+              <a:gd name="connsiteX6" fmla="*/ 997559 w 3900357"/>
+              <a:gd name="connsiteY6" fmla="*/ 164202 h 4178958"/>
+              <a:gd name="connsiteX7" fmla="*/ 1810878 w 3900357"/>
+              <a:gd name="connsiteY7" fmla="*/ 0 h 4178958"/>
+              <a:gd name="connsiteX8" fmla="*/ 2432225 w 3900357"/>
+              <a:gd name="connsiteY8" fmla="*/ 93939 h 4178958"/>
+            </a:gdLst>
+            <a:ahLst/>
+            <a:cxnLst>
+              <a:cxn ang="0">
+                <a:pos x="connsiteX0" y="connsiteY0"/>
+              </a:cxn>
+              <a:cxn ang="0">
+                <a:pos x="connsiteX1" y="connsiteY1"/>
+              </a:cxn>
+              <a:cxn ang="0">
+                <a:pos x="connsiteX2" y="connsiteY2"/>
+              </a:cxn>
+              <a:cxn ang="0">
+                <a:pos x="connsiteX3" y="connsiteY3"/>
+              </a:cxn>
+              <a:cxn ang="0">
+                <a:pos x="connsiteX4" y="connsiteY4"/>
+              </a:cxn>
+              <a:cxn ang="0">
+                <a:pos x="connsiteX5" y="connsiteY5"/>
+              </a:cxn>
+              <a:cxn ang="0">
+                <a:pos x="connsiteX6" y="connsiteY6"/>
+              </a:cxn>
+              <a:cxn ang="0">
+                <a:pos x="connsiteX7" y="connsiteY7"/>
+              </a:cxn>
+              <a:cxn ang="0">
+                <a:pos x="connsiteX8" y="connsiteY8"/>
+              </a:cxn>
+            </a:cxnLst>
+            <a:rect l="l" t="t" r="r" b="b"/>
+            <a:pathLst>
+              <a:path w="3900357" h="4178958">
+                <a:moveTo>
+                  <a:pt x="2432225" y="93939"/>
+                </a:moveTo>
+                <a:cubicBezTo>
+                  <a:pt x="3282786" y="358491"/>
+                  <a:pt x="3900357" y="1151865"/>
+                  <a:pt x="3900357" y="2089479"/>
+                </a:cubicBezTo>
+                <a:cubicBezTo>
+                  <a:pt x="3900357" y="3243466"/>
+                  <a:pt x="2964865" y="4178958"/>
+                  <a:pt x="1810878" y="4178958"/>
+                </a:cubicBezTo>
+                <a:cubicBezTo>
+                  <a:pt x="1089636" y="4178958"/>
+                  <a:pt x="453744" y="3813531"/>
+                  <a:pt x="78249" y="3257727"/>
+                </a:cubicBezTo>
+                <a:lnTo>
+                  <a:pt x="0" y="3128923"/>
+                </a:lnTo>
+                <a:lnTo>
+                  <a:pt x="831324" y="244281"/>
+                </a:lnTo>
+                <a:lnTo>
+                  <a:pt x="997559" y="164202"/>
+                </a:lnTo>
+                <a:cubicBezTo>
+                  <a:pt x="1247540" y="58468"/>
+                  <a:pt x="1522381" y="0"/>
+                  <a:pt x="1810878" y="0"/>
+                </a:cubicBezTo>
+                <a:cubicBezTo>
+                  <a:pt x="2027251" y="0"/>
+                  <a:pt x="2235942" y="32888"/>
+                  <a:pt x="2432225" y="93939"/>
+                </a:cubicBezTo>
+                <a:close/>
+              </a:path>
+            </a:pathLst>
+          </a:custGeom>
+          <a:gradFill>
+            <a:gsLst>
+              <a:gs pos="29000">
+                <a:srgbClr val="000000">
+                  <a:alpha val="0"/>
+                </a:srgbClr>
+              </a:gs>
+              <a:gs pos="100000">
+                <a:schemeClr val="accent1">
+                  <a:alpha val="43000"/>
+                </a:schemeClr>
+              </a:gs>
+            </a:gsLst>
+            <a:lin ang="1800000" scaled="0"/>
+          </a:gradFill>
+          <a:ln>
+            <a:noFill/>
+          </a:ln>
+        </p:spPr>
+        <p:style>
+          <a:lnRef idx="2">
+            <a:schemeClr val="accent1">
+              <a:shade val="50000"/>
+            </a:schemeClr>
+          </a:lnRef>
+          <a:fillRef idx="1">
+            <a:schemeClr val="accent1"/>
+          </a:fillRef>
+          <a:effectRef idx="0">
+            <a:schemeClr val="accent1"/>
+          </a:effectRef>
+          <a:fontRef idx="minor">
+            <a:schemeClr val="lt1"/>
+          </a:fontRef>
+        </p:style>
+        <p:txBody>
+          <a:bodyPr wrap="square" rtlCol="0" anchor="ctr">
+            <a:noAutofit/>
+          </a:bodyPr>
+          <a:lstStyle/>
+          <a:p>
+            <a:pPr algn="ctr"/>
+            <a:endParaRPr lang="en-US" dirty="0"/>
+          </a:p>
+        </p:txBody>
+      </p:sp>
+      <p:sp>
+        <p:nvSpPr>
+          <p:cNvPr id="2106" name="Rectangle 2096">
+            <a:extLst>
+              <a:ext uri="{FF2B5EF4-FFF2-40B4-BE49-F238E27FC236}">
+                <a16:creationId xmlns:a16="http://schemas.microsoft.com/office/drawing/2014/main" id="{8D71EDA1-87BF-4D5D-AB79-F346FD19278A}"/>
+              </a:ext>
+              <a:ext uri="{C183D7F6-B498-43B3-948B-1728B52AA6E4}">
+                <adec:decorative xmlns:adec="http://schemas.microsoft.com/office/drawing/2017/decorative" val="1"/>
+              </a:ext>
+            </a:extLst>
+          </p:cNvPr>
+          <p:cNvSpPr>
+            <a:spLocks noGrp="1" noRot="1" noChangeAspect="1" noMove="1" noResize="1" noEditPoints="1" noAdjustHandles="1" noChangeArrowheads="1" noChangeShapeType="1" noTextEdit="1"/>
+          </p:cNvSpPr>
+          <p:nvPr>
+            <p:extLst>
+              <p:ext uri="{386F3935-93C4-4BCD-93E2-E3B085C9AB24}">
+                <p16:designElem xmlns:p16="http://schemas.microsoft.com/office/powerpoint/2015/main" val="1"/>
+              </p:ext>
+            </p:extLst>
+          </p:nvPr>
+        </p:nvSpPr>
+        <p:spPr>
+          <a:xfrm rot="5400000" flipH="1">
+            <a:off x="-1410095" y="1410079"/>
+            <a:ext cx="6858003" cy="4037835"/>
+          </a:xfrm>
+          <a:prstGeom prst="rect">
+            <a:avLst/>
+          </a:prstGeom>
+          <a:gradFill>
+            <a:gsLst>
+              <a:gs pos="0">
+                <a:srgbClr val="000000">
+                  <a:alpha val="0"/>
+                </a:srgbClr>
+              </a:gs>
+              <a:gs pos="99000">
+                <a:schemeClr val="accent1">
+                  <a:lumMod val="60000"/>
+                  <a:lumOff val="40000"/>
+                  <a:alpha val="11000"/>
+                </a:schemeClr>
+              </a:gs>
+            </a:gsLst>
+            <a:lin ang="7200000" scaled="0"/>
+          </a:gradFill>
+          <a:ln>
+            <a:noFill/>
+          </a:ln>
+        </p:spPr>
+        <p:style>
+          <a:lnRef idx="2">
+            <a:schemeClr val="accent1">
+              <a:shade val="50000"/>
+            </a:schemeClr>
+          </a:lnRef>
+          <a:fillRef idx="1">
+            <a:schemeClr val="accent1"/>
+          </a:fillRef>
+          <a:effectRef idx="0">
+            <a:schemeClr val="accent1"/>
+          </a:effectRef>
+          <a:fontRef idx="minor">
+            <a:schemeClr val="lt1"/>
+          </a:fontRef>
+        </p:style>
+        <p:txBody>
+          <a:bodyPr rtlCol="0" anchor="ctr"/>
+          <a:lstStyle/>
+          <a:p>
+            <a:pPr algn="ctr"/>
+            <a:endParaRPr lang="en-US"/>
+          </a:p>
+        </p:txBody>
+      </p:sp>
+      <p:sp>
+        <p:nvSpPr>
+          <p:cNvPr id="2" name="Título 1">
+            <a:extLst>
+              <a:ext uri="{FF2B5EF4-FFF2-40B4-BE49-F238E27FC236}">
+                <a16:creationId xmlns:a16="http://schemas.microsoft.com/office/drawing/2014/main" id="{EFEDB4E5-5712-55A9-7221-8E64092762E9}"/>
+              </a:ext>
+            </a:extLst>
+          </p:cNvPr>
+          <p:cNvSpPr>
+            <a:spLocks noGrp="1"/>
+          </p:cNvSpPr>
+          <p:nvPr>
+            <p:ph type="title"/>
+          </p:nvPr>
+        </p:nvSpPr>
+        <p:spPr>
+          <a:xfrm>
+            <a:off x="466722" y="586855"/>
+            <a:ext cx="3201366" cy="3387497"/>
+          </a:xfrm>
+        </p:spPr>
+        <p:txBody>
+          <a:bodyPr anchor="b">
+            <a:normAutofit/>
+          </a:bodyPr>
+          <a:lstStyle/>
+          <a:p>
+            <a:pPr algn="r"/>
+            <a:r>
+              <a:rPr lang="en-US" sz="4000">
+                <a:solidFill>
+                  <a:srgbClr val="FFFFFF"/>
+                </a:solidFill>
+              </a:rPr>
+              <a:t>The Three Pillars of SCRUM</a:t>
+            </a:r>
+            <a:endParaRPr lang="es-MX" sz="4000">
+              <a:solidFill>
+                <a:srgbClr val="FFFFFF"/>
+              </a:solidFill>
+            </a:endParaRPr>
+          </a:p>
+        </p:txBody>
+      </p:sp>
+      <p:sp>
+        <p:nvSpPr>
+          <p:cNvPr id="3" name="Marcador de contenido 2">
+            <a:extLst>
+              <a:ext uri="{FF2B5EF4-FFF2-40B4-BE49-F238E27FC236}">
+                <a16:creationId xmlns:a16="http://schemas.microsoft.com/office/drawing/2014/main" id="{A38A5455-4A1D-97A1-DFE6-1D0E72880A90}"/>
+              </a:ext>
+            </a:extLst>
+          </p:cNvPr>
+          <p:cNvSpPr>
+            <a:spLocks noGrp="1"/>
+          </p:cNvSpPr>
+          <p:nvPr>
+            <p:ph idx="1"/>
+          </p:nvPr>
+        </p:nvSpPr>
+        <p:spPr>
+          <a:xfrm>
+            <a:off x="4581727" y="649480"/>
+            <a:ext cx="3025303" cy="5546047"/>
+          </a:xfrm>
+        </p:spPr>
+        <p:txBody>
+          <a:bodyPr anchor="ctr">
+            <a:normAutofit/>
+          </a:bodyPr>
+          <a:lstStyle/>
+          <a:p>
+            <a:pPr marL="0" indent="0">
+              <a:buNone/>
+            </a:pPr>
+            <a:r>
+              <a:rPr lang="en-US" sz="1100"/>
+              <a:t>- Roles:</a:t>
+            </a:r>
+          </a:p>
+          <a:p>
+            <a:pPr lvl="1"/>
+            <a:r>
+              <a:rPr lang="en-US" sz="1100"/>
+              <a:t>Product Owner: Defines and prioritizes the work (the "what").</a:t>
+            </a:r>
+          </a:p>
+          <a:p>
+            <a:pPr lvl="1"/>
+            <a:r>
+              <a:rPr lang="en-US" sz="1100"/>
+              <a:t>Scrum Master: Facilitates the process and removes obstacles (the "how").</a:t>
+            </a:r>
+          </a:p>
+          <a:p>
+            <a:pPr lvl="1"/>
+            <a:r>
+              <a:rPr lang="en-US" sz="1100"/>
+              <a:t>Development Team: Builds the product.</a:t>
+            </a:r>
+          </a:p>
+          <a:p>
+            <a:pPr marL="0" indent="0">
+              <a:buNone/>
+            </a:pPr>
+            <a:r>
+              <a:rPr lang="en-US" sz="1100"/>
+              <a:t>- Events:</a:t>
+            </a:r>
+          </a:p>
+          <a:p>
+            <a:pPr lvl="1"/>
+            <a:r>
+              <a:rPr lang="en-US" sz="1100"/>
+              <a:t>Sprint Planning: What will be done this Sprint?</a:t>
+            </a:r>
+          </a:p>
+          <a:p>
+            <a:pPr lvl="1"/>
+            <a:r>
+              <a:rPr lang="en-US" sz="1100"/>
+              <a:t>Daily Scrum: A quick daily meeting to sync up.</a:t>
+            </a:r>
+          </a:p>
+          <a:p>
+            <a:pPr lvl="1"/>
+            <a:r>
+              <a:rPr lang="en-US" sz="1100"/>
+              <a:t>Sprint Review: Demonstrate the completed work.</a:t>
+            </a:r>
+          </a:p>
+          <a:p>
+            <a:pPr lvl="1"/>
+            <a:r>
+              <a:rPr lang="en-US" sz="1100"/>
+              <a:t>Sprint Retrospective: What can we improve for the next Sprint?</a:t>
+            </a:r>
+          </a:p>
+          <a:p>
+            <a:pPr marL="0" indent="0">
+              <a:buNone/>
+            </a:pPr>
+            <a:r>
+              <a:rPr lang="en-US" sz="1100"/>
+              <a:t>- Artifacts:</a:t>
+            </a:r>
+          </a:p>
+          <a:p>
+            <a:pPr marL="457200" lvl="1" indent="0">
+              <a:buNone/>
+            </a:pPr>
+            <a:r>
+              <a:rPr lang="en-US" sz="1100"/>
+              <a:t>- Product Backlog: A prioritized list of all features.</a:t>
+            </a:r>
+          </a:p>
+          <a:p>
+            <a:pPr marL="457200" lvl="1" indent="0">
+              <a:buNone/>
+            </a:pPr>
+            <a:r>
+              <a:rPr lang="en-US" sz="1100"/>
+              <a:t>- Sprint Backlog: The subset of features for the current Sprint.</a:t>
+            </a:r>
+            <a:br>
+              <a:rPr lang="en-US" sz="1100"/>
+            </a:br>
+            <a:r>
+              <a:rPr lang="en-US" sz="1100"/>
+              <a:t>- Increment: The potentially shippable product from the Sprint.</a:t>
+            </a:r>
+            <a:endParaRPr lang="es-MX" sz="1100"/>
+          </a:p>
+        </p:txBody>
+      </p:sp>
+      <p:pic>
+        <p:nvPicPr>
+          <p:cNvPr id="2052" name="Picture 4">
+            <a:extLst>
+              <a:ext uri="{FF2B5EF4-FFF2-40B4-BE49-F238E27FC236}">
+                <a16:creationId xmlns:a16="http://schemas.microsoft.com/office/drawing/2014/main" id="{698776A2-6CB2-5A24-30A0-4C9AB316EA32}"/>
+              </a:ext>
+            </a:extLst>
+          </p:cNvPr>
+          <p:cNvPicPr>
+            <a:picLocks noChangeAspect="1" noChangeArrowheads="1"/>
+          </p:cNvPicPr>
+          <p:nvPr/>
+        </p:nvPicPr>
+        <p:blipFill>
+          <a:blip r:embed="rId3">
+            <a:extLst>
+              <a:ext uri="{28A0092B-C50C-407E-A947-70E740481C1C}">
+                <a14:useLocalDpi xmlns:a14="http://schemas.microsoft.com/office/drawing/2010/main" val="0"/>
+              </a:ext>
+            </a:extLst>
+          </a:blip>
+          <a:srcRect l="28824" r="37691"/>
+          <a:stretch>
+            <a:fillRect/>
+          </a:stretch>
+        </p:blipFill>
+        <p:spPr bwMode="auto">
+          <a:xfrm>
+            <a:off x="8109502" y="10"/>
+            <a:ext cx="4082498" cy="6857990"/>
+          </a:xfrm>
+          <a:prstGeom prst="rect">
+            <a:avLst/>
+          </a:prstGeom>
+          <a:noFill/>
+          <a:extLst>
+            <a:ext uri="{909E8E84-426E-40DD-AFC4-6F175D3DCCD1}">
+              <a14:hiddenFill xmlns:a14="http://schemas.microsoft.com/office/drawing/2010/main">
+                <a:solidFill>
+                  <a:srgbClr val="FFFFFF"/>
+                </a:solidFill>
+              </a14:hiddenFill>
+            </a:ext>
+          </a:extLst>
+        </p:spPr>
+      </p:pic>
+    </p:spTree>
+    <p:extLst>
+      <p:ext uri="{BB962C8B-B14F-4D97-AF65-F5344CB8AC3E}">
+        <p14:creationId xmlns:p14="http://schemas.microsoft.com/office/powerpoint/2010/main" val="1051947695"/>
+      </p:ext>
+    </p:extLst>
+  </p:cSld>
+  <p:clrMapOvr>
+    <a:masterClrMapping/>
+  </p:clrMapOvr>
+</p:sld>
+</file>
+
+<file path=ppt/slides/slide8.xml><?xml version="1.0" encoding="utf-8"?>
+<p:sld xmlns:a="http://schemas.openxmlformats.org/drawingml/2006/main" xmlns:r="http://schemas.openxmlformats.org/officeDocument/2006/relationships" xmlns:p="http://schemas.openxmlformats.org/presentationml/2006/main">
+  <p:cSld>
+    <p:bg>
+      <p:bgPr>
+        <a:solidFill>
+          <a:schemeClr val="bg1"/>
+        </a:solidFill>
+        <a:effectLst/>
+      </p:bgPr>
+    </p:bg>
+    <p:spTree>
+      <p:nvGrpSpPr>
+        <p:cNvPr id="1" name=""/>
+        <p:cNvGrpSpPr/>
+        <p:nvPr/>
+      </p:nvGrpSpPr>
+      <p:grpSpPr>
+        <a:xfrm>
+          <a:off x="0" y="0"/>
+          <a:ext cx="0" cy="0"/>
+          <a:chOff x="0" y="0"/>
+          <a:chExt cx="0" cy="0"/>
+        </a:xfrm>
+      </p:grpSpPr>
+      <p:sp>
+        <p:nvSpPr>
+          <p:cNvPr id="2" name="Título 1">
+            <a:extLst>
+              <a:ext uri="{FF2B5EF4-FFF2-40B4-BE49-F238E27FC236}">
+                <a16:creationId xmlns:a16="http://schemas.microsoft.com/office/drawing/2014/main" id="{962D0E2E-F309-F321-D753-8C6E75E41316}"/>
+              </a:ext>
+            </a:extLst>
+          </p:cNvPr>
+          <p:cNvSpPr>
+            <a:spLocks noGrp="1"/>
+          </p:cNvSpPr>
+          <p:nvPr>
+            <p:ph type="title"/>
+          </p:nvPr>
+        </p:nvSpPr>
+        <p:spPr>
+          <a:xfrm>
+            <a:off x="481013" y="3752849"/>
+            <a:ext cx="3290887" cy="2452687"/>
+          </a:xfrm>
+        </p:spPr>
+        <p:txBody>
+          <a:bodyPr anchor="ctr">
+            <a:normAutofit/>
+          </a:bodyPr>
+          <a:lstStyle/>
+          <a:p>
+            <a:r>
+              <a:rPr lang="en-US" sz="3600"/>
+              <a:t>JSON: The Language of Web Data</a:t>
+            </a:r>
+            <a:endParaRPr lang="es-MX" sz="3600"/>
+          </a:p>
+        </p:txBody>
+      </p:sp>
+      <p:pic>
+        <p:nvPicPr>
+          <p:cNvPr id="3077" name="Picture 5">
+            <a:extLst>
+              <a:ext uri="{FF2B5EF4-FFF2-40B4-BE49-F238E27FC236}">
+                <a16:creationId xmlns:a16="http://schemas.microsoft.com/office/drawing/2014/main" id="{81F64093-30D9-BADF-5FD4-790DF954D1D8}"/>
+              </a:ext>
+            </a:extLst>
+          </p:cNvPr>
+          <p:cNvPicPr>
+            <a:picLocks noChangeAspect="1" noChangeArrowheads="1"/>
+          </p:cNvPicPr>
+          <p:nvPr/>
+        </p:nvPicPr>
+        <p:blipFill>
+          <a:blip r:embed="rId3">
+            <a:extLst>
+              <a:ext uri="{28A0092B-C50C-407E-A947-70E740481C1C}">
+                <a14:useLocalDpi xmlns:a14="http://schemas.microsoft.com/office/drawing/2010/main" val="0"/>
+              </a:ext>
+            </a:extLst>
+          </a:blip>
+          <a:srcRect t="27073" b="16305"/>
+          <a:stretch>
+            <a:fillRect/>
+          </a:stretch>
+        </p:blipFill>
+        <p:spPr bwMode="auto">
+          <a:xfrm>
+            <a:off x="20" y="10"/>
+            <a:ext cx="12191980" cy="3710603"/>
+          </a:xfrm>
+          <a:custGeom>
+            <a:avLst/>
+            <a:gdLst/>
+            <a:ahLst/>
+            <a:cxnLst/>
+            <a:rect l="l" t="t" r="r" b="b"/>
+            <a:pathLst>
+              <a:path w="12192000" h="3692092">
+                <a:moveTo>
+                  <a:pt x="0" y="0"/>
+                </a:moveTo>
+                <a:lnTo>
+                  <a:pt x="12192000" y="0"/>
+                </a:lnTo>
+                <a:lnTo>
+                  <a:pt x="12192000" y="3504824"/>
+                </a:lnTo>
+                <a:lnTo>
+                  <a:pt x="12024691" y="3517794"/>
+                </a:lnTo>
+                <a:cubicBezTo>
+                  <a:pt x="8077523" y="3783195"/>
+                  <a:pt x="4094678" y="3026959"/>
+                  <a:pt x="160485" y="3663863"/>
+                </a:cubicBezTo>
+                <a:lnTo>
+                  <a:pt x="0" y="3692092"/>
+                </a:lnTo>
+                <a:close/>
+              </a:path>
+            </a:pathLst>
+          </a:custGeom>
+          <a:noFill/>
+          <a:extLst>
+            <a:ext uri="{909E8E84-426E-40DD-AFC4-6F175D3DCCD1}">
+              <a14:hiddenFill xmlns:a14="http://schemas.microsoft.com/office/drawing/2010/main">
+                <a:solidFill>
+                  <a:srgbClr val="FFFFFF"/>
+                </a:solidFill>
+              </a14:hiddenFill>
+            </a:ext>
+          </a:extLst>
+        </p:spPr>
+      </p:pic>
+      <p:sp>
+        <p:nvSpPr>
+          <p:cNvPr id="5" name="Marcador de contenido 4">
+            <a:extLst>
+              <a:ext uri="{FF2B5EF4-FFF2-40B4-BE49-F238E27FC236}">
+                <a16:creationId xmlns:a16="http://schemas.microsoft.com/office/drawing/2014/main" id="{23F9AAE7-FB1C-312E-A9E4-F32FF302685B}"/>
+              </a:ext>
+            </a:extLst>
+          </p:cNvPr>
+          <p:cNvSpPr>
+            <a:spLocks noGrp="1"/>
+          </p:cNvSpPr>
+          <p:nvPr>
+            <p:ph idx="1"/>
+          </p:nvPr>
+        </p:nvSpPr>
+        <p:spPr>
+          <a:xfrm>
+            <a:off x="4223982" y="3752850"/>
+            <a:ext cx="7485413" cy="2452687"/>
+          </a:xfrm>
+        </p:spPr>
+        <p:txBody>
+          <a:bodyPr anchor="ctr">
+            <a:normAutofit/>
+          </a:bodyPr>
+          <a:lstStyle/>
+          <a:p>
+            <a:pPr marL="0" indent="0">
+              <a:buNone/>
+            </a:pPr>
+            <a:r>
+              <a:rPr lang="en-US" sz="1300"/>
+              <a:t>- </a:t>
+            </a:r>
+            <a:r>
+              <a:rPr lang="en-US" sz="1300" b="1"/>
+              <a:t>Definition:</a:t>
+            </a:r>
+            <a:r>
+              <a:rPr lang="en-US" sz="1300"/>
+              <a:t> JavaScript Object Notation. A lightweight, human-readable format for storing and exchanging data.</a:t>
+            </a:r>
+          </a:p>
+          <a:p>
+            <a:pPr marL="0" indent="0">
+              <a:buNone/>
+            </a:pPr>
+            <a:r>
+              <a:rPr lang="en-US" sz="1300"/>
+              <a:t>- </a:t>
+            </a:r>
+            <a:r>
+              <a:rPr lang="en-US" sz="1300" b="1"/>
+              <a:t>Characteristics:</a:t>
+            </a:r>
+          </a:p>
+          <a:p>
+            <a:pPr lvl="1">
+              <a:buFontTx/>
+              <a:buChar char="-"/>
+            </a:pPr>
+            <a:r>
+              <a:rPr lang="en-US" sz="1300"/>
+              <a:t>Language-independent: Usable with any programming language.</a:t>
+            </a:r>
+          </a:p>
+          <a:p>
+            <a:pPr lvl="1">
+              <a:buFontTx/>
+              <a:buChar char="-"/>
+            </a:pPr>
+            <a:r>
+              <a:rPr lang="en-US" sz="1300"/>
+              <a:t>Key-Value Pairs: Data is organized in key-value pairs (like a dictionary).</a:t>
+            </a:r>
+          </a:p>
+          <a:p>
+            <a:pPr lvl="1">
+              <a:buFontTx/>
+              <a:buChar char="-"/>
+            </a:pPr>
+            <a:r>
+              <a:rPr lang="en-US" sz="1300"/>
+              <a:t>Structured: Uses {} for objects and [] for arrays.</a:t>
+            </a:r>
+          </a:p>
+          <a:p>
+            <a:pPr>
+              <a:buFontTx/>
+              <a:buChar char="-"/>
+            </a:pPr>
+            <a:r>
+              <a:rPr lang="en-US" sz="1300" b="1"/>
+              <a:t>Common Use Cases:</a:t>
+            </a:r>
+          </a:p>
+          <a:p>
+            <a:pPr lvl="1">
+              <a:buFontTx/>
+              <a:buChar char="-"/>
+            </a:pPr>
+            <a:r>
+              <a:rPr lang="en-US" sz="1300"/>
+              <a:t>APIs: The standard format for communication between a client (like a web browser) and a server.</a:t>
+            </a:r>
+          </a:p>
+          <a:p>
+            <a:pPr lvl="1">
+              <a:buFontTx/>
+              <a:buChar char="-"/>
+            </a:pPr>
+            <a:r>
+              <a:rPr lang="en-US" sz="1300"/>
+              <a:t>Configuration Files: Storing settings for applications.</a:t>
+            </a:r>
+            <a:endParaRPr lang="es-MX" sz="1300"/>
+          </a:p>
+        </p:txBody>
+      </p:sp>
+    </p:spTree>
+    <p:extLst>
+      <p:ext uri="{BB962C8B-B14F-4D97-AF65-F5344CB8AC3E}">
+        <p14:creationId xmlns:p14="http://schemas.microsoft.com/office/powerpoint/2010/main" val="4135717685"/>
+      </p:ext>
+    </p:extLst>
+  </p:cSld>
+  <p:clrMapOvr>
+    <a:masterClrMapping/>
+  </p:clrMapOvr>
+</p:sld>
+</file>
+
+<file path=ppt/slides/slide9.xml><?xml version="1.0" encoding="utf-8"?>
+<p:sld xmlns:a="http://schemas.openxmlformats.org/drawingml/2006/main" xmlns:r="http://schemas.openxmlformats.org/officeDocument/2006/relationships" xmlns:p="http://schemas.openxmlformats.org/presentationml/2006/main">
+  <p:cSld>
+    <p:bg>
+      <p:bgPr>
+        <a:solidFill>
+          <a:schemeClr val="bg1"/>
+        </a:solidFill>
+        <a:effectLst/>
+      </p:bgPr>
+    </p:bg>
+    <p:spTree>
+      <p:nvGrpSpPr>
+        <p:cNvPr id="1" name=""/>
+        <p:cNvGrpSpPr/>
+        <p:nvPr/>
+      </p:nvGrpSpPr>
+      <p:grpSpPr>
+        <a:xfrm>
+          <a:off x="0" y="0"/>
+          <a:ext cx="0" cy="0"/>
+          <a:chOff x="0" y="0"/>
+          <a:chExt cx="0" cy="0"/>
+        </a:xfrm>
+      </p:grpSpPr>
+      <p:sp useBgFill="1">
+        <p:nvSpPr>
+          <p:cNvPr id="19" name="Rectangle 14">
+            <a:extLst>
+              <a:ext uri="{FF2B5EF4-FFF2-40B4-BE49-F238E27FC236}">
+                <a16:creationId xmlns:a16="http://schemas.microsoft.com/office/drawing/2014/main" id="{352BEC0E-22F8-46D0-9632-375DB541B06C}"/>
+              </a:ext>
+              <a:ext uri="{C183D7F6-B498-43B3-948B-1728B52AA6E4}">
+                <adec:decorative xmlns:adec="http://schemas.microsoft.com/office/drawing/2017/decorative" val="1"/>
+              </a:ext>
+            </a:extLst>
+          </p:cNvPr>
+          <p:cNvSpPr>
+            <a:spLocks noGrp="1" noRot="1" noChangeAspect="1" noMove="1" noResize="1" noEditPoints="1" noAdjustHandles="1" noChangeArrowheads="1" noChangeShapeType="1" noTextEdit="1"/>
+          </p:cNvSpPr>
+          <p:nvPr>
+            <p:extLst>
+              <p:ext uri="{386F3935-93C4-4BCD-93E2-E3B085C9AB24}">
+                <p16:designElem xmlns:p16="http://schemas.microsoft.com/office/powerpoint/2015/main" val="1"/>
+              </p:ext>
+            </p:extLst>
+          </p:nvPr>
+        </p:nvSpPr>
+        <p:spPr>
+          <a:xfrm>
+            <a:off x="0" y="0"/>
+            <a:ext cx="12188952" cy="6858000"/>
+          </a:xfrm>
+          <a:prstGeom prst="rect">
+            <a:avLst/>
+          </a:prstGeom>
+          <a:ln>
+            <a:noFill/>
+          </a:ln>
+        </p:spPr>
+        <p:style>
+          <a:lnRef idx="2">
+            <a:schemeClr val="accent1">
+              <a:shade val="50000"/>
+            </a:schemeClr>
+          </a:lnRef>
+          <a:fillRef idx="1">
+            <a:schemeClr val="accent1"/>
+          </a:fillRef>
+          <a:effectRef idx="0">
+            <a:schemeClr val="accent1"/>
+          </a:effectRef>
+          <a:fontRef idx="minor">
+            <a:schemeClr val="lt1"/>
+          </a:fontRef>
+        </p:style>
+        <p:txBody>
+          <a:bodyPr rtlCol="0" anchor="ctr"/>
+          <a:lstStyle/>
+          <a:p>
+            <a:pPr algn="ctr"/>
+            <a:endParaRPr lang="en-US"/>
+          </a:p>
+        </p:txBody>
+      </p:sp>
+      <p:sp>
+        <p:nvSpPr>
+          <p:cNvPr id="2" name="Título 1">
+            <a:extLst>
+              <a:ext uri="{FF2B5EF4-FFF2-40B4-BE49-F238E27FC236}">
+                <a16:creationId xmlns:a16="http://schemas.microsoft.com/office/drawing/2014/main" id="{0205B025-4549-1BD2-6BED-431092A1DEF8}"/>
+              </a:ext>
+            </a:extLst>
+          </p:cNvPr>
+          <p:cNvSpPr>
+            <a:spLocks noGrp="1"/>
+          </p:cNvSpPr>
+          <p:nvPr>
+            <p:ph type="title"/>
+          </p:nvPr>
+        </p:nvSpPr>
+        <p:spPr>
+          <a:xfrm>
+            <a:off x="640080" y="329184"/>
+            <a:ext cx="6894576" cy="1783080"/>
+          </a:xfrm>
+        </p:spPr>
+        <p:txBody>
+          <a:bodyPr anchor="b">
+            <a:normAutofit/>
+          </a:bodyPr>
+          <a:lstStyle/>
+          <a:p>
+            <a:r>
+              <a:rPr lang="en-US" sz="5400"/>
+              <a:t>Diving Deeper into JSON Syntax</a:t>
+            </a:r>
+            <a:endParaRPr lang="es-MX" sz="5400"/>
+          </a:p>
+        </p:txBody>
+      </p:sp>
+      <p:sp>
+        <p:nvSpPr>
+          <p:cNvPr id="20" name="sketch line">
+            <a:extLst>
+              <a:ext uri="{FF2B5EF4-FFF2-40B4-BE49-F238E27FC236}">
+                <a16:creationId xmlns:a16="http://schemas.microsoft.com/office/drawing/2014/main" id="{3FCFB1DE-0B7E-48CC-BA90-B2AB0889F9D6}"/>
+              </a:ext>
+              <a:ext uri="{C183D7F6-B498-43B3-948B-1728B52AA6E4}">
+                <adec:decorative xmlns:adec="http://schemas.microsoft.com/office/drawing/2017/decorative" val="1"/>
+              </a:ext>
+            </a:extLst>
+          </p:cNvPr>
+          <p:cNvSpPr>
+            <a:spLocks noGrp="1" noRot="1" noChangeAspect="1" noMove="1" noResize="1" noEditPoints="1" noAdjustHandles="1" noChangeArrowheads="1" noChangeShapeType="1" noTextEdit="1"/>
+          </p:cNvSpPr>
+          <p:nvPr>
+            <p:extLst>
+              <p:ext uri="{386F3935-93C4-4BCD-93E2-E3B085C9AB24}">
+                <p16:designElem xmlns:p16="http://schemas.microsoft.com/office/powerpoint/2015/main" val="1"/>
+              </p:ext>
+            </p:extLst>
+          </p:nvPr>
+        </p:nvSpPr>
+        <p:spPr>
+          <a:xfrm>
+            <a:off x="758952" y="2395728"/>
+            <a:ext cx="4243589" cy="18288"/>
+          </a:xfrm>
+          <a:custGeom>
+            <a:avLst/>
+            <a:gdLst>
+              <a:gd name="connsiteX0" fmla="*/ 0 w 4243589"/>
+              <a:gd name="connsiteY0" fmla="*/ 0 h 18288"/>
+              <a:gd name="connsiteX1" fmla="*/ 478919 w 4243589"/>
+              <a:gd name="connsiteY1" fmla="*/ 0 h 18288"/>
+              <a:gd name="connsiteX2" fmla="*/ 957839 w 4243589"/>
+              <a:gd name="connsiteY2" fmla="*/ 0 h 18288"/>
+              <a:gd name="connsiteX3" fmla="*/ 1521630 w 4243589"/>
+              <a:gd name="connsiteY3" fmla="*/ 0 h 18288"/>
+              <a:gd name="connsiteX4" fmla="*/ 2212729 w 4243589"/>
+              <a:gd name="connsiteY4" fmla="*/ 0 h 18288"/>
+              <a:gd name="connsiteX5" fmla="*/ 2734084 w 4243589"/>
+              <a:gd name="connsiteY5" fmla="*/ 0 h 18288"/>
+              <a:gd name="connsiteX6" fmla="*/ 3255439 w 4243589"/>
+              <a:gd name="connsiteY6" fmla="*/ 0 h 18288"/>
+              <a:gd name="connsiteX7" fmla="*/ 4243589 w 4243589"/>
+              <a:gd name="connsiteY7" fmla="*/ 0 h 18288"/>
+              <a:gd name="connsiteX8" fmla="*/ 4243589 w 4243589"/>
+              <a:gd name="connsiteY8" fmla="*/ 18288 h 18288"/>
+              <a:gd name="connsiteX9" fmla="*/ 3594926 w 4243589"/>
+              <a:gd name="connsiteY9" fmla="*/ 18288 h 18288"/>
+              <a:gd name="connsiteX10" fmla="*/ 3073571 w 4243589"/>
+              <a:gd name="connsiteY10" fmla="*/ 18288 h 18288"/>
+              <a:gd name="connsiteX11" fmla="*/ 2552216 w 4243589"/>
+              <a:gd name="connsiteY11" fmla="*/ 18288 h 18288"/>
+              <a:gd name="connsiteX12" fmla="*/ 1903553 w 4243589"/>
+              <a:gd name="connsiteY12" fmla="*/ 18288 h 18288"/>
+              <a:gd name="connsiteX13" fmla="*/ 1212454 w 4243589"/>
+              <a:gd name="connsiteY13" fmla="*/ 18288 h 18288"/>
+              <a:gd name="connsiteX14" fmla="*/ 733535 w 4243589"/>
+              <a:gd name="connsiteY14" fmla="*/ 18288 h 18288"/>
+              <a:gd name="connsiteX15" fmla="*/ 0 w 4243589"/>
+              <a:gd name="connsiteY15" fmla="*/ 18288 h 18288"/>
+              <a:gd name="connsiteX16" fmla="*/ 0 w 4243589"/>
+              <a:gd name="connsiteY16" fmla="*/ 0 h 18288"/>
+            </a:gdLst>
+            <a:ahLst/>
+            <a:cxnLst>
+              <a:cxn ang="0">
+                <a:pos x="connsiteX0" y="connsiteY0"/>
+              </a:cxn>
+              <a:cxn ang="0">
+                <a:pos x="connsiteX1" y="connsiteY1"/>
+              </a:cxn>
+              <a:cxn ang="0">
+                <a:pos x="connsiteX2" y="connsiteY2"/>
+              </a:cxn>
+              <a:cxn ang="0">
+                <a:pos x="connsiteX3" y="connsiteY3"/>
+              </a:cxn>
+              <a:cxn ang="0">
+                <a:pos x="connsiteX4" y="connsiteY4"/>
+              </a:cxn>
+              <a:cxn ang="0">
+                <a:pos x="connsiteX5" y="connsiteY5"/>
+              </a:cxn>
+              <a:cxn ang="0">
+                <a:pos x="connsiteX6" y="connsiteY6"/>
+              </a:cxn>
+              <a:cxn ang="0">
+                <a:pos x="connsiteX7" y="connsiteY7"/>
+              </a:cxn>
+              <a:cxn ang="0">
+                <a:pos x="connsiteX8" y="connsiteY8"/>
+              </a:cxn>
+              <a:cxn ang="0">
+                <a:pos x="connsiteX9" y="connsiteY9"/>
+              </a:cxn>
+              <a:cxn ang="0">
+                <a:pos x="connsiteX10" y="connsiteY10"/>
+              </a:cxn>
+              <a:cxn ang="0">
+                <a:pos x="connsiteX11" y="connsiteY11"/>
+              </a:cxn>
+              <a:cxn ang="0">
+                <a:pos x="connsiteX12" y="connsiteY12"/>
+              </a:cxn>
+              <a:cxn ang="0">
+                <a:pos x="connsiteX13" y="connsiteY13"/>
+              </a:cxn>
+              <a:cxn ang="0">
+                <a:pos x="connsiteX14" y="connsiteY14"/>
+              </a:cxn>
+              <a:cxn ang="0">
+                <a:pos x="connsiteX15" y="connsiteY15"/>
+              </a:cxn>
+              <a:cxn ang="0">
+                <a:pos x="connsiteX16" y="connsiteY16"/>
+              </a:cxn>
+            </a:cxnLst>
+            <a:rect l="l" t="t" r="r" b="b"/>
+            <a:pathLst>
+              <a:path w="4243589" h="18288" fill="none" extrusionOk="0">
+                <a:moveTo>
+                  <a:pt x="0" y="0"/>
+                </a:moveTo>
+                <a:cubicBezTo>
+                  <a:pt x="213395" y="-21006"/>
+                  <a:pt x="307421" y="-18116"/>
+                  <a:pt x="478919" y="0"/>
+                </a:cubicBezTo>
+                <a:cubicBezTo>
+                  <a:pt x="650417" y="18116"/>
+                  <a:pt x="831092" y="-21237"/>
+                  <a:pt x="957839" y="0"/>
+                </a:cubicBezTo>
+                <a:cubicBezTo>
+                  <a:pt x="1084586" y="21237"/>
+                  <a:pt x="1301682" y="25124"/>
+                  <a:pt x="1521630" y="0"/>
+                </a:cubicBezTo>
+                <a:cubicBezTo>
+                  <a:pt x="1741578" y="-25124"/>
+                  <a:pt x="1970269" y="-29139"/>
+                  <a:pt x="2212729" y="0"/>
+                </a:cubicBezTo>
+                <a:cubicBezTo>
+                  <a:pt x="2455189" y="29139"/>
+                  <a:pt x="2558847" y="-4796"/>
+                  <a:pt x="2734084" y="0"/>
+                </a:cubicBezTo>
+                <a:cubicBezTo>
+                  <a:pt x="2909321" y="4796"/>
+                  <a:pt x="3097217" y="-13409"/>
+                  <a:pt x="3255439" y="0"/>
+                </a:cubicBezTo>
+                <a:cubicBezTo>
+                  <a:pt x="3413662" y="13409"/>
+                  <a:pt x="3979999" y="-10121"/>
+                  <a:pt x="4243589" y="0"/>
+                </a:cubicBezTo>
+                <a:cubicBezTo>
+                  <a:pt x="4244484" y="8974"/>
+                  <a:pt x="4243043" y="9359"/>
+                  <a:pt x="4243589" y="18288"/>
+                </a:cubicBezTo>
+                <a:cubicBezTo>
+                  <a:pt x="4058777" y="31246"/>
+                  <a:pt x="3910348" y="3158"/>
+                  <a:pt x="3594926" y="18288"/>
+                </a:cubicBezTo>
+                <a:cubicBezTo>
+                  <a:pt x="3279504" y="33418"/>
+                  <a:pt x="3319955" y="-3977"/>
+                  <a:pt x="3073571" y="18288"/>
+                </a:cubicBezTo>
+                <a:cubicBezTo>
+                  <a:pt x="2827187" y="40553"/>
+                  <a:pt x="2767387" y="1863"/>
+                  <a:pt x="2552216" y="18288"/>
+                </a:cubicBezTo>
+                <a:cubicBezTo>
+                  <a:pt x="2337046" y="34713"/>
+                  <a:pt x="2181871" y="19527"/>
+                  <a:pt x="1903553" y="18288"/>
+                </a:cubicBezTo>
+                <a:cubicBezTo>
+                  <a:pt x="1625235" y="17049"/>
+                  <a:pt x="1557672" y="24174"/>
+                  <a:pt x="1212454" y="18288"/>
+                </a:cubicBezTo>
+                <a:cubicBezTo>
+                  <a:pt x="867236" y="12402"/>
+                  <a:pt x="874382" y="15627"/>
+                  <a:pt x="733535" y="18288"/>
+                </a:cubicBezTo>
+                <a:cubicBezTo>
+                  <a:pt x="592688" y="20949"/>
+                  <a:pt x="183477" y="14753"/>
+                  <a:pt x="0" y="18288"/>
+                </a:cubicBezTo>
+                <a:cubicBezTo>
+                  <a:pt x="-229" y="14222"/>
+                  <a:pt x="509" y="5816"/>
+                  <a:pt x="0" y="0"/>
+                </a:cubicBezTo>
+                <a:close/>
+              </a:path>
+              <a:path w="4243589" h="18288" stroke="0" extrusionOk="0">
+                <a:moveTo>
+                  <a:pt x="0" y="0"/>
+                </a:moveTo>
+                <a:cubicBezTo>
+                  <a:pt x="143690" y="16630"/>
+                  <a:pt x="266667" y="14847"/>
+                  <a:pt x="521355" y="0"/>
+                </a:cubicBezTo>
+                <a:cubicBezTo>
+                  <a:pt x="776043" y="-14847"/>
+                  <a:pt x="814491" y="-17363"/>
+                  <a:pt x="1000275" y="0"/>
+                </a:cubicBezTo>
+                <a:cubicBezTo>
+                  <a:pt x="1186059" y="17363"/>
+                  <a:pt x="1352504" y="-23507"/>
+                  <a:pt x="1521630" y="0"/>
+                </a:cubicBezTo>
+                <a:cubicBezTo>
+                  <a:pt x="1690756" y="23507"/>
+                  <a:pt x="1889525" y="5871"/>
+                  <a:pt x="2127857" y="0"/>
+                </a:cubicBezTo>
+                <a:cubicBezTo>
+                  <a:pt x="2366189" y="-5871"/>
+                  <a:pt x="2620628" y="-27997"/>
+                  <a:pt x="2776520" y="0"/>
+                </a:cubicBezTo>
+                <a:cubicBezTo>
+                  <a:pt x="2932412" y="27997"/>
+                  <a:pt x="3131683" y="-25073"/>
+                  <a:pt x="3467618" y="0"/>
+                </a:cubicBezTo>
+                <a:cubicBezTo>
+                  <a:pt x="3803553" y="25073"/>
+                  <a:pt x="4017371" y="3071"/>
+                  <a:pt x="4243589" y="0"/>
+                </a:cubicBezTo>
+                <a:cubicBezTo>
+                  <a:pt x="4243134" y="6162"/>
+                  <a:pt x="4243492" y="11775"/>
+                  <a:pt x="4243589" y="18288"/>
+                </a:cubicBezTo>
+                <a:cubicBezTo>
+                  <a:pt x="4017834" y="-5779"/>
+                  <a:pt x="3834586" y="13376"/>
+                  <a:pt x="3594926" y="18288"/>
+                </a:cubicBezTo>
+                <a:cubicBezTo>
+                  <a:pt x="3355266" y="23200"/>
+                  <a:pt x="3204179" y="2869"/>
+                  <a:pt x="2903827" y="18288"/>
+                </a:cubicBezTo>
+                <a:cubicBezTo>
+                  <a:pt x="2603475" y="33707"/>
+                  <a:pt x="2526187" y="46187"/>
+                  <a:pt x="2212729" y="18288"/>
+                </a:cubicBezTo>
+                <a:cubicBezTo>
+                  <a:pt x="1899271" y="-9611"/>
+                  <a:pt x="1966289" y="29692"/>
+                  <a:pt x="1733809" y="18288"/>
+                </a:cubicBezTo>
+                <a:cubicBezTo>
+                  <a:pt x="1501329" y="6884"/>
+                  <a:pt x="1343612" y="12492"/>
+                  <a:pt x="1085146" y="18288"/>
+                </a:cubicBezTo>
+                <a:cubicBezTo>
+                  <a:pt x="826680" y="24084"/>
+                  <a:pt x="778184" y="35607"/>
+                  <a:pt x="521355" y="18288"/>
+                </a:cubicBezTo>
+                <a:cubicBezTo>
+                  <a:pt x="264526" y="969"/>
+                  <a:pt x="120277" y="4268"/>
+                  <a:pt x="0" y="18288"/>
+                </a:cubicBezTo>
+                <a:cubicBezTo>
+                  <a:pt x="766" y="10800"/>
+                  <a:pt x="-457" y="8180"/>
+                  <a:pt x="0" y="0"/>
+                </a:cubicBezTo>
+                <a:close/>
+              </a:path>
+            </a:pathLst>
+          </a:custGeom>
+          <a:solidFill>
+            <a:schemeClr val="accent2"/>
+          </a:solidFill>
+          <a:ln w="41275" cap="rnd">
+            <a:solidFill>
+              <a:schemeClr val="accent2"/>
+            </a:solidFill>
+            <a:round/>
+            <a:extLst>
+              <a:ext uri="{C807C97D-BFC1-408E-A445-0C87EB9F89A2}">
+                <ask:lineSketchStyleProps xmlns:ask="http://schemas.microsoft.com/office/drawing/2018/sketchyshapes" sd="2727557108">
+                  <a:prstGeom prst="rect">
+                    <a:avLst/>
+                  </a:prstGeom>
+                  <ask:type>
+                    <ask:lineSketchFreehand/>
+                  </ask:type>
+                </ask:lineSketchStyleProps>
+              </a:ext>
+            </a:extLst>
+          </a:ln>
+        </p:spPr>
+        <p:style>
+          <a:lnRef idx="2">
+            <a:schemeClr val="accent1">
+              <a:shade val="50000"/>
+            </a:schemeClr>
+          </a:lnRef>
+          <a:fillRef idx="1">
+            <a:schemeClr val="accent1"/>
+          </a:fillRef>
+          <a:effectRef idx="0">
+            <a:schemeClr val="accent1"/>
+          </a:effectRef>
+          <a:fontRef idx="minor">
+            <a:schemeClr val="lt1"/>
+          </a:fontRef>
+        </p:style>
+        <p:txBody>
+          <a:bodyPr rtlCol="0" anchor="ctr"/>
+          <a:lstStyle/>
+          <a:p>
+            <a:pPr algn="ctr"/>
+            <a:endParaRPr lang="en-US"/>
+          </a:p>
+        </p:txBody>
+      </p:sp>
+      <p:sp>
+        <p:nvSpPr>
+          <p:cNvPr id="3" name="Marcador de contenido 2">
+            <a:extLst>
+              <a:ext uri="{FF2B5EF4-FFF2-40B4-BE49-F238E27FC236}">
+                <a16:creationId xmlns:a16="http://schemas.microsoft.com/office/drawing/2014/main" id="{F9400046-4A83-0B2C-F5AA-DCEF3FC249F6}"/>
+              </a:ext>
+            </a:extLst>
+          </p:cNvPr>
+          <p:cNvSpPr>
+            <a:spLocks noGrp="1"/>
+          </p:cNvSpPr>
+          <p:nvPr>
+            <p:ph idx="1"/>
+          </p:nvPr>
+        </p:nvSpPr>
+        <p:spPr>
+          <a:xfrm>
+            <a:off x="640080" y="2706624"/>
+            <a:ext cx="6894576" cy="3483864"/>
+          </a:xfrm>
+        </p:spPr>
+        <p:txBody>
+          <a:bodyPr>
+            <a:normAutofit/>
+          </a:bodyPr>
+          <a:lstStyle/>
+          <a:p>
+            <a:r>
+              <a:rPr lang="es-MX" sz="2200"/>
+              <a:t>Basic Structure:</a:t>
+            </a:r>
+          </a:p>
+          <a:p>
+            <a:endParaRPr lang="es-MX" sz="2200"/>
+          </a:p>
+          <a:p>
+            <a:endParaRPr lang="es-MX" sz="2200"/>
+          </a:p>
+          <a:p>
+            <a:endParaRPr lang="es-MX" sz="2200"/>
+          </a:p>
+          <a:p>
+            <a:r>
+              <a:rPr lang="es-MX" sz="2200"/>
+              <a:t>Nested Objects and Arrays:</a:t>
+            </a:r>
+          </a:p>
+          <a:p>
+            <a:endParaRPr lang="es-MX" sz="2200"/>
+          </a:p>
+          <a:p>
+            <a:pPr marL="0" indent="0">
+              <a:buNone/>
+            </a:pPr>
+            <a:r>
+              <a:rPr lang="es-MX" sz="2200"/>
+              <a:t>	</a:t>
+            </a:r>
+          </a:p>
+        </p:txBody>
+      </p:sp>
+      <p:pic>
+        <p:nvPicPr>
+          <p:cNvPr id="8" name="Imagen 7">
+            <a:extLst>
+              <a:ext uri="{FF2B5EF4-FFF2-40B4-BE49-F238E27FC236}">
+                <a16:creationId xmlns:a16="http://schemas.microsoft.com/office/drawing/2014/main" id="{3861A374-8F55-C2BE-8098-97C37345642C}"/>
+              </a:ext>
+            </a:extLst>
+          </p:cNvPr>
+          <p:cNvPicPr>
+            <a:picLocks noChangeAspect="1"/>
+          </p:cNvPicPr>
+          <p:nvPr/>
+        </p:nvPicPr>
+        <p:blipFill>
+          <a:blip r:embed="rId3"/>
+          <a:stretch>
+            <a:fillRect/>
+          </a:stretch>
+        </p:blipFill>
+        <p:spPr>
+          <a:xfrm>
+            <a:off x="7863840" y="577435"/>
+            <a:ext cx="4014216" cy="2933464"/>
+          </a:xfrm>
+          <a:prstGeom prst="rect">
+            <a:avLst/>
+          </a:prstGeom>
+        </p:spPr>
+      </p:pic>
+      <p:pic>
+        <p:nvPicPr>
+          <p:cNvPr id="10" name="Imagen 9">
+            <a:extLst>
+              <a:ext uri="{FF2B5EF4-FFF2-40B4-BE49-F238E27FC236}">
+                <a16:creationId xmlns:a16="http://schemas.microsoft.com/office/drawing/2014/main" id="{2C2F475A-D96E-9ED3-EC1C-1E8B1F7359C4}"/>
+              </a:ext>
+            </a:extLst>
+          </p:cNvPr>
+          <p:cNvPicPr>
+            <a:picLocks noChangeAspect="1"/>
+          </p:cNvPicPr>
+          <p:nvPr/>
+        </p:nvPicPr>
+        <p:blipFill>
+          <a:blip r:embed="rId4"/>
+          <a:stretch>
+            <a:fillRect/>
+          </a:stretch>
+        </p:blipFill>
+        <p:spPr>
+          <a:xfrm>
+            <a:off x="7863840" y="4209869"/>
+            <a:ext cx="3995928" cy="1914919"/>
+          </a:xfrm>
+          <a:prstGeom prst="rect">
+            <a:avLst/>
+          </a:prstGeom>
+        </p:spPr>
+      </p:pic>
+    </p:spTree>
+    <p:extLst>
+      <p:ext uri="{BB962C8B-B14F-4D97-AF65-F5344CB8AC3E}">
+        <p14:creationId xmlns:p14="http://schemas.microsoft.com/office/powerpoint/2010/main" val="2872209325"/>
       </p:ext>
     </p:extLst>
   </p:cSld>
